--- a/inflearn01/doc/내가만든코드는개발테스트운영에서작동합니다.pptx
+++ b/inflearn01/doc/내가만든코드는개발테스트운영에서작동합니다.pptx
@@ -5,17 +5,23 @@
     <p:sldMasterId id="2147483648" r:id="rId1"/>
   </p:sldMasterIdLst>
   <p:notesMasterIdLst>
-    <p:notesMasterId r:id="rId7"/>
+    <p:notesMasterId r:id="rId13"/>
   </p:notesMasterIdLst>
   <p:handoutMasterIdLst>
-    <p:handoutMasterId r:id="rId8"/>
+    <p:handoutMasterId r:id="rId14"/>
   </p:handoutMasterIdLst>
   <p:sldIdLst>
-    <p:sldId id="292" r:id="rId2"/>
-    <p:sldId id="294" r:id="rId3"/>
-    <p:sldId id="298" r:id="rId4"/>
-    <p:sldId id="295" r:id="rId5"/>
-    <p:sldId id="299" r:id="rId6"/>
+    <p:sldId id="300" r:id="rId2"/>
+    <p:sldId id="304" r:id="rId3"/>
+    <p:sldId id="305" r:id="rId4"/>
+    <p:sldId id="307" r:id="rId5"/>
+    <p:sldId id="308" r:id="rId6"/>
+    <p:sldId id="314" r:id="rId7"/>
+    <p:sldId id="310" r:id="rId8"/>
+    <p:sldId id="309" r:id="rId9"/>
+    <p:sldId id="292" r:id="rId10"/>
+    <p:sldId id="312" r:id="rId11"/>
+    <p:sldId id="311" r:id="rId12"/>
   </p:sldIdLst>
   <p:sldSz cx="12192000" cy="6858000"/>
   <p:notesSz cx="6858000" cy="9144000"/>
@@ -226,7 +232,7 @@
                 <a:latin typeface="맑은 고딕" panose="020B0503020000020004" pitchFamily="50" charset="-127"/>
                 <a:ea typeface="맑은 고딕" panose="020B0503020000020004" pitchFamily="50" charset="-127"/>
               </a:rPr>
-              <a:t>2021년 6월 7일</a:t>
+              <a:t>2021년 6월 8일</a:t>
             </a:fld>
             <a:endParaRPr lang="ko-KR" altLang="en-US">
               <a:latin typeface="맑은 고딕" panose="020B0503020000020004" pitchFamily="50" charset="-127"/>
@@ -323,60 +329,6 @@
 </p:handoutMaster>
 </file>
 
-<file path=ppt/ink/ink1.xml><?xml version="1.0" encoding="utf-8"?>
-<inkml:ink xmlns:inkml="http://www.w3.org/2003/InkML">
-  <inkml:definitions>
-    <inkml:context xml:id="ctx0">
-      <inkml:inkSource xml:id="inkSrc0">
-        <inkml:traceFormat>
-          <inkml:channel name="X" type="integer" min="-2.14748E9" max="2.14748E9" units="cm"/>
-          <inkml:channel name="Y" type="integer" min="-2.14748E9" max="2.14748E9" units="cm"/>
-          <inkml:channel name="F" type="integer" max="32767" units="dev"/>
-        </inkml:traceFormat>
-        <inkml:channelProperties>
-          <inkml:channelProperty channel="X" name="resolution" value="1000" units="1/cm"/>
-          <inkml:channelProperty channel="Y" name="resolution" value="1000" units="1/cm"/>
-          <inkml:channelProperty channel="F" name="resolution" value="0" units="1/dev"/>
-        </inkml:channelProperties>
-      </inkml:inkSource>
-      <inkml:timestamp xml:id="ts0" timeString="2021-06-07T11:02:08.245"/>
-    </inkml:context>
-    <inkml:brush xml:id="br0">
-      <inkml:brushProperty name="width" value="0.05" units="cm"/>
-      <inkml:brushProperty name="height" value="0.05" units="cm"/>
-    </inkml:brush>
-  </inkml:definitions>
-  <inkml:trace contextRef="#ctx0" brushRef="#br0">63 108 7107,'0'0'20175,"-5"-6"-19658,-4-3-4,0 0 0,-1 0 0,-19-13 0,28 18 143,10 3-456,77 1-156,96 13 0,-101-5 56,150-7-1,-101-4-7,24 3 39,-156-17-203,-26-13-3949,4 10-7896</inkml:trace>
-</inkml:ink>
-</file>
-
-<file path=ppt/ink/ink2.xml><?xml version="1.0" encoding="utf-8"?>
-<inkml:ink xmlns:inkml="http://www.w3.org/2003/InkML">
-  <inkml:definitions>
-    <inkml:context xml:id="ctx0">
-      <inkml:inkSource xml:id="inkSrc0">
-        <inkml:traceFormat>
-          <inkml:channel name="X" type="integer" min="-2.14748E9" max="2.14748E9" units="cm"/>
-          <inkml:channel name="Y" type="integer" min="-2.14748E9" max="2.14748E9" units="cm"/>
-          <inkml:channel name="F" type="integer" max="32767" units="dev"/>
-        </inkml:traceFormat>
-        <inkml:channelProperties>
-          <inkml:channelProperty channel="X" name="resolution" value="1000" units="1/cm"/>
-          <inkml:channelProperty channel="Y" name="resolution" value="1000" units="1/cm"/>
-          <inkml:channelProperty channel="F" name="resolution" value="0" units="1/dev"/>
-        </inkml:channelProperties>
-      </inkml:inkSource>
-      <inkml:timestamp xml:id="ts0" timeString="2021-06-07T11:02:08.684"/>
-    </inkml:context>
-    <inkml:brush xml:id="br0">
-      <inkml:brushProperty name="width" value="0.05" units="cm"/>
-      <inkml:brushProperty name="height" value="0.05" units="cm"/>
-    </inkml:brush>
-  </inkml:definitions>
-  <inkml:trace contextRef="#ctx0" brushRef="#br0">187 4 25596,'0'0'4645,"-5"-1"-4536,-12-2-226,22 6 48,38 10 31,-6-2 56,-15-4-3,85 33 25,-96-36-37,-1 2 0,1-1 0,-1 2 0,-1-1-1,1 1 1,-1 1 0,12 12 0,-19-18 0,-1 1 1,1-1-1,-1 1 1,1 0-1,-1-1 1,0 1-1,0 0 1,-1 0-1,1 0 1,0 0-1,-1 0 1,0 0-1,0-1 1,0 1-1,0 0 1,0 0-1,0 0 1,-2 4-1,1 0 18,-1 1-1,0-1 1,-1 0 0,0 0-1,0-1 1,-6 11 0,-6 4 41,0-1 1,-1-1 0,-1 0 0,-23 19 0,-86 64 69,80-67-111,1 1 0,-44 48 0,85-79-11,1 0 0,-1 0 0,1 0-1,0 1 1,0 0 0,1 0 0,0-1 0,-3 13 0,4-12-659,-1 0 1,0 0 0,0 0-1,-1-1 1,0 1-1,-4 6 1</inkml:trace>
-</inkml:ink>
-</file>
-
 <file path=ppt/notesMasters/notesMaster1.xml><?xml version="1.0" encoding="utf-8"?>
 <p:notesMaster xmlns:a="http://schemas.openxmlformats.org/drawingml/2006/main" xmlns:r="http://schemas.openxmlformats.org/officeDocument/2006/relationships" xmlns:p="http://schemas.openxmlformats.org/presentationml/2006/main">
   <p:cSld>
@@ -466,7 +418,7 @@
             <a:fld id="{BE16EC8A-0758-4FA9-BF4D-3119057076D1}" type="datetime4">
               <a:rPr lang="ko-KR" altLang="en-US" smtClean="0"/>
               <a:pPr/>
-              <a:t>2021년 6월 7일</a:t>
+              <a:t>2021년 6월 8일</a:t>
             </a:fld>
             <a:endParaRPr lang="ko-KR" altLang="en-US"/>
           </a:p>
@@ -2948,7 +2900,7 @@
           <a:p>
             <a:fld id="{2A5B65E4-62A8-4988-B07B-5D6D443B14ED}" type="datetime4">
               <a:rPr lang="ko-KR" altLang="en-US" smtClean="0"/>
-              <a:t>2021년 6월 7일</a:t>
+              <a:t>2021년 6월 8일</a:t>
             </a:fld>
             <a:endParaRPr lang="ko-KR" altLang="en-US"/>
           </a:p>
@@ -3204,7 +3156,7 @@
           <a:p>
             <a:fld id="{58EB6286-0DE7-4336-9826-977AD102FCF2}" type="datetime4">
               <a:rPr lang="ko-KR" altLang="en-US" noProof="0" smtClean="0"/>
-              <a:t>2021년 6월 7일</a:t>
+              <a:t>2021년 6월 8일</a:t>
             </a:fld>
             <a:endParaRPr lang="ko-KR" altLang="en-US" noProof="0"/>
           </a:p>
@@ -3400,7 +3352,7 @@
             <a:pPr rtl="0"/>
             <a:fld id="{6A5419DA-7218-42E5-A443-F000500111E1}" type="datetime4">
               <a:rPr lang="ko-KR" altLang="en-US" noProof="0" smtClean="0"/>
-              <a:t>2021년 6월 7일</a:t>
+              <a:t>2021년 6월 8일</a:t>
             </a:fld>
             <a:endParaRPr lang="ko-KR" altLang="en-US" noProof="0"/>
           </a:p>
@@ -5801,7 +5753,7 @@
           <a:p>
             <a:fld id="{E498C52F-1DF1-4226-BAB6-C1E2EE4C9D62}" type="datetime4">
               <a:rPr lang="ko-KR" altLang="en-US" noProof="0" smtClean="0"/>
-              <a:t>2021년 6월 7일</a:t>
+              <a:t>2021년 6월 8일</a:t>
             </a:fld>
             <a:endParaRPr lang="ko-KR" altLang="en-US" noProof="0"/>
           </a:p>
@@ -6320,7 +6272,7 @@
           <a:p>
             <a:fld id="{7B1E1FFC-F755-4558-8D3C-A157D1A01A8A}" type="datetime4">
               <a:rPr lang="ko-KR" altLang="en-US" noProof="0" smtClean="0"/>
-              <a:t>2021년 6월 7일</a:t>
+              <a:t>2021년 6월 8일</a:t>
             </a:fld>
             <a:endParaRPr lang="ko-KR" altLang="en-US" noProof="0"/>
           </a:p>
@@ -6464,7 +6416,7 @@
             <a:pPr rtl="0"/>
             <a:fld id="{DA2A33C0-A4A8-4C90-B6DA-35B8CF58C816}" type="datetime4">
               <a:rPr lang="ko-KR" altLang="en-US" noProof="0" smtClean="0"/>
-              <a:t>2021년 6월 7일</a:t>
+              <a:t>2021년 6월 8일</a:t>
             </a:fld>
             <a:endParaRPr lang="ko-KR" altLang="en-US" noProof="0"/>
           </a:p>
@@ -8412,7 +8364,7 @@
           <a:p>
             <a:fld id="{53CB1B8F-A14A-4BE4-A9B9-3B263F04145C}" type="datetime4">
               <a:rPr lang="ko-KR" altLang="en-US" noProof="0" smtClean="0"/>
-              <a:t>2021년 6월 7일</a:t>
+              <a:t>2021년 6월 8일</a:t>
             </a:fld>
             <a:endParaRPr lang="ko-KR" altLang="en-US" noProof="0"/>
           </a:p>
@@ -10709,7 +10661,7 @@
           <a:p>
             <a:fld id="{5B9196A3-957C-4113-A568-B6ED9AEA3D01}" type="datetime4">
               <a:rPr lang="ko-KR" altLang="en-US" noProof="0" smtClean="0"/>
-              <a:t>2021년 6월 7일</a:t>
+              <a:t>2021년 6월 8일</a:t>
             </a:fld>
             <a:endParaRPr lang="ko-KR" altLang="en-US" noProof="0"/>
           </a:p>
@@ -15026,7 +14978,7 @@
           <a:p>
             <a:fld id="{28BEB146-D335-4DA5-9826-58595BCDBE2E}" type="datetime4">
               <a:rPr lang="ko-KR" altLang="en-US" noProof="0" smtClean="0"/>
-              <a:t>2021년 6월 7일</a:t>
+              <a:t>2021년 6월 8일</a:t>
             </a:fld>
             <a:endParaRPr lang="ko-KR" altLang="en-US" noProof="0"/>
           </a:p>
@@ -15506,8 +15458,36 @@
           <a:p>
             <a:r>
               <a:rPr lang="ko-KR" altLang="en-US" dirty="0"/>
-              <a:t>개발자가 알아 두면 좋은 네트워크 개념</a:t>
-            </a:r>
+              <a:t>내가 만든 코드는</a:t>
+            </a:r>
+            <a:br>
+              <a:rPr lang="en-US" altLang="ko-KR" dirty="0"/>
+            </a:br>
+            <a:r>
+              <a:rPr lang="ko-KR" altLang="en-US" dirty="0"/>
+              <a:t>개발</a:t>
+            </a:r>
+            <a:r>
+              <a:rPr lang="en-US" altLang="ko-KR" dirty="0"/>
+              <a:t>/</a:t>
+            </a:r>
+            <a:r>
+              <a:rPr lang="ko-KR" altLang="en-US" dirty="0"/>
+              <a:t>테스트</a:t>
+            </a:r>
+            <a:r>
+              <a:rPr lang="en-US" altLang="ko-KR" dirty="0"/>
+              <a:t>/</a:t>
+            </a:r>
+            <a:r>
+              <a:rPr lang="ko-KR" altLang="en-US" dirty="0"/>
+              <a:t>운영에서 작동합니다</a:t>
+            </a:r>
+            <a:r>
+              <a:rPr lang="en-US" altLang="ko-KR" dirty="0"/>
+              <a:t>.</a:t>
+            </a:r>
+            <a:endParaRPr lang="ko-KR" altLang="en-US" dirty="0"/>
           </a:p>
         </p:txBody>
       </p:sp>
@@ -15527,194 +15507,324 @@
             <p:ph idx="1"/>
           </p:nvPr>
         </p:nvSpPr>
+        <p:spPr>
+          <a:xfrm>
+            <a:off x="1295400" y="1956924"/>
+            <a:ext cx="9601200" cy="3809999"/>
+          </a:xfrm>
+        </p:spPr>
+        <p:txBody>
+          <a:bodyPr>
+            <a:normAutofit/>
+          </a:bodyPr>
+          <a:lstStyle/>
+          <a:p>
+            <a:r>
+              <a:rPr lang="ko-KR" altLang="en-US" dirty="0"/>
+              <a:t>개발 환경</a:t>
+            </a:r>
+            <a:endParaRPr lang="en-US" altLang="ko-KR" dirty="0"/>
+          </a:p>
+          <a:p>
+            <a:pPr lvl="1"/>
+            <a:r>
+              <a:rPr lang="ko-KR" altLang="en-US" dirty="0"/>
+              <a:t>내장형 </a:t>
+            </a:r>
+            <a:r>
+              <a:rPr lang="ko-KR" altLang="en-US" dirty="0" err="1"/>
+              <a:t>톰캣</a:t>
+            </a:r>
+            <a:endParaRPr lang="en-US" altLang="ko-KR" dirty="0"/>
+          </a:p>
+          <a:p>
+            <a:pPr lvl="1"/>
+            <a:r>
+              <a:rPr lang="ko-KR" altLang="en-US"/>
+              <a:t>개발자 </a:t>
+            </a:r>
+            <a:r>
+              <a:rPr lang="en-US" altLang="ko-KR"/>
+              <a:t>PC</a:t>
+            </a:r>
+            <a:endParaRPr lang="en-US" altLang="ko-KR" dirty="0"/>
+          </a:p>
+          <a:p>
+            <a:r>
+              <a:rPr lang="ko-KR" altLang="en-US" dirty="0"/>
+              <a:t>테스트 환경</a:t>
+            </a:r>
+            <a:endParaRPr lang="en-US" altLang="ko-KR" dirty="0"/>
+          </a:p>
+          <a:p>
+            <a:pPr lvl="1"/>
+            <a:r>
+              <a:rPr lang="en-US" altLang="ko-KR" dirty="0"/>
+              <a:t>WEB/WAS, </a:t>
+            </a:r>
+            <a:r>
+              <a:rPr lang="en-US" altLang="ko-KR" dirty="0" err="1"/>
+              <a:t>javax.sql</a:t>
+            </a:r>
+            <a:r>
+              <a:rPr lang="en-US" altLang="ko-KR" err="1"/>
+              <a:t>.</a:t>
+            </a:r>
+            <a:r>
+              <a:rPr lang="en-US" altLang="ko-KR"/>
+              <a:t>DataSource(Connection Pool) </a:t>
+            </a:r>
+            <a:r>
+              <a:rPr lang="ko-KR" altLang="en-US" dirty="0"/>
+              <a:t>사용</a:t>
+            </a:r>
+            <a:endParaRPr lang="en-US" altLang="ko-KR" dirty="0"/>
+          </a:p>
+          <a:p>
+            <a:pPr lvl="1"/>
+            <a:r>
+              <a:rPr lang="ko-KR" altLang="en-US" dirty="0"/>
+              <a:t>데일리 빌드</a:t>
+            </a:r>
+            <a:r>
+              <a:rPr lang="en-US" altLang="ko-KR" dirty="0"/>
+              <a:t>(Daily Build)</a:t>
+            </a:r>
+          </a:p>
+          <a:p>
+            <a:r>
+              <a:rPr lang="ko-KR" altLang="en-US" dirty="0"/>
+              <a:t>운영환경</a:t>
+            </a:r>
+            <a:endParaRPr lang="en-US" altLang="ko-KR" dirty="0"/>
+          </a:p>
+          <a:p>
+            <a:pPr lvl="1"/>
+            <a:r>
+              <a:rPr lang="ko-KR" altLang="en-US" dirty="0"/>
+              <a:t>이중화</a:t>
+            </a:r>
+            <a:r>
+              <a:rPr lang="en-US" altLang="ko-KR"/>
+              <a:t>, </a:t>
+            </a:r>
+            <a:r>
+              <a:rPr lang="ko-KR" altLang="en-US"/>
+              <a:t>컨테이너 식별자 </a:t>
+            </a:r>
+            <a:r>
+              <a:rPr lang="ko-KR" altLang="en-US" dirty="0"/>
+              <a:t>필요</a:t>
+            </a:r>
+            <a:endParaRPr lang="en-US" altLang="ko-KR" dirty="0"/>
+          </a:p>
+          <a:p>
+            <a:pPr lvl="1"/>
+            <a:r>
+              <a:rPr lang="ko-KR" altLang="en-US" dirty="0"/>
+              <a:t>형상 통제</a:t>
+            </a:r>
+            <a:r>
+              <a:rPr lang="en-US" altLang="ko-KR"/>
+              <a:t>, </a:t>
+            </a:r>
+            <a:r>
+              <a:rPr lang="ko-KR" altLang="en-US"/>
+              <a:t>재가동 비용이 큼</a:t>
+            </a:r>
+            <a:endParaRPr lang="en-US" altLang="ko-KR" dirty="0"/>
+          </a:p>
+        </p:txBody>
+      </p:sp>
+    </p:spTree>
+    <p:extLst>
+      <p:ext uri="{BB962C8B-B14F-4D97-AF65-F5344CB8AC3E}">
+        <p14:creationId xmlns:p14="http://schemas.microsoft.com/office/powerpoint/2010/main" val="3942069664"/>
+      </p:ext>
+    </p:extLst>
+  </p:cSld>
+  <p:clrMapOvr>
+    <a:masterClrMapping/>
+  </p:clrMapOvr>
+  <mc:AlternateContent xmlns:mc="http://schemas.openxmlformats.org/markup-compatibility/2006" xmlns:p14="http://schemas.microsoft.com/office/powerpoint/2010/main">
+    <mc:Choice Requires="p14">
+      <p:transition spd="med" p14:dur="700">
+        <p:fade/>
+      </p:transition>
+    </mc:Choice>
+    <mc:Fallback xmlns="">
+      <p:transition spd="med">
+        <p:fade/>
+      </p:transition>
+    </mc:Fallback>
+  </mc:AlternateContent>
+</p:sld>
+</file>
+
+<file path=ppt/slides/slide10.xml><?xml version="1.0" encoding="utf-8"?>
+<p:sld xmlns:a="http://schemas.openxmlformats.org/drawingml/2006/main" xmlns:r="http://schemas.openxmlformats.org/officeDocument/2006/relationships" xmlns:p="http://schemas.openxmlformats.org/presentationml/2006/main">
+  <p:cSld>
+    <p:spTree>
+      <p:nvGrpSpPr>
+        <p:cNvPr id="1" name=""/>
+        <p:cNvGrpSpPr/>
+        <p:nvPr/>
+      </p:nvGrpSpPr>
+      <p:grpSpPr>
+        <a:xfrm>
+          <a:off x="0" y="0"/>
+          <a:ext cx="0" cy="0"/>
+          <a:chOff x="0" y="0"/>
+          <a:chExt cx="0" cy="0"/>
+        </a:xfrm>
+      </p:grpSpPr>
+      <p:sp>
+        <p:nvSpPr>
+          <p:cNvPr id="2" name="제목 1">
+            <a:extLst>
+              <a:ext uri="{FF2B5EF4-FFF2-40B4-BE49-F238E27FC236}">
+                <a16:creationId xmlns:a16="http://schemas.microsoft.com/office/drawing/2014/main" id="{42F30CF5-9949-4628-8C98-E505066C9C61}"/>
+              </a:ext>
+            </a:extLst>
+          </p:cNvPr>
+          <p:cNvSpPr>
+            <a:spLocks noGrp="1"/>
+          </p:cNvSpPr>
+          <p:nvPr>
+            <p:ph type="title"/>
+          </p:nvPr>
+        </p:nvSpPr>
         <p:spPr/>
         <p:txBody>
           <a:bodyPr/>
           <a:lstStyle/>
           <a:p>
             <a:r>
-              <a:rPr lang="ko-KR" altLang="en-US" dirty="0"/>
-              <a:t>통신 </a:t>
-            </a:r>
-            <a:r>
-              <a:rPr lang="en-US" altLang="ko-KR" dirty="0"/>
-              <a:t>3</a:t>
-            </a:r>
-            <a:r>
-              <a:rPr lang="ko-KR" altLang="en-US" dirty="0"/>
-              <a:t>요소</a:t>
-            </a:r>
-            <a:endParaRPr lang="en-US" altLang="ko-KR" dirty="0"/>
-          </a:p>
-          <a:p>
-            <a:pPr lvl="1"/>
-            <a:r>
-              <a:rPr lang="ko-KR" altLang="en-US" dirty="0"/>
-              <a:t>유선</a:t>
-            </a:r>
-            <a:r>
-              <a:rPr lang="en-US" altLang="ko-KR" dirty="0"/>
-              <a:t>(LAN), </a:t>
-            </a:r>
-            <a:r>
-              <a:rPr lang="ko-KR" altLang="en-US" dirty="0"/>
-              <a:t>무선</a:t>
-            </a:r>
-            <a:r>
-              <a:rPr lang="en-US" altLang="ko-KR" dirty="0"/>
-              <a:t>(WIFI)</a:t>
-            </a:r>
-          </a:p>
-          <a:p>
-            <a:pPr lvl="1"/>
-            <a:r>
-              <a:rPr lang="ko-KR" altLang="en-US" dirty="0"/>
-              <a:t>통신매체 시그널 중단 없음</a:t>
-            </a:r>
+              <a:rPr lang="ko-KR" altLang="en-US"/>
+              <a:t>내가 만든 코드는</a:t>
+            </a:r>
+            <a:br>
+              <a:rPr lang="en-US" altLang="ko-KR"/>
+            </a:br>
+            <a:r>
+              <a:rPr lang="ko-KR" altLang="en-US"/>
+              <a:t>개발</a:t>
+            </a:r>
+            <a:r>
+              <a:rPr lang="en-US" altLang="ko-KR"/>
+              <a:t>/</a:t>
+            </a:r>
+            <a:r>
+              <a:rPr lang="ko-KR" altLang="en-US"/>
+              <a:t>테스트</a:t>
+            </a:r>
+            <a:r>
+              <a:rPr lang="en-US" altLang="ko-KR"/>
+              <a:t>/</a:t>
+            </a:r>
+            <a:r>
+              <a:rPr lang="ko-KR" altLang="en-US"/>
+              <a:t>운영에서 작동합니다</a:t>
+            </a:r>
+            <a:r>
+              <a:rPr lang="en-US" altLang="ko-KR"/>
+              <a:t>.</a:t>
+            </a:r>
+            <a:endParaRPr lang="ko-KR" altLang="en-US"/>
           </a:p>
         </p:txBody>
       </p:sp>
       <p:sp>
         <p:nvSpPr>
-          <p:cNvPr id="4" name="직사각형 3">
+          <p:cNvPr id="3" name="내용 개체 틀 2">
             <a:extLst>
               <a:ext uri="{FF2B5EF4-FFF2-40B4-BE49-F238E27FC236}">
-                <a16:creationId xmlns:a16="http://schemas.microsoft.com/office/drawing/2014/main" id="{603F50D1-9592-4BE9-BCCC-128C3D969486}"/>
+                <a16:creationId xmlns:a16="http://schemas.microsoft.com/office/drawing/2014/main" id="{9A0EA8B7-53D3-4D13-9A2E-17CCBA9BBB6E}"/>
               </a:ext>
             </a:extLst>
           </p:cNvPr>
-          <p:cNvSpPr/>
+          <p:cNvSpPr>
+            <a:spLocks noGrp="1"/>
+          </p:cNvSpPr>
+          <p:nvPr>
+            <p:ph idx="1"/>
+          </p:nvPr>
+        </p:nvSpPr>
+        <p:spPr/>
+        <p:txBody>
+          <a:bodyPr/>
+          <a:lstStyle/>
+          <a:p>
+            <a:r>
+              <a:rPr lang="ko-KR" altLang="en-US"/>
+              <a:t>리로드 기능 </a:t>
+            </a:r>
+            <a:r>
+              <a:rPr lang="en-US" altLang="ko-KR"/>
+              <a:t>: </a:t>
+            </a:r>
+            <a:r>
+              <a:rPr lang="ko-KR" altLang="en-US"/>
+              <a:t>재사용</a:t>
+            </a:r>
+            <a:r>
+              <a:rPr lang="en-US" altLang="ko-KR"/>
+              <a:t>(</a:t>
+            </a:r>
+            <a:r>
+              <a:rPr lang="ko-KR" altLang="en-US"/>
+              <a:t>캐쉬</a:t>
+            </a:r>
+            <a:r>
+              <a:rPr lang="en-US" altLang="ko-KR"/>
+              <a:t>)</a:t>
+            </a:r>
+            <a:r>
+              <a:rPr lang="ko-KR" altLang="en-US"/>
+              <a:t>된 데이터를 삭제</a:t>
+            </a:r>
+          </a:p>
+          <a:p>
+            <a:endParaRPr lang="ko-KR" altLang="en-US"/>
+          </a:p>
+        </p:txBody>
+      </p:sp>
+      <p:pic>
+        <p:nvPicPr>
+          <p:cNvPr id="4" name="그림 3">
+            <a:extLst>
+              <a:ext uri="{FF2B5EF4-FFF2-40B4-BE49-F238E27FC236}">
+                <a16:creationId xmlns:a16="http://schemas.microsoft.com/office/drawing/2014/main" id="{975B7947-E6EF-487D-9D2E-17C4B8D10E35}"/>
+              </a:ext>
+            </a:extLst>
+          </p:cNvPr>
+          <p:cNvPicPr>
+            <a:picLocks noChangeAspect="1"/>
+          </p:cNvPicPr>
           <p:nvPr/>
-        </p:nvSpPr>
+        </p:nvPicPr>
+        <p:blipFill>
+          <a:blip r:embed="rId2"/>
+          <a:stretch>
+            <a:fillRect/>
+          </a:stretch>
+        </p:blipFill>
         <p:spPr>
           <a:xfrm>
-            <a:off x="2141086" y="3804911"/>
-            <a:ext cx="1139352" cy="495729"/>
+            <a:off x="1464658" y="3073879"/>
+            <a:ext cx="5824870" cy="1452657"/>
           </a:xfrm>
           <a:prstGeom prst="rect">
             <a:avLst/>
           </a:prstGeom>
         </p:spPr>
-        <p:style>
-          <a:lnRef idx="1">
-            <a:schemeClr val="accent3"/>
-          </a:lnRef>
-          <a:fillRef idx="2">
-            <a:schemeClr val="accent3"/>
-          </a:fillRef>
-          <a:effectRef idx="1">
-            <a:schemeClr val="accent3"/>
-          </a:effectRef>
-          <a:fontRef idx="minor">
-            <a:schemeClr val="dk1"/>
-          </a:fontRef>
-        </p:style>
-        <p:txBody>
-          <a:bodyPr rtlCol="0" anchor="ctr"/>
-          <a:lstStyle/>
-          <a:p>
-            <a:pPr algn="ctr"/>
-            <a:r>
-              <a:rPr lang="ko-KR" altLang="en-US" dirty="0"/>
-              <a:t>송신자</a:t>
-            </a:r>
-            <a:endParaRPr lang="en-US" altLang="ko-KR" dirty="0"/>
-          </a:p>
-        </p:txBody>
-      </p:sp>
+      </p:pic>
       <p:sp>
         <p:nvSpPr>
-          <p:cNvPr id="5" name="직사각형 4">
+          <p:cNvPr id="5" name="TextBox 4">
             <a:extLst>
               <a:ext uri="{FF2B5EF4-FFF2-40B4-BE49-F238E27FC236}">
-                <a16:creationId xmlns:a16="http://schemas.microsoft.com/office/drawing/2014/main" id="{A70C5260-2B7D-422E-A476-26607C5AD7FC}"/>
-              </a:ext>
-            </a:extLst>
-          </p:cNvPr>
-          <p:cNvSpPr/>
-          <p:nvPr/>
-        </p:nvSpPr>
-        <p:spPr>
-          <a:xfrm>
-            <a:off x="5582883" y="3804911"/>
-            <a:ext cx="1026234" cy="495729"/>
-          </a:xfrm>
-          <a:prstGeom prst="rect">
-            <a:avLst/>
-          </a:prstGeom>
-        </p:spPr>
-        <p:style>
-          <a:lnRef idx="1">
-            <a:schemeClr val="accent3"/>
-          </a:lnRef>
-          <a:fillRef idx="2">
-            <a:schemeClr val="accent3"/>
-          </a:fillRef>
-          <a:effectRef idx="1">
-            <a:schemeClr val="accent3"/>
-          </a:effectRef>
-          <a:fontRef idx="minor">
-            <a:schemeClr val="dk1"/>
-          </a:fontRef>
-        </p:style>
-        <p:txBody>
-          <a:bodyPr rtlCol="0" anchor="ctr"/>
-          <a:lstStyle/>
-          <a:p>
-            <a:pPr algn="ctr"/>
-            <a:r>
-              <a:rPr lang="ko-KR" altLang="en-US" dirty="0"/>
-              <a:t>수신자</a:t>
-            </a:r>
-          </a:p>
-        </p:txBody>
-      </p:sp>
-      <p:cxnSp>
-        <p:nvCxnSpPr>
-          <p:cNvPr id="7" name="직선 연결선 6">
-            <a:extLst>
-              <a:ext uri="{FF2B5EF4-FFF2-40B4-BE49-F238E27FC236}">
-                <a16:creationId xmlns:a16="http://schemas.microsoft.com/office/drawing/2014/main" id="{FBF9D902-7A1B-4C17-A3D9-C7490C32691A}"/>
-              </a:ext>
-            </a:extLst>
-          </p:cNvPr>
-          <p:cNvCxnSpPr>
-            <a:cxnSpLocks/>
-            <a:stCxn id="4" idx="3"/>
-            <a:endCxn id="5" idx="1"/>
-          </p:cNvCxnSpPr>
-          <p:nvPr/>
-        </p:nvCxnSpPr>
-        <p:spPr>
-          <a:xfrm>
-            <a:off x="3280438" y="4052776"/>
-            <a:ext cx="2302445" cy="0"/>
-          </a:xfrm>
-          <a:prstGeom prst="line">
-            <a:avLst/>
-          </a:prstGeom>
-        </p:spPr>
-        <p:style>
-          <a:lnRef idx="3">
-            <a:schemeClr val="dk1"/>
-          </a:lnRef>
-          <a:fillRef idx="0">
-            <a:schemeClr val="dk1"/>
-          </a:fillRef>
-          <a:effectRef idx="2">
-            <a:schemeClr val="dk1"/>
-          </a:effectRef>
-          <a:fontRef idx="minor">
-            <a:schemeClr val="tx1"/>
-          </a:fontRef>
-        </p:style>
-      </p:cxnSp>
-      <p:sp>
-        <p:nvSpPr>
-          <p:cNvPr id="11" name="TextBox 10">
-            <a:extLst>
-              <a:ext uri="{FF2B5EF4-FFF2-40B4-BE49-F238E27FC236}">
-                <a16:creationId xmlns:a16="http://schemas.microsoft.com/office/drawing/2014/main" id="{008AAEE0-856F-484A-A722-362DC251B289}"/>
+                <a16:creationId xmlns:a16="http://schemas.microsoft.com/office/drawing/2014/main" id="{B47F5132-92C0-4BAF-A41A-CAC54764350B}"/>
               </a:ext>
             </a:extLst>
           </p:cNvPr>
@@ -15723,8 +15833,8 @@
         </p:nvSpPr>
         <p:spPr>
           <a:xfrm>
-            <a:off x="3877662" y="3634104"/>
-            <a:ext cx="1107996" cy="369332"/>
+            <a:off x="1411981" y="2613258"/>
+            <a:ext cx="2892981" cy="369332"/>
           </a:xfrm>
           <a:prstGeom prst="rect">
             <a:avLst/>
@@ -15732,22 +15842,313 @@
           <a:noFill/>
         </p:spPr>
         <p:txBody>
-          <a:bodyPr wrap="none" rtlCol="0">
+          <a:bodyPr wrap="square" rtlCol="0">
             <a:spAutoFit/>
           </a:bodyPr>
           <a:lstStyle/>
           <a:p>
             <a:r>
-              <a:rPr lang="ko-KR" altLang="en-US" dirty="0"/>
-              <a:t>통신매체</a:t>
-            </a:r>
+              <a:rPr lang="en-US" altLang="ko-KR" sz="1800">
+                <a:solidFill>
+                  <a:schemeClr val="accent1"/>
+                </a:solidFill>
+                <a:latin typeface="Consolas" panose="020B0609020204030204" pitchFamily="49" charset="0"/>
+              </a:rPr>
+              <a:t>- </a:t>
+            </a:r>
+            <a:r>
+              <a:rPr lang="en-US" altLang="ko-KR">
+                <a:solidFill>
+                  <a:schemeClr val="accent1"/>
+                </a:solidFill>
+                <a:latin typeface="Consolas" panose="020B0609020204030204" pitchFamily="49" charset="0"/>
+              </a:rPr>
+              <a:t>TraceRunnter</a:t>
+            </a:r>
+            <a:r>
+              <a:rPr lang="en-US" altLang="ko-KR" sz="1800">
+                <a:solidFill>
+                  <a:schemeClr val="accent1"/>
+                </a:solidFill>
+                <a:latin typeface="Consolas" panose="020B0609020204030204" pitchFamily="49" charset="0"/>
+              </a:rPr>
+              <a:t>.java</a:t>
+            </a:r>
+            <a:endParaRPr lang="ko-KR" altLang="en-US" dirty="0">
+              <a:solidFill>
+                <a:schemeClr val="accent1"/>
+              </a:solidFill>
+            </a:endParaRPr>
           </a:p>
         </p:txBody>
       </p:sp>
     </p:spTree>
     <p:extLst>
       <p:ext uri="{BB962C8B-B14F-4D97-AF65-F5344CB8AC3E}">
-        <p14:creationId xmlns:p14="http://schemas.microsoft.com/office/powerpoint/2010/main" val="2983092278"/>
+        <p14:creationId xmlns:p14="http://schemas.microsoft.com/office/powerpoint/2010/main" val="715823335"/>
+      </p:ext>
+    </p:extLst>
+  </p:cSld>
+  <p:clrMapOvr>
+    <a:masterClrMapping/>
+  </p:clrMapOvr>
+  <mc:AlternateContent xmlns:mc="http://schemas.openxmlformats.org/markup-compatibility/2006" xmlns:p14="http://schemas.microsoft.com/office/powerpoint/2010/main">
+    <mc:Choice Requires="p14">
+      <p:transition spd="med" p14:dur="700">
+        <p:fade/>
+      </p:transition>
+    </mc:Choice>
+    <mc:Fallback xmlns="">
+      <p:transition spd="med">
+        <p:fade/>
+      </p:transition>
+    </mc:Fallback>
+  </mc:AlternateContent>
+</p:sld>
+</file>
+
+<file path=ppt/slides/slide11.xml><?xml version="1.0" encoding="utf-8"?>
+<p:sld xmlns:a="http://schemas.openxmlformats.org/drawingml/2006/main" xmlns:r="http://schemas.openxmlformats.org/officeDocument/2006/relationships" xmlns:p="http://schemas.openxmlformats.org/presentationml/2006/main">
+  <p:cSld>
+    <p:spTree>
+      <p:nvGrpSpPr>
+        <p:cNvPr id="1" name=""/>
+        <p:cNvGrpSpPr/>
+        <p:nvPr/>
+      </p:nvGrpSpPr>
+      <p:grpSpPr>
+        <a:xfrm>
+          <a:off x="0" y="0"/>
+          <a:ext cx="0" cy="0"/>
+          <a:chOff x="0" y="0"/>
+          <a:chExt cx="0" cy="0"/>
+        </a:xfrm>
+      </p:grpSpPr>
+      <p:sp>
+        <p:nvSpPr>
+          <p:cNvPr id="2" name="제목 1">
+            <a:extLst>
+              <a:ext uri="{FF2B5EF4-FFF2-40B4-BE49-F238E27FC236}">
+                <a16:creationId xmlns:a16="http://schemas.microsoft.com/office/drawing/2014/main" id="{28D78D5F-E582-4987-91DF-9C7C5BEBD4EB}"/>
+              </a:ext>
+            </a:extLst>
+          </p:cNvPr>
+          <p:cNvSpPr>
+            <a:spLocks noGrp="1"/>
+          </p:cNvSpPr>
+          <p:nvPr>
+            <p:ph type="title"/>
+          </p:nvPr>
+        </p:nvSpPr>
+        <p:spPr/>
+        <p:txBody>
+          <a:bodyPr/>
+          <a:lstStyle/>
+          <a:p>
+            <a:r>
+              <a:rPr lang="ko-KR" altLang="en-US" dirty="0"/>
+              <a:t>내가 만든 코드는</a:t>
+            </a:r>
+            <a:br>
+              <a:rPr lang="en-US" altLang="ko-KR" dirty="0"/>
+            </a:br>
+            <a:r>
+              <a:rPr lang="ko-KR" altLang="en-US" dirty="0"/>
+              <a:t>개발</a:t>
+            </a:r>
+            <a:r>
+              <a:rPr lang="en-US" altLang="ko-KR" dirty="0"/>
+              <a:t>/</a:t>
+            </a:r>
+            <a:r>
+              <a:rPr lang="ko-KR" altLang="en-US" dirty="0"/>
+              <a:t>테스트</a:t>
+            </a:r>
+            <a:r>
+              <a:rPr lang="en-US" altLang="ko-KR" dirty="0"/>
+              <a:t>/</a:t>
+            </a:r>
+            <a:r>
+              <a:rPr lang="ko-KR" altLang="en-US" dirty="0"/>
+              <a:t>운영에서 작동합니다</a:t>
+            </a:r>
+            <a:r>
+              <a:rPr lang="en-US" altLang="ko-KR" dirty="0"/>
+              <a:t>.</a:t>
+            </a:r>
+            <a:endParaRPr lang="ko-KR" altLang="en-US" dirty="0"/>
+          </a:p>
+        </p:txBody>
+      </p:sp>
+      <p:sp>
+        <p:nvSpPr>
+          <p:cNvPr id="3" name="내용 개체 틀 2">
+            <a:extLst>
+              <a:ext uri="{FF2B5EF4-FFF2-40B4-BE49-F238E27FC236}">
+                <a16:creationId xmlns:a16="http://schemas.microsoft.com/office/drawing/2014/main" id="{DFA47AE3-6532-4E43-9E16-6D279FF62F6D}"/>
+              </a:ext>
+            </a:extLst>
+          </p:cNvPr>
+          <p:cNvSpPr>
+            <a:spLocks noGrp="1"/>
+          </p:cNvSpPr>
+          <p:nvPr>
+            <p:ph idx="1"/>
+          </p:nvPr>
+        </p:nvSpPr>
+        <p:spPr>
+          <a:xfrm>
+            <a:off x="1295400" y="1956924"/>
+            <a:ext cx="9601200" cy="3809999"/>
+          </a:xfrm>
+        </p:spPr>
+        <p:txBody>
+          <a:bodyPr>
+            <a:normAutofit/>
+          </a:bodyPr>
+          <a:lstStyle/>
+          <a:p>
+            <a:r>
+              <a:rPr lang="ko-KR" altLang="en-US">
+                <a:solidFill>
+                  <a:schemeClr val="accent1"/>
+                </a:solidFill>
+              </a:rPr>
+              <a:t>실행하는 환경에 의존하지 않는 작동하는 소프트웨어 전달</a:t>
+            </a:r>
+            <a:endParaRPr lang="en-US" altLang="ko-KR">
+              <a:solidFill>
+                <a:schemeClr val="accent1"/>
+              </a:solidFill>
+            </a:endParaRPr>
+          </a:p>
+          <a:p>
+            <a:r>
+              <a:rPr lang="ko-KR" altLang="en-US">
+                <a:solidFill>
+                  <a:schemeClr val="accent1"/>
+                </a:solidFill>
+              </a:rPr>
+              <a:t>비기능 품질속성 중 이식성 해결</a:t>
+            </a:r>
+            <a:endParaRPr lang="en-US" altLang="ko-KR">
+              <a:solidFill>
+                <a:schemeClr val="accent1"/>
+              </a:solidFill>
+            </a:endParaRPr>
+          </a:p>
+          <a:p>
+            <a:pPr lvl="1"/>
+            <a:r>
+              <a:rPr lang="ko-KR" altLang="en-US"/>
+              <a:t>기준경로 </a:t>
+            </a:r>
+            <a:r>
+              <a:rPr lang="en-US" altLang="ko-KR"/>
+              <a:t>: WAS </a:t>
+            </a:r>
+            <a:r>
+              <a:rPr lang="ko-KR" altLang="en-US"/>
+              <a:t>의 </a:t>
+            </a:r>
+            <a:r>
+              <a:rPr lang="en-US" altLang="ko-KR"/>
+              <a:t>ROOT(</a:t>
+            </a:r>
+            <a:r>
+              <a:rPr lang="ko-KR" altLang="en-US"/>
+              <a:t>절대 경로</a:t>
+            </a:r>
+            <a:r>
+              <a:rPr lang="en-US" altLang="ko-KR"/>
+              <a:t>)</a:t>
+            </a:r>
+          </a:p>
+          <a:p>
+            <a:pPr lvl="1"/>
+            <a:r>
+              <a:rPr lang="ko-KR" altLang="en-US"/>
+              <a:t>호스트 이름 </a:t>
+            </a:r>
+            <a:r>
+              <a:rPr lang="en-US" altLang="ko-KR"/>
+              <a:t>: WAS </a:t>
+            </a:r>
+            <a:r>
+              <a:rPr lang="ko-KR" altLang="en-US"/>
+              <a:t>가 실행되는 컴퓨터 이름</a:t>
+            </a:r>
+            <a:endParaRPr lang="en-US" altLang="ko-KR"/>
+          </a:p>
+          <a:p>
+            <a:pPr lvl="1"/>
+            <a:r>
+              <a:rPr lang="en-US" altLang="ko-KR"/>
+              <a:t>WAS(</a:t>
+            </a:r>
+            <a:r>
+              <a:rPr lang="ko-KR" altLang="en-US"/>
+              <a:t>컨테이너</a:t>
+            </a:r>
+            <a:r>
+              <a:rPr lang="en-US" altLang="ko-KR"/>
+              <a:t>)</a:t>
+            </a:r>
+            <a:r>
+              <a:rPr lang="ko-KR" altLang="en-US"/>
+              <a:t> </a:t>
+            </a:r>
+            <a:r>
+              <a:rPr lang="en-US" altLang="ko-KR"/>
+              <a:t>: WAS</a:t>
+            </a:r>
+            <a:r>
+              <a:rPr lang="ko-KR" altLang="en-US"/>
+              <a:t> 를 구분할 수 있는 이름</a:t>
+            </a:r>
+            <a:endParaRPr lang="en-US" altLang="ko-KR"/>
+          </a:p>
+          <a:p>
+            <a:pPr lvl="1"/>
+            <a:r>
+              <a:rPr lang="ko-KR" altLang="en-US"/>
+              <a:t>리로드 기능 </a:t>
+            </a:r>
+            <a:r>
+              <a:rPr lang="en-US" altLang="ko-KR"/>
+              <a:t>: </a:t>
+            </a:r>
+            <a:r>
+              <a:rPr lang="ko-KR" altLang="en-US"/>
+              <a:t>재사용</a:t>
+            </a:r>
+            <a:r>
+              <a:rPr lang="en-US" altLang="ko-KR"/>
+              <a:t>(</a:t>
+            </a:r>
+            <a:r>
+              <a:rPr lang="ko-KR" altLang="en-US"/>
+              <a:t>캐쉬</a:t>
+            </a:r>
+            <a:r>
+              <a:rPr lang="en-US" altLang="ko-KR"/>
+              <a:t>)</a:t>
+            </a:r>
+            <a:r>
+              <a:rPr lang="ko-KR" altLang="en-US"/>
+              <a:t>된 데이터를 삭제</a:t>
+            </a:r>
+            <a:endParaRPr lang="en-US" altLang="ko-KR"/>
+          </a:p>
+          <a:p>
+            <a:endParaRPr lang="en-US" altLang="ko-KR" dirty="0"/>
+          </a:p>
+        </p:txBody>
+      </p:sp>
+    </p:spTree>
+    <p:extLst>
+      <p:ext uri="{BB962C8B-B14F-4D97-AF65-F5344CB8AC3E}">
+        <p14:creationId xmlns:p14="http://schemas.microsoft.com/office/powerpoint/2010/main" val="2423439805"/>
       </p:ext>
     </p:extLst>
   </p:cSld>
@@ -15791,7 +16192,7 @@
           <p:cNvPr id="2" name="제목 1">
             <a:extLst>
               <a:ext uri="{FF2B5EF4-FFF2-40B4-BE49-F238E27FC236}">
-                <a16:creationId xmlns:a16="http://schemas.microsoft.com/office/drawing/2014/main" id="{28D78D5F-E582-4987-91DF-9C7C5BEBD4EB}"/>
+                <a16:creationId xmlns:a16="http://schemas.microsoft.com/office/drawing/2014/main" id="{8F0C5AA7-B037-4537-92B0-6DE39A7451DE}"/>
               </a:ext>
             </a:extLst>
           </p:cNvPr>
@@ -15808,9 +16209,37 @@
           <a:lstStyle/>
           <a:p>
             <a:r>
-              <a:rPr lang="ko-KR" altLang="en-US" dirty="0"/>
-              <a:t>개발자가 알아 두면 좋은 네트워크 개념</a:t>
-            </a:r>
+              <a:rPr lang="ko-KR" altLang="en-US"/>
+              <a:t>내가 만든 코드는</a:t>
+            </a:r>
+            <a:br>
+              <a:rPr lang="en-US" altLang="ko-KR"/>
+            </a:br>
+            <a:r>
+              <a:rPr lang="ko-KR" altLang="en-US"/>
+              <a:t>개발</a:t>
+            </a:r>
+            <a:r>
+              <a:rPr lang="en-US" altLang="ko-KR"/>
+              <a:t>/</a:t>
+            </a:r>
+            <a:r>
+              <a:rPr lang="ko-KR" altLang="en-US"/>
+              <a:t>테스트</a:t>
+            </a:r>
+            <a:r>
+              <a:rPr lang="en-US" altLang="ko-KR"/>
+              <a:t>/</a:t>
+            </a:r>
+            <a:r>
+              <a:rPr lang="ko-KR" altLang="en-US"/>
+              <a:t>운영에서 작동합니다</a:t>
+            </a:r>
+            <a:r>
+              <a:rPr lang="en-US" altLang="ko-KR"/>
+              <a:t>.</a:t>
+            </a:r>
+            <a:endParaRPr lang="ko-KR" altLang="en-US"/>
           </a:p>
         </p:txBody>
       </p:sp>
@@ -15819,7 +16248,7 @@
           <p:cNvPr id="3" name="내용 개체 틀 2">
             <a:extLst>
               <a:ext uri="{FF2B5EF4-FFF2-40B4-BE49-F238E27FC236}">
-                <a16:creationId xmlns:a16="http://schemas.microsoft.com/office/drawing/2014/main" id="{DFA47AE3-6532-4E43-9E16-6D279FF62F6D}"/>
+                <a16:creationId xmlns:a16="http://schemas.microsoft.com/office/drawing/2014/main" id="{E37BC319-8748-4067-8C74-3565F21E0953}"/>
               </a:ext>
             </a:extLst>
           </p:cNvPr>
@@ -15832,388 +16261,126 @@
         </p:nvSpPr>
         <p:spPr/>
         <p:txBody>
-          <a:bodyPr/>
+          <a:bodyPr>
+            <a:normAutofit/>
+          </a:bodyPr>
           <a:lstStyle/>
           <a:p>
             <a:r>
-              <a:rPr lang="en-US" altLang="ko-KR" dirty="0"/>
-              <a:t>MAC (Media Access Control Address)</a:t>
-            </a:r>
+              <a:rPr lang="ko-KR" altLang="en-US"/>
+              <a:t>필요한 정보</a:t>
+            </a:r>
+            <a:endParaRPr lang="en-US" altLang="ko-KR"/>
           </a:p>
           <a:p>
             <a:pPr lvl="1"/>
             <a:r>
-              <a:rPr lang="ko-KR" altLang="en-US" dirty="0"/>
-              <a:t>물리적</a:t>
-            </a:r>
-            <a:r>
-              <a:rPr lang="en-US" altLang="ko-KR" dirty="0"/>
-              <a:t>, </a:t>
-            </a:r>
-            <a:r>
-              <a:rPr lang="ko-KR" altLang="en-US" dirty="0"/>
-              <a:t>유일한 값</a:t>
-            </a:r>
-            <a:endParaRPr lang="en-US" altLang="ko-KR" dirty="0"/>
+              <a:rPr lang="ko-KR" altLang="en-US"/>
+              <a:t>기준경로 </a:t>
+            </a:r>
+            <a:r>
+              <a:rPr lang="en-US" altLang="ko-KR"/>
+              <a:t>: WAS </a:t>
+            </a:r>
+            <a:r>
+              <a:rPr lang="ko-KR" altLang="en-US"/>
+              <a:t>의 </a:t>
+            </a:r>
+            <a:r>
+              <a:rPr lang="en-US" altLang="ko-KR"/>
+              <a:t>ROOT(</a:t>
+            </a:r>
+            <a:r>
+              <a:rPr lang="ko-KR" altLang="en-US"/>
+              <a:t>절대 경로</a:t>
+            </a:r>
+            <a:r>
+              <a:rPr lang="en-US" altLang="ko-KR"/>
+              <a:t>)</a:t>
+            </a:r>
           </a:p>
           <a:p>
             <a:pPr lvl="1"/>
             <a:r>
-              <a:rPr lang="ko-KR" altLang="en-US" dirty="0"/>
-              <a:t>스위치에 연결된 모든 호스트에 데이터 전송</a:t>
+              <a:rPr lang="ko-KR" altLang="en-US"/>
+              <a:t>호스트 이름 </a:t>
+            </a:r>
+            <a:r>
+              <a:rPr lang="en-US" altLang="ko-KR"/>
+              <a:t>: WAS </a:t>
+            </a:r>
+            <a:r>
+              <a:rPr lang="ko-KR" altLang="en-US"/>
+              <a:t>가 실행되는 컴퓨터 이름</a:t>
+            </a:r>
+            <a:endParaRPr lang="en-US" altLang="ko-KR"/>
+          </a:p>
+          <a:p>
+            <a:pPr lvl="1"/>
+            <a:r>
+              <a:rPr lang="en-US" altLang="ko-KR"/>
+              <a:t>WAS(</a:t>
+            </a:r>
+            <a:r>
+              <a:rPr lang="ko-KR" altLang="en-US"/>
+              <a:t>컨테이너</a:t>
+            </a:r>
+            <a:r>
+              <a:rPr lang="en-US" altLang="ko-KR"/>
+              <a:t>)</a:t>
+            </a:r>
+            <a:r>
+              <a:rPr lang="ko-KR" altLang="en-US"/>
+              <a:t> </a:t>
+            </a:r>
+            <a:r>
+              <a:rPr lang="en-US" altLang="ko-KR"/>
+              <a:t>: WAS</a:t>
+            </a:r>
+            <a:r>
+              <a:rPr lang="ko-KR" altLang="en-US"/>
+              <a:t> 를 구분할 수 있는 이름</a:t>
+            </a:r>
+            <a:endParaRPr lang="en-US" altLang="ko-KR"/>
+          </a:p>
+          <a:p>
+            <a:pPr lvl="1"/>
+            <a:r>
+              <a:rPr lang="ko-KR" altLang="en-US"/>
+              <a:t>리로드 기능 </a:t>
+            </a:r>
+            <a:r>
+              <a:rPr lang="en-US" altLang="ko-KR"/>
+              <a:t>: </a:t>
+            </a:r>
+            <a:r>
+              <a:rPr lang="ko-KR" altLang="en-US"/>
+              <a:t>재사용</a:t>
+            </a:r>
+            <a:r>
+              <a:rPr lang="en-US" altLang="ko-KR"/>
+              <a:t>(</a:t>
+            </a:r>
+            <a:r>
+              <a:rPr lang="ko-KR" altLang="en-US"/>
+              <a:t>캐쉬</a:t>
+            </a:r>
+            <a:r>
+              <a:rPr lang="en-US" altLang="ko-KR"/>
+              <a:t>)</a:t>
+            </a:r>
+            <a:r>
+              <a:rPr lang="ko-KR" altLang="en-US"/>
+              <a:t>된 데이터를 삭제</a:t>
             </a:r>
             <a:endParaRPr lang="en-US" altLang="ko-KR" dirty="0"/>
           </a:p>
         </p:txBody>
       </p:sp>
-      <p:sp>
-        <p:nvSpPr>
-          <p:cNvPr id="7" name="직사각형 6">
-            <a:extLst>
-              <a:ext uri="{FF2B5EF4-FFF2-40B4-BE49-F238E27FC236}">
-                <a16:creationId xmlns:a16="http://schemas.microsoft.com/office/drawing/2014/main" id="{87D226EF-6CF8-4B13-B123-1D1BAA00F05D}"/>
-              </a:ext>
-            </a:extLst>
-          </p:cNvPr>
-          <p:cNvSpPr/>
-          <p:nvPr/>
-        </p:nvSpPr>
-        <p:spPr>
-          <a:xfrm>
-            <a:off x="1945927" y="3974306"/>
-            <a:ext cx="1181470" cy="495729"/>
-          </a:xfrm>
-          <a:prstGeom prst="rect">
-            <a:avLst/>
-          </a:prstGeom>
-        </p:spPr>
-        <p:style>
-          <a:lnRef idx="1">
-            <a:schemeClr val="accent3"/>
-          </a:lnRef>
-          <a:fillRef idx="2">
-            <a:schemeClr val="accent3"/>
-          </a:fillRef>
-          <a:effectRef idx="1">
-            <a:schemeClr val="accent3"/>
-          </a:effectRef>
-          <a:fontRef idx="minor">
-            <a:schemeClr val="dk1"/>
-          </a:fontRef>
-        </p:style>
-        <p:txBody>
-          <a:bodyPr rtlCol="0" anchor="ctr"/>
-          <a:lstStyle/>
-          <a:p>
-            <a:pPr algn="ctr"/>
-            <a:r>
-              <a:rPr lang="ko-KR" altLang="en-US" dirty="0"/>
-              <a:t>송신자</a:t>
-            </a:r>
-            <a:r>
-              <a:rPr lang="en-US" altLang="ko-KR" dirty="0"/>
-              <a:t>A</a:t>
-            </a:r>
-            <a:endParaRPr lang="ko-KR" altLang="en-US" dirty="0"/>
-          </a:p>
-        </p:txBody>
-      </p:sp>
-      <p:sp>
-        <p:nvSpPr>
-          <p:cNvPr id="9" name="직사각형 8">
-            <a:extLst>
-              <a:ext uri="{FF2B5EF4-FFF2-40B4-BE49-F238E27FC236}">
-                <a16:creationId xmlns:a16="http://schemas.microsoft.com/office/drawing/2014/main" id="{CFB9D00F-1B68-43CA-B9F8-A6BEB4FDAE60}"/>
-              </a:ext>
-            </a:extLst>
-          </p:cNvPr>
-          <p:cNvSpPr/>
-          <p:nvPr/>
-        </p:nvSpPr>
-        <p:spPr>
-          <a:xfrm>
-            <a:off x="3622741" y="4007901"/>
-            <a:ext cx="1181470" cy="462133"/>
-          </a:xfrm>
-          <a:prstGeom prst="rect">
-            <a:avLst/>
-          </a:prstGeom>
-        </p:spPr>
-        <p:style>
-          <a:lnRef idx="0">
-            <a:schemeClr val="accent1"/>
-          </a:lnRef>
-          <a:fillRef idx="3">
-            <a:schemeClr val="accent1"/>
-          </a:fillRef>
-          <a:effectRef idx="3">
-            <a:schemeClr val="accent1"/>
-          </a:effectRef>
-          <a:fontRef idx="minor">
-            <a:schemeClr val="lt1"/>
-          </a:fontRef>
-        </p:style>
-        <p:txBody>
-          <a:bodyPr rtlCol="0" anchor="ctr"/>
-          <a:lstStyle/>
-          <a:p>
-            <a:pPr algn="ctr"/>
-            <a:r>
-              <a:rPr lang="ko-KR" altLang="en-US" dirty="0"/>
-              <a:t>스위치</a:t>
-            </a:r>
-          </a:p>
-        </p:txBody>
-      </p:sp>
-      <p:sp>
-        <p:nvSpPr>
-          <p:cNvPr id="11" name="직사각형 10">
-            <a:extLst>
-              <a:ext uri="{FF2B5EF4-FFF2-40B4-BE49-F238E27FC236}">
-                <a16:creationId xmlns:a16="http://schemas.microsoft.com/office/drawing/2014/main" id="{C128F8CA-0D3F-490C-8FBA-4F60D84B8A09}"/>
-              </a:ext>
-            </a:extLst>
-          </p:cNvPr>
-          <p:cNvSpPr/>
-          <p:nvPr/>
-        </p:nvSpPr>
-        <p:spPr>
-          <a:xfrm>
-            <a:off x="3622741" y="4924338"/>
-            <a:ext cx="1181470" cy="495729"/>
-          </a:xfrm>
-          <a:prstGeom prst="rect">
-            <a:avLst/>
-          </a:prstGeom>
-        </p:spPr>
-        <p:style>
-          <a:lnRef idx="1">
-            <a:schemeClr val="accent3"/>
-          </a:lnRef>
-          <a:fillRef idx="2">
-            <a:schemeClr val="accent3"/>
-          </a:fillRef>
-          <a:effectRef idx="1">
-            <a:schemeClr val="accent3"/>
-          </a:effectRef>
-          <a:fontRef idx="minor">
-            <a:schemeClr val="dk1"/>
-          </a:fontRef>
-        </p:style>
-        <p:txBody>
-          <a:bodyPr rtlCol="0" anchor="ctr"/>
-          <a:lstStyle/>
-          <a:p>
-            <a:pPr algn="ctr"/>
-            <a:r>
-              <a:rPr lang="ko-KR" altLang="en-US" dirty="0"/>
-              <a:t>수신자</a:t>
-            </a:r>
-            <a:r>
-              <a:rPr lang="en-US" altLang="ko-KR" dirty="0"/>
-              <a:t>B</a:t>
-            </a:r>
-            <a:endParaRPr lang="ko-KR" altLang="en-US" dirty="0"/>
-          </a:p>
-        </p:txBody>
-      </p:sp>
-      <p:sp>
-        <p:nvSpPr>
-          <p:cNvPr id="12" name="직사각형 11">
-            <a:extLst>
-              <a:ext uri="{FF2B5EF4-FFF2-40B4-BE49-F238E27FC236}">
-                <a16:creationId xmlns:a16="http://schemas.microsoft.com/office/drawing/2014/main" id="{0392E843-4BE9-4EA6-99B6-4B3EAE765D58}"/>
-              </a:ext>
-            </a:extLst>
-          </p:cNvPr>
-          <p:cNvSpPr/>
-          <p:nvPr/>
-        </p:nvSpPr>
-        <p:spPr>
-          <a:xfrm>
-            <a:off x="5299555" y="4007901"/>
-            <a:ext cx="1181470" cy="495729"/>
-          </a:xfrm>
-          <a:prstGeom prst="rect">
-            <a:avLst/>
-          </a:prstGeom>
-        </p:spPr>
-        <p:style>
-          <a:lnRef idx="1">
-            <a:schemeClr val="accent3"/>
-          </a:lnRef>
-          <a:fillRef idx="2">
-            <a:schemeClr val="accent3"/>
-          </a:fillRef>
-          <a:effectRef idx="1">
-            <a:schemeClr val="accent3"/>
-          </a:effectRef>
-          <a:fontRef idx="minor">
-            <a:schemeClr val="dk1"/>
-          </a:fontRef>
-        </p:style>
-        <p:txBody>
-          <a:bodyPr rtlCol="0" anchor="ctr"/>
-          <a:lstStyle/>
-          <a:p>
-            <a:pPr algn="ctr"/>
-            <a:r>
-              <a:rPr lang="ko-KR" altLang="en-US" dirty="0"/>
-              <a:t>라우터</a:t>
-            </a:r>
-          </a:p>
-        </p:txBody>
-      </p:sp>
-      <p:sp>
-        <p:nvSpPr>
-          <p:cNvPr id="14" name="직사각형 13">
-            <a:extLst>
-              <a:ext uri="{FF2B5EF4-FFF2-40B4-BE49-F238E27FC236}">
-                <a16:creationId xmlns:a16="http://schemas.microsoft.com/office/drawing/2014/main" id="{7DC01417-CF02-48AA-B5D2-435D4519CA17}"/>
-              </a:ext>
-            </a:extLst>
-          </p:cNvPr>
-          <p:cNvSpPr/>
-          <p:nvPr/>
-        </p:nvSpPr>
-        <p:spPr>
-          <a:xfrm>
-            <a:off x="6976369" y="3974305"/>
-            <a:ext cx="1181470" cy="495729"/>
-          </a:xfrm>
-          <a:prstGeom prst="rect">
-            <a:avLst/>
-          </a:prstGeom>
-        </p:spPr>
-        <p:style>
-          <a:lnRef idx="1">
-            <a:schemeClr val="accent3"/>
-          </a:lnRef>
-          <a:fillRef idx="2">
-            <a:schemeClr val="accent3"/>
-          </a:fillRef>
-          <a:effectRef idx="1">
-            <a:schemeClr val="accent3"/>
-          </a:effectRef>
-          <a:fontRef idx="minor">
-            <a:schemeClr val="dk1"/>
-          </a:fontRef>
-        </p:style>
-        <p:txBody>
-          <a:bodyPr rtlCol="0" anchor="ctr"/>
-          <a:lstStyle/>
-          <a:p>
-            <a:pPr algn="ctr"/>
-            <a:r>
-              <a:rPr lang="ko-KR" altLang="en-US" dirty="0"/>
-              <a:t>수신자</a:t>
-            </a:r>
-            <a:r>
-              <a:rPr lang="en-US" altLang="ko-KR" dirty="0"/>
-              <a:t>C</a:t>
-            </a:r>
-            <a:endParaRPr lang="ko-KR" altLang="en-US" dirty="0"/>
-          </a:p>
-        </p:txBody>
-      </p:sp>
-      <p:sp>
-        <p:nvSpPr>
-          <p:cNvPr id="13" name="TextBox 12">
-            <a:extLst>
-              <a:ext uri="{FF2B5EF4-FFF2-40B4-BE49-F238E27FC236}">
-                <a16:creationId xmlns:a16="http://schemas.microsoft.com/office/drawing/2014/main" id="{D858F2B1-A00B-4C27-B74C-6B9DEDE9DA17}"/>
-              </a:ext>
-            </a:extLst>
-          </p:cNvPr>
-          <p:cNvSpPr txBox="1"/>
-          <p:nvPr/>
-        </p:nvSpPr>
-        <p:spPr>
-          <a:xfrm>
-            <a:off x="554869" y="4648835"/>
-            <a:ext cx="1839030" cy="923330"/>
-          </a:xfrm>
-          <a:prstGeom prst="rect">
-            <a:avLst/>
-          </a:prstGeom>
-          <a:noFill/>
-        </p:spPr>
-        <p:txBody>
-          <a:bodyPr wrap="none" rtlCol="0">
-            <a:spAutoFit/>
-          </a:bodyPr>
-          <a:lstStyle/>
-          <a:p>
-            <a:r>
-              <a:rPr lang="en-US" altLang="ko-KR" dirty="0"/>
-              <a:t>FROM_MAC : A</a:t>
-            </a:r>
-          </a:p>
-          <a:p>
-            <a:r>
-              <a:rPr lang="en-US" altLang="ko-KR" dirty="0"/>
-              <a:t>TO_ MAC: B</a:t>
-            </a:r>
-          </a:p>
-          <a:p>
-            <a:r>
-              <a:rPr lang="ko-KR" altLang="en-US" dirty="0"/>
-              <a:t>데이터</a:t>
-            </a:r>
-          </a:p>
-        </p:txBody>
-      </p:sp>
-      <p:pic>
-        <p:nvPicPr>
-          <p:cNvPr id="1026" name="Picture 2">
-            <a:extLst>
-              <a:ext uri="{FF2B5EF4-FFF2-40B4-BE49-F238E27FC236}">
-                <a16:creationId xmlns:a16="http://schemas.microsoft.com/office/drawing/2014/main" id="{B3E1D91D-96CC-42F8-9737-045655BCDE13}"/>
-              </a:ext>
-            </a:extLst>
-          </p:cNvPr>
-          <p:cNvPicPr>
-            <a:picLocks noChangeAspect="1" noChangeArrowheads="1"/>
-          </p:cNvPicPr>
-          <p:nvPr/>
-        </p:nvPicPr>
-        <p:blipFill>
-          <a:blip r:embed="rId2">
-            <a:extLst>
-              <a:ext uri="{28A0092B-C50C-407E-A947-70E740481C1C}">
-                <a14:useLocalDpi xmlns:a14="http://schemas.microsoft.com/office/drawing/2010/main" val="0"/>
-              </a:ext>
-            </a:extLst>
-          </a:blip>
-          <a:srcRect/>
-          <a:stretch>
-            <a:fillRect/>
-          </a:stretch>
-        </p:blipFill>
-        <p:spPr bwMode="auto">
-          <a:xfrm>
-            <a:off x="8538785" y="1484737"/>
-            <a:ext cx="3280943" cy="1944263"/>
-          </a:xfrm>
-          <a:prstGeom prst="rect">
-            <a:avLst/>
-          </a:prstGeom>
-          <a:noFill/>
-          <a:extLst>
-            <a:ext uri="{909E8E84-426E-40DD-AFC4-6F175D3DCCD1}">
-              <a14:hiddenFill xmlns:a14="http://schemas.microsoft.com/office/drawing/2010/main">
-                <a:solidFill>
-                  <a:srgbClr val="FFFFFF"/>
-                </a:solidFill>
-              </a14:hiddenFill>
-            </a:ext>
-          </a:extLst>
-        </p:spPr>
-      </p:pic>
     </p:spTree>
     <p:extLst>
       <p:ext uri="{BB962C8B-B14F-4D97-AF65-F5344CB8AC3E}">
-        <p14:creationId xmlns:p14="http://schemas.microsoft.com/office/powerpoint/2010/main" val="3452382363"/>
+        <p14:creationId xmlns:p14="http://schemas.microsoft.com/office/powerpoint/2010/main" val="1047970056"/>
       </p:ext>
     </p:extLst>
   </p:cSld>
@@ -16257,7 +16424,7 @@
           <p:cNvPr id="2" name="제목 1">
             <a:extLst>
               <a:ext uri="{FF2B5EF4-FFF2-40B4-BE49-F238E27FC236}">
-                <a16:creationId xmlns:a16="http://schemas.microsoft.com/office/drawing/2014/main" id="{28D78D5F-E582-4987-91DF-9C7C5BEBD4EB}"/>
+                <a16:creationId xmlns:a16="http://schemas.microsoft.com/office/drawing/2014/main" id="{CE5DD68F-8713-4C87-B602-DB80B8BA2FAE}"/>
               </a:ext>
             </a:extLst>
           </p:cNvPr>
@@ -16274,9 +16441,37 @@
           <a:lstStyle/>
           <a:p>
             <a:r>
-              <a:rPr lang="ko-KR" altLang="en-US" dirty="0"/>
-              <a:t>개발자가 알아 두면 좋은 네트워크 개념</a:t>
-            </a:r>
+              <a:rPr lang="ko-KR" altLang="en-US"/>
+              <a:t>내가 만든 코드는</a:t>
+            </a:r>
+            <a:br>
+              <a:rPr lang="en-US" altLang="ko-KR"/>
+            </a:br>
+            <a:r>
+              <a:rPr lang="ko-KR" altLang="en-US"/>
+              <a:t>개발</a:t>
+            </a:r>
+            <a:r>
+              <a:rPr lang="en-US" altLang="ko-KR"/>
+              <a:t>/</a:t>
+            </a:r>
+            <a:r>
+              <a:rPr lang="ko-KR" altLang="en-US"/>
+              <a:t>테스트</a:t>
+            </a:r>
+            <a:r>
+              <a:rPr lang="en-US" altLang="ko-KR"/>
+              <a:t>/</a:t>
+            </a:r>
+            <a:r>
+              <a:rPr lang="ko-KR" altLang="en-US"/>
+              <a:t>운영에서 작동합니다</a:t>
+            </a:r>
+            <a:r>
+              <a:rPr lang="en-US" altLang="ko-KR"/>
+              <a:t>.</a:t>
+            </a:r>
+            <a:endParaRPr lang="ko-KR" altLang="en-US"/>
           </a:p>
         </p:txBody>
       </p:sp>
@@ -16285,7 +16480,7 @@
           <p:cNvPr id="3" name="내용 개체 틀 2">
             <a:extLst>
               <a:ext uri="{FF2B5EF4-FFF2-40B4-BE49-F238E27FC236}">
-                <a16:creationId xmlns:a16="http://schemas.microsoft.com/office/drawing/2014/main" id="{DFA47AE3-6532-4E43-9E16-6D279FF62F6D}"/>
+                <a16:creationId xmlns:a16="http://schemas.microsoft.com/office/drawing/2014/main" id="{DB759801-C96C-423A-92FB-C765F66F0309}"/>
               </a:ext>
             </a:extLst>
           </p:cNvPr>
@@ -16302,381 +16497,82 @@
           <a:lstStyle/>
           <a:p>
             <a:r>
-              <a:rPr lang="en-US" altLang="ko-KR" dirty="0"/>
-              <a:t>IP </a:t>
-            </a:r>
-            <a:r>
-              <a:rPr lang="ko-KR" altLang="en-US" dirty="0"/>
-              <a:t>주소 </a:t>
-            </a:r>
-            <a:r>
-              <a:rPr lang="en-US" altLang="ko-KR" dirty="0"/>
-              <a:t>(Internet Protocol address)</a:t>
+              <a:rPr lang="ko-KR" altLang="en-US"/>
+              <a:t>기준경로 </a:t>
+            </a:r>
+            <a:r>
+              <a:rPr lang="en-US" altLang="ko-KR"/>
+              <a:t>: WAS </a:t>
+            </a:r>
+            <a:r>
+              <a:rPr lang="ko-KR" altLang="en-US"/>
+              <a:t>의 </a:t>
+            </a:r>
+            <a:r>
+              <a:rPr lang="en-US" altLang="ko-KR"/>
+              <a:t>ROOT(</a:t>
+            </a:r>
+            <a:r>
+              <a:rPr lang="ko-KR" altLang="en-US"/>
+              <a:t>절대 경로</a:t>
+            </a:r>
+            <a:r>
+              <a:rPr lang="en-US" altLang="ko-KR"/>
+              <a:t>)</a:t>
             </a:r>
           </a:p>
           <a:p>
-            <a:pPr lvl="1"/>
-            <a:r>
-              <a:rPr lang="ko-KR" altLang="en-US" dirty="0"/>
-              <a:t>논리적 식별자</a:t>
-            </a:r>
-            <a:endParaRPr lang="en-US" altLang="ko-KR" dirty="0"/>
+            <a:r>
+              <a:rPr lang="en-US" altLang="ko-KR"/>
+              <a:t>appRootUrl/web/WEB-INF/classes/init.yaml</a:t>
+            </a:r>
           </a:p>
           <a:p>
-            <a:pPr lvl="1"/>
-            <a:r>
-              <a:rPr lang="ko-KR" altLang="en-US" dirty="0"/>
-              <a:t>패킷</a:t>
-            </a:r>
-            <a:endParaRPr lang="en-US" altLang="ko-KR" dirty="0"/>
+            <a:r>
+              <a:rPr lang="en-US" altLang="ko-KR"/>
+              <a:t>classpath </a:t>
+            </a:r>
+            <a:r>
+              <a:rPr lang="ko-KR" altLang="en-US"/>
+              <a:t>사용 자원 찾기 </a:t>
+            </a:r>
+            <a:r>
+              <a:rPr lang="en-US" altLang="ko-KR"/>
+              <a:t>-&gt; </a:t>
+            </a:r>
+            <a:r>
+              <a:rPr lang="ko-KR" altLang="en-US"/>
+              <a:t>절대경로 확인 </a:t>
+            </a:r>
+            <a:r>
+              <a:rPr lang="en-US" altLang="ko-KR"/>
+              <a:t>-&gt; </a:t>
+            </a:r>
+            <a:r>
+              <a:rPr lang="ko-KR" altLang="en-US"/>
+              <a:t>상대경로 탐색 </a:t>
+            </a:r>
+            <a:r>
+              <a:rPr lang="en-US" altLang="ko-KR"/>
+              <a:t>-&gt; </a:t>
+            </a:r>
+            <a:r>
+              <a:rPr lang="ko-KR" altLang="en-US"/>
+              <a:t>기준경로 계산</a:t>
+            </a:r>
+            <a:endParaRPr lang="en-US" altLang="ko-KR"/>
+          </a:p>
+          <a:p>
+            <a:endParaRPr lang="ko-KR" altLang="en-US"/>
           </a:p>
         </p:txBody>
       </p:sp>
       <p:sp>
         <p:nvSpPr>
-          <p:cNvPr id="7" name="직사각형 6">
+          <p:cNvPr id="8" name="TextBox 7">
             <a:extLst>
               <a:ext uri="{FF2B5EF4-FFF2-40B4-BE49-F238E27FC236}">
-                <a16:creationId xmlns:a16="http://schemas.microsoft.com/office/drawing/2014/main" id="{87D226EF-6CF8-4B13-B123-1D1BAA00F05D}"/>
-              </a:ext>
-            </a:extLst>
-          </p:cNvPr>
-          <p:cNvSpPr/>
-          <p:nvPr/>
-        </p:nvSpPr>
-        <p:spPr>
-          <a:xfrm>
-            <a:off x="1932770" y="3395405"/>
-            <a:ext cx="1181470" cy="495729"/>
-          </a:xfrm>
-          <a:prstGeom prst="rect">
-            <a:avLst/>
-          </a:prstGeom>
-        </p:spPr>
-        <p:style>
-          <a:lnRef idx="1">
-            <a:schemeClr val="accent3"/>
-          </a:lnRef>
-          <a:fillRef idx="2">
-            <a:schemeClr val="accent3"/>
-          </a:fillRef>
-          <a:effectRef idx="1">
-            <a:schemeClr val="accent3"/>
-          </a:effectRef>
-          <a:fontRef idx="minor">
-            <a:schemeClr val="dk1"/>
-          </a:fontRef>
-        </p:style>
-        <p:txBody>
-          <a:bodyPr rtlCol="0" anchor="ctr"/>
-          <a:lstStyle/>
-          <a:p>
-            <a:pPr algn="ctr"/>
-            <a:r>
-              <a:rPr lang="ko-KR" altLang="en-US" dirty="0"/>
-              <a:t>송신자</a:t>
-            </a:r>
-            <a:r>
-              <a:rPr lang="en-US" altLang="ko-KR" dirty="0"/>
-              <a:t>A</a:t>
-            </a:r>
-            <a:endParaRPr lang="ko-KR" altLang="en-US" dirty="0"/>
-          </a:p>
-        </p:txBody>
-      </p:sp>
-      <p:sp>
-        <p:nvSpPr>
-          <p:cNvPr id="11" name="직사각형 10">
-            <a:extLst>
-              <a:ext uri="{FF2B5EF4-FFF2-40B4-BE49-F238E27FC236}">
-                <a16:creationId xmlns:a16="http://schemas.microsoft.com/office/drawing/2014/main" id="{C128F8CA-0D3F-490C-8FBA-4F60D84B8A09}"/>
-              </a:ext>
-            </a:extLst>
-          </p:cNvPr>
-          <p:cNvSpPr/>
-          <p:nvPr/>
-        </p:nvSpPr>
-        <p:spPr>
-          <a:xfrm>
-            <a:off x="5316000" y="3390471"/>
-            <a:ext cx="1181470" cy="495729"/>
-          </a:xfrm>
-          <a:prstGeom prst="rect">
-            <a:avLst/>
-          </a:prstGeom>
-        </p:spPr>
-        <p:style>
-          <a:lnRef idx="1">
-            <a:schemeClr val="accent3"/>
-          </a:lnRef>
-          <a:fillRef idx="2">
-            <a:schemeClr val="accent3"/>
-          </a:fillRef>
-          <a:effectRef idx="1">
-            <a:schemeClr val="accent3"/>
-          </a:effectRef>
-          <a:fontRef idx="minor">
-            <a:schemeClr val="dk1"/>
-          </a:fontRef>
-        </p:style>
-        <p:txBody>
-          <a:bodyPr rtlCol="0" anchor="ctr"/>
-          <a:lstStyle/>
-          <a:p>
-            <a:pPr algn="ctr"/>
-            <a:r>
-              <a:rPr lang="ko-KR" altLang="en-US" dirty="0"/>
-              <a:t>인터넷</a:t>
-            </a:r>
-          </a:p>
-        </p:txBody>
-      </p:sp>
-      <p:sp>
-        <p:nvSpPr>
-          <p:cNvPr id="12" name="직사각형 11">
-            <a:extLst>
-              <a:ext uri="{FF2B5EF4-FFF2-40B4-BE49-F238E27FC236}">
-                <a16:creationId xmlns:a16="http://schemas.microsoft.com/office/drawing/2014/main" id="{0392E843-4BE9-4EA6-99B6-4B3EAE765D58}"/>
-              </a:ext>
-            </a:extLst>
-          </p:cNvPr>
-          <p:cNvSpPr/>
-          <p:nvPr/>
-        </p:nvSpPr>
-        <p:spPr>
-          <a:xfrm>
-            <a:off x="3609584" y="3405271"/>
-            <a:ext cx="1181470" cy="495729"/>
-          </a:xfrm>
-          <a:prstGeom prst="rect">
-            <a:avLst/>
-          </a:prstGeom>
-        </p:spPr>
-        <p:style>
-          <a:lnRef idx="1">
-            <a:schemeClr val="accent3"/>
-          </a:lnRef>
-          <a:fillRef idx="2">
-            <a:schemeClr val="accent3"/>
-          </a:fillRef>
-          <a:effectRef idx="1">
-            <a:schemeClr val="accent3"/>
-          </a:effectRef>
-          <a:fontRef idx="minor">
-            <a:schemeClr val="dk1"/>
-          </a:fontRef>
-        </p:style>
-        <p:txBody>
-          <a:bodyPr rtlCol="0" anchor="ctr"/>
-          <a:lstStyle/>
-          <a:p>
-            <a:pPr algn="ctr"/>
-            <a:r>
-              <a:rPr lang="ko-KR" altLang="en-US" dirty="0"/>
-              <a:t>라우터</a:t>
-            </a:r>
-          </a:p>
-        </p:txBody>
-      </p:sp>
-      <p:sp>
-        <p:nvSpPr>
-          <p:cNvPr id="8" name="직사각형 7">
-            <a:extLst>
-              <a:ext uri="{FF2B5EF4-FFF2-40B4-BE49-F238E27FC236}">
-                <a16:creationId xmlns:a16="http://schemas.microsoft.com/office/drawing/2014/main" id="{3B209D68-2F0E-433D-AC3F-B6AA97C5C53C}"/>
-              </a:ext>
-            </a:extLst>
-          </p:cNvPr>
-          <p:cNvSpPr/>
-          <p:nvPr/>
-        </p:nvSpPr>
-        <p:spPr>
-          <a:xfrm>
-            <a:off x="7022416" y="3390470"/>
-            <a:ext cx="1181470" cy="495729"/>
-          </a:xfrm>
-          <a:prstGeom prst="rect">
-            <a:avLst/>
-          </a:prstGeom>
-        </p:spPr>
-        <p:style>
-          <a:lnRef idx="1">
-            <a:schemeClr val="accent3"/>
-          </a:lnRef>
-          <a:fillRef idx="2">
-            <a:schemeClr val="accent3"/>
-          </a:fillRef>
-          <a:effectRef idx="1">
-            <a:schemeClr val="accent3"/>
-          </a:effectRef>
-          <a:fontRef idx="minor">
-            <a:schemeClr val="dk1"/>
-          </a:fontRef>
-        </p:style>
-        <p:txBody>
-          <a:bodyPr rtlCol="0" anchor="ctr"/>
-          <a:lstStyle/>
-          <a:p>
-            <a:pPr algn="ctr"/>
-            <a:r>
-              <a:rPr lang="ko-KR" altLang="en-US" dirty="0"/>
-              <a:t>수신자</a:t>
-            </a:r>
-            <a:r>
-              <a:rPr lang="en-US" altLang="ko-KR" dirty="0"/>
-              <a:t>C</a:t>
-            </a:r>
-            <a:endParaRPr lang="ko-KR" altLang="en-US" dirty="0"/>
-          </a:p>
-        </p:txBody>
-      </p:sp>
-      <p:sp>
-        <p:nvSpPr>
-          <p:cNvPr id="13" name="직사각형 12">
-            <a:extLst>
-              <a:ext uri="{FF2B5EF4-FFF2-40B4-BE49-F238E27FC236}">
-                <a16:creationId xmlns:a16="http://schemas.microsoft.com/office/drawing/2014/main" id="{3B5DDCD1-FE2F-4440-BDDB-D115FC261CDF}"/>
-              </a:ext>
-            </a:extLst>
-          </p:cNvPr>
-          <p:cNvSpPr/>
-          <p:nvPr/>
-        </p:nvSpPr>
-        <p:spPr>
-          <a:xfrm>
-            <a:off x="2774125" y="4226097"/>
-            <a:ext cx="1181470" cy="462133"/>
-          </a:xfrm>
-          <a:prstGeom prst="rect">
-            <a:avLst/>
-          </a:prstGeom>
-        </p:spPr>
-        <p:style>
-          <a:lnRef idx="0">
-            <a:schemeClr val="accent1"/>
-          </a:lnRef>
-          <a:fillRef idx="3">
-            <a:schemeClr val="accent1"/>
-          </a:fillRef>
-          <a:effectRef idx="3">
-            <a:schemeClr val="accent1"/>
-          </a:effectRef>
-          <a:fontRef idx="minor">
-            <a:schemeClr val="lt1"/>
-          </a:fontRef>
-        </p:style>
-        <p:txBody>
-          <a:bodyPr rtlCol="0" anchor="ctr"/>
-          <a:lstStyle/>
-          <a:p>
-            <a:pPr algn="ctr"/>
-            <a:r>
-              <a:rPr lang="ko-KR" altLang="en-US" dirty="0"/>
-              <a:t>스위치</a:t>
-            </a:r>
-          </a:p>
-        </p:txBody>
-      </p:sp>
-      <p:sp>
-        <p:nvSpPr>
-          <p:cNvPr id="14" name="직사각형 13">
-            <a:extLst>
-              <a:ext uri="{FF2B5EF4-FFF2-40B4-BE49-F238E27FC236}">
-                <a16:creationId xmlns:a16="http://schemas.microsoft.com/office/drawing/2014/main" id="{AA62A27A-121B-4265-9BA6-23296D9DA687}"/>
-              </a:ext>
-            </a:extLst>
-          </p:cNvPr>
-          <p:cNvSpPr/>
-          <p:nvPr/>
-        </p:nvSpPr>
-        <p:spPr>
-          <a:xfrm>
-            <a:off x="4497670" y="4235963"/>
-            <a:ext cx="1181470" cy="462133"/>
-          </a:xfrm>
-          <a:prstGeom prst="rect">
-            <a:avLst/>
-          </a:prstGeom>
-        </p:spPr>
-        <p:style>
-          <a:lnRef idx="0">
-            <a:schemeClr val="accent1"/>
-          </a:lnRef>
-          <a:fillRef idx="3">
-            <a:schemeClr val="accent1"/>
-          </a:fillRef>
-          <a:effectRef idx="3">
-            <a:schemeClr val="accent1"/>
-          </a:effectRef>
-          <a:fontRef idx="minor">
-            <a:schemeClr val="lt1"/>
-          </a:fontRef>
-        </p:style>
-        <p:txBody>
-          <a:bodyPr rtlCol="0" anchor="ctr"/>
-          <a:lstStyle/>
-          <a:p>
-            <a:pPr algn="ctr"/>
-            <a:r>
-              <a:rPr lang="ko-KR" altLang="en-US" dirty="0"/>
-              <a:t>스위치</a:t>
-            </a:r>
-          </a:p>
-        </p:txBody>
-      </p:sp>
-      <p:sp>
-        <p:nvSpPr>
-          <p:cNvPr id="15" name="직사각형 14">
-            <a:extLst>
-              <a:ext uri="{FF2B5EF4-FFF2-40B4-BE49-F238E27FC236}">
-                <a16:creationId xmlns:a16="http://schemas.microsoft.com/office/drawing/2014/main" id="{FC75AB56-FA68-44F7-B34E-E52D1B5A2497}"/>
-              </a:ext>
-            </a:extLst>
-          </p:cNvPr>
-          <p:cNvSpPr/>
-          <p:nvPr/>
-        </p:nvSpPr>
-        <p:spPr>
-          <a:xfrm>
-            <a:off x="6293579" y="4239252"/>
-            <a:ext cx="1181470" cy="462133"/>
-          </a:xfrm>
-          <a:prstGeom prst="rect">
-            <a:avLst/>
-          </a:prstGeom>
-        </p:spPr>
-        <p:style>
-          <a:lnRef idx="0">
-            <a:schemeClr val="accent1"/>
-          </a:lnRef>
-          <a:fillRef idx="3">
-            <a:schemeClr val="accent1"/>
-          </a:fillRef>
-          <a:effectRef idx="3">
-            <a:schemeClr val="accent1"/>
-          </a:effectRef>
-          <a:fontRef idx="minor">
-            <a:schemeClr val="lt1"/>
-          </a:fontRef>
-        </p:style>
-        <p:txBody>
-          <a:bodyPr rtlCol="0" anchor="ctr"/>
-          <a:lstStyle/>
-          <a:p>
-            <a:pPr algn="ctr"/>
-            <a:r>
-              <a:rPr lang="ko-KR" altLang="en-US" dirty="0"/>
-              <a:t>스위치</a:t>
-            </a:r>
-          </a:p>
-        </p:txBody>
-      </p:sp>
-      <p:sp>
-        <p:nvSpPr>
-          <p:cNvPr id="18" name="TextBox 17">
-            <a:extLst>
-              <a:ext uri="{FF2B5EF4-FFF2-40B4-BE49-F238E27FC236}">
-                <a16:creationId xmlns:a16="http://schemas.microsoft.com/office/drawing/2014/main" id="{002C1F53-131D-44A5-96EA-E2C0B40D1B77}"/>
+                <a16:creationId xmlns:a16="http://schemas.microsoft.com/office/drawing/2014/main" id="{D036C227-48C0-42F6-8A54-5F772CFCD0A0}"/>
               </a:ext>
             </a:extLst>
           </p:cNvPr>
@@ -16685,8 +16581,8 @@
         </p:nvSpPr>
         <p:spPr>
           <a:xfrm>
-            <a:off x="7813194" y="4648835"/>
-            <a:ext cx="2390398" cy="1477328"/>
+            <a:off x="1424872" y="3573529"/>
+            <a:ext cx="2435028" cy="369332"/>
           </a:xfrm>
           <a:prstGeom prst="rect">
             <a:avLst/>
@@ -16694,70 +16590,103 @@
           <a:noFill/>
         </p:spPr>
         <p:txBody>
-          <a:bodyPr wrap="none" rtlCol="0">
+          <a:bodyPr wrap="square" rtlCol="0">
             <a:spAutoFit/>
           </a:bodyPr>
           <a:lstStyle/>
           <a:p>
             <a:r>
-              <a:rPr lang="en-US" altLang="ko-KR" dirty="0">
+              <a:rPr lang="en-US" altLang="ko-KR" sz="1800">
                 <a:solidFill>
-                  <a:srgbClr val="FF0000"/>
+                  <a:schemeClr val="accent1"/>
                 </a:solidFill>
+                <a:latin typeface="Consolas" panose="020B0609020204030204" pitchFamily="49" charset="0"/>
               </a:rPr>
-              <a:t>FROM_MAC : </a:t>
-            </a:r>
-            <a:r>
-              <a:rPr lang="ko-KR" altLang="en-US" dirty="0">
+              <a:t>- YamlReader</a:t>
+            </a:r>
+            <a:r>
+              <a:rPr lang="en-US" altLang="ko-KR">
                 <a:solidFill>
-                  <a:srgbClr val="FF0000"/>
+                  <a:schemeClr val="accent1"/>
                 </a:solidFill>
+                <a:latin typeface="Consolas" panose="020B0609020204030204" pitchFamily="49" charset="0"/>
               </a:rPr>
-              <a:t>인터넷</a:t>
-            </a:r>
-            <a:br>
-              <a:rPr lang="en-US" altLang="ko-KR" dirty="0">
-                <a:solidFill>
-                  <a:srgbClr val="FF0000"/>
-                </a:solidFill>
-              </a:rPr>
-            </a:br>
-            <a:r>
-              <a:rPr lang="en-US" altLang="ko-KR" dirty="0"/>
-              <a:t>FROM_ IP : A</a:t>
-            </a:r>
-            <a:br>
-              <a:rPr lang="en-US" altLang="ko-KR" dirty="0"/>
-            </a:br>
-            <a:r>
-              <a:rPr lang="en-US" altLang="ko-KR" dirty="0">
-                <a:solidFill>
-                  <a:srgbClr val="FF0000"/>
-                </a:solidFill>
-              </a:rPr>
-              <a:t>TO_MAC : C</a:t>
-            </a:r>
-          </a:p>
-          <a:p>
-            <a:r>
-              <a:rPr lang="en-US" altLang="ko-KR" dirty="0"/>
-              <a:t>TO_ IP : C</a:t>
-            </a:r>
-          </a:p>
-          <a:p>
-            <a:r>
-              <a:rPr lang="ko-KR" altLang="en-US" dirty="0"/>
-              <a:t>데이터</a:t>
-            </a:r>
+              <a:t>.java</a:t>
+            </a:r>
+            <a:endParaRPr lang="ko-KR" altLang="en-US" dirty="0">
+              <a:solidFill>
+                <a:schemeClr val="accent1"/>
+              </a:solidFill>
+            </a:endParaRPr>
           </a:p>
         </p:txBody>
       </p:sp>
+      <p:pic>
+        <p:nvPicPr>
+          <p:cNvPr id="10" name="그림 9">
+            <a:extLst>
+              <a:ext uri="{FF2B5EF4-FFF2-40B4-BE49-F238E27FC236}">
+                <a16:creationId xmlns:a16="http://schemas.microsoft.com/office/drawing/2014/main" id="{150AA82D-FAB0-4AFF-83A9-9F7DA852A046}"/>
+              </a:ext>
+            </a:extLst>
+          </p:cNvPr>
+          <p:cNvPicPr>
+            <a:picLocks noChangeAspect="1"/>
+          </p:cNvPicPr>
+          <p:nvPr/>
+        </p:nvPicPr>
+        <p:blipFill>
+          <a:blip r:embed="rId2"/>
+          <a:stretch>
+            <a:fillRect/>
+          </a:stretch>
+        </p:blipFill>
+        <p:spPr>
+          <a:xfrm>
+            <a:off x="873310" y="4102576"/>
+            <a:ext cx="4467433" cy="1798807"/>
+          </a:xfrm>
+          <a:prstGeom prst="rect">
+            <a:avLst/>
+          </a:prstGeom>
+        </p:spPr>
+      </p:pic>
+      <p:pic>
+        <p:nvPicPr>
+          <p:cNvPr id="12" name="그림 11">
+            <a:extLst>
+              <a:ext uri="{FF2B5EF4-FFF2-40B4-BE49-F238E27FC236}">
+                <a16:creationId xmlns:a16="http://schemas.microsoft.com/office/drawing/2014/main" id="{E820C21C-1E3A-4D40-8965-7262C1063130}"/>
+              </a:ext>
+            </a:extLst>
+          </p:cNvPr>
+          <p:cNvPicPr>
+            <a:picLocks noChangeAspect="1"/>
+          </p:cNvPicPr>
+          <p:nvPr/>
+        </p:nvPicPr>
+        <p:blipFill>
+          <a:blip r:embed="rId3"/>
+          <a:stretch>
+            <a:fillRect/>
+          </a:stretch>
+        </p:blipFill>
+        <p:spPr>
+          <a:xfrm>
+            <a:off x="6225473" y="3942861"/>
+            <a:ext cx="4541656" cy="2090716"/>
+          </a:xfrm>
+          <a:prstGeom prst="rect">
+            <a:avLst/>
+          </a:prstGeom>
+        </p:spPr>
+      </p:pic>
       <p:sp>
         <p:nvSpPr>
           <p:cNvPr id="19" name="TextBox 18">
             <a:extLst>
               <a:ext uri="{FF2B5EF4-FFF2-40B4-BE49-F238E27FC236}">
-                <a16:creationId xmlns:a16="http://schemas.microsoft.com/office/drawing/2014/main" id="{3CC9E248-05DD-4A8C-9F55-06FD32B77056}"/>
+                <a16:creationId xmlns:a16="http://schemas.microsoft.com/office/drawing/2014/main" id="{A1C27906-9940-440A-8340-B3C719C7956D}"/>
               </a:ext>
             </a:extLst>
           </p:cNvPr>
@@ -16766,8 +16695,8 @@
         </p:nvSpPr>
         <p:spPr>
           <a:xfrm>
-            <a:off x="554869" y="4648835"/>
-            <a:ext cx="2027158" cy="1477328"/>
+            <a:off x="7047488" y="3520294"/>
+            <a:ext cx="2435028" cy="369332"/>
           </a:xfrm>
           <a:prstGeom prst="rect">
             <a:avLst/>
@@ -16775,243 +16704,41 @@
           <a:noFill/>
         </p:spPr>
         <p:txBody>
-          <a:bodyPr wrap="none" rtlCol="0">
+          <a:bodyPr wrap="square" rtlCol="0">
             <a:spAutoFit/>
           </a:bodyPr>
           <a:lstStyle/>
           <a:p>
             <a:r>
-              <a:rPr lang="en-US" altLang="ko-KR" dirty="0">
+              <a:rPr lang="en-US" altLang="ko-KR" sz="1800">
                 <a:solidFill>
-                  <a:srgbClr val="FF0000"/>
+                  <a:schemeClr val="accent1"/>
                 </a:solidFill>
+                <a:latin typeface="Consolas" panose="020B0609020204030204" pitchFamily="49" charset="0"/>
               </a:rPr>
-              <a:t>FROM_MAC : A</a:t>
-            </a:r>
-            <a:br>
-              <a:rPr lang="en-US" altLang="ko-KR" dirty="0">
+              <a:t>- InitYaml</a:t>
+            </a:r>
+            <a:r>
+              <a:rPr lang="en-US" altLang="ko-KR">
                 <a:solidFill>
-                  <a:srgbClr val="FF0000"/>
+                  <a:schemeClr val="accent1"/>
                 </a:solidFill>
+                <a:latin typeface="Consolas" panose="020B0609020204030204" pitchFamily="49" charset="0"/>
               </a:rPr>
-            </a:br>
-            <a:r>
-              <a:rPr lang="en-US" altLang="ko-KR" dirty="0"/>
-              <a:t>FROM_ IP : A</a:t>
-            </a:r>
-            <a:br>
-              <a:rPr lang="en-US" altLang="ko-KR" dirty="0"/>
-            </a:br>
-            <a:r>
-              <a:rPr lang="en-US" altLang="ko-KR" dirty="0">
-                <a:solidFill>
-                  <a:srgbClr val="FF0000"/>
-                </a:solidFill>
-              </a:rPr>
-              <a:t>TO_MAC : </a:t>
-            </a:r>
-            <a:r>
-              <a:rPr lang="ko-KR" altLang="en-US" dirty="0">
-                <a:solidFill>
-                  <a:srgbClr val="FF0000"/>
-                </a:solidFill>
-              </a:rPr>
-              <a:t>라우터</a:t>
-            </a:r>
-            <a:endParaRPr lang="en-US" altLang="ko-KR" dirty="0">
+              <a:t>.java </a:t>
+            </a:r>
+            <a:endParaRPr lang="ko-KR" altLang="en-US" dirty="0">
               <a:solidFill>
-                <a:srgbClr val="FF0000"/>
+                <a:schemeClr val="accent1"/>
               </a:solidFill>
             </a:endParaRPr>
           </a:p>
-          <a:p>
-            <a:r>
-              <a:rPr lang="en-US" altLang="ko-KR" dirty="0"/>
-              <a:t>TO_ IP : C</a:t>
-            </a:r>
-          </a:p>
-          <a:p>
-            <a:r>
-              <a:rPr lang="ko-KR" altLang="en-US" dirty="0"/>
-              <a:t>데이터</a:t>
-            </a:r>
-          </a:p>
         </p:txBody>
       </p:sp>
-      <p:pic>
-        <p:nvPicPr>
-          <p:cNvPr id="20" name="Picture 2">
-            <a:extLst>
-              <a:ext uri="{FF2B5EF4-FFF2-40B4-BE49-F238E27FC236}">
-                <a16:creationId xmlns:a16="http://schemas.microsoft.com/office/drawing/2014/main" id="{61A9B30D-8190-432D-8F85-CEB9F0E3E5FB}"/>
-              </a:ext>
-            </a:extLst>
-          </p:cNvPr>
-          <p:cNvPicPr>
-            <a:picLocks noChangeAspect="1" noChangeArrowheads="1"/>
-          </p:cNvPicPr>
-          <p:nvPr/>
-        </p:nvPicPr>
-        <p:blipFill>
-          <a:blip r:embed="rId2">
-            <a:extLst>
-              <a:ext uri="{28A0092B-C50C-407E-A947-70E740481C1C}">
-                <a14:useLocalDpi xmlns:a14="http://schemas.microsoft.com/office/drawing/2010/main" val="0"/>
-              </a:ext>
-            </a:extLst>
-          </a:blip>
-          <a:srcRect/>
-          <a:stretch>
-            <a:fillRect/>
-          </a:stretch>
-        </p:blipFill>
-        <p:spPr bwMode="auto">
-          <a:xfrm>
-            <a:off x="8538785" y="1484737"/>
-            <a:ext cx="3280943" cy="1944263"/>
-          </a:xfrm>
-          <a:prstGeom prst="rect">
-            <a:avLst/>
-          </a:prstGeom>
-          <a:noFill/>
-          <a:extLst>
-            <a:ext uri="{909E8E84-426E-40DD-AFC4-6F175D3DCCD1}">
-              <a14:hiddenFill xmlns:a14="http://schemas.microsoft.com/office/drawing/2010/main">
-                <a:solidFill>
-                  <a:srgbClr val="FFFFFF"/>
-                </a:solidFill>
-              </a14:hiddenFill>
-            </a:ext>
-          </a:extLst>
-        </p:spPr>
-      </p:pic>
-      <p:grpSp>
-        <p:nvGrpSpPr>
-          <p:cNvPr id="10" name="그룹 9">
-            <a:extLst>
-              <a:ext uri="{FF2B5EF4-FFF2-40B4-BE49-F238E27FC236}">
-                <a16:creationId xmlns:a16="http://schemas.microsoft.com/office/drawing/2014/main" id="{3EDD7008-EEA7-44DE-B03F-CB2652505FB3}"/>
-              </a:ext>
-            </a:extLst>
-          </p:cNvPr>
-          <p:cNvGrpSpPr/>
-          <p:nvPr/>
-        </p:nvGrpSpPr>
-        <p:grpSpPr>
-          <a:xfrm>
-            <a:off x="6603180" y="3492111"/>
-            <a:ext cx="407880" cy="264960"/>
-            <a:chOff x="6603180" y="3492111"/>
-            <a:chExt cx="407880" cy="264960"/>
-          </a:xfrm>
-        </p:grpSpPr>
-        <mc:AlternateContent xmlns:mc="http://schemas.openxmlformats.org/markup-compatibility/2006" xmlns:p14="http://schemas.microsoft.com/office/powerpoint/2010/main">
-          <mc:Choice Requires="p14">
-            <p:contentPart p14:bwMode="auto" r:id="rId3">
-              <p14:nvContentPartPr>
-                <p14:cNvPr id="6" name="잉크 5">
-                  <a:extLst>
-                    <a:ext uri="{FF2B5EF4-FFF2-40B4-BE49-F238E27FC236}">
-                      <a16:creationId xmlns:a16="http://schemas.microsoft.com/office/drawing/2014/main" id="{593E37E5-255A-455C-BE37-58FD4F4FDD4F}"/>
-                    </a:ext>
-                  </a:extLst>
-                </p14:cNvPr>
-                <p14:cNvContentPartPr/>
-                <p14:nvPr/>
-              </p14:nvContentPartPr>
-              <p14:xfrm>
-                <a:off x="6603180" y="3591111"/>
-                <a:ext cx="314640" cy="39240"/>
-              </p14:xfrm>
-            </p:contentPart>
-          </mc:Choice>
-          <mc:Fallback xmlns="">
-            <p:pic>
-              <p:nvPicPr>
-                <p:cNvPr id="6" name="잉크 5">
-                  <a:extLst>
-                    <a:ext uri="{FF2B5EF4-FFF2-40B4-BE49-F238E27FC236}">
-                      <a16:creationId xmlns:a16="http://schemas.microsoft.com/office/drawing/2014/main" id="{593E37E5-255A-455C-BE37-58FD4F4FDD4F}"/>
-                    </a:ext>
-                  </a:extLst>
-                </p:cNvPr>
-                <p:cNvPicPr/>
-                <p:nvPr/>
-              </p:nvPicPr>
-              <p:blipFill>
-                <a:blip r:embed="rId4"/>
-                <a:stretch>
-                  <a:fillRect/>
-                </a:stretch>
-              </p:blipFill>
-              <p:spPr>
-                <a:xfrm>
-                  <a:off x="6594180" y="3582111"/>
-                  <a:ext cx="332280" cy="56880"/>
-                </a:xfrm>
-                <a:prstGeom prst="rect">
-                  <a:avLst/>
-                </a:prstGeom>
-              </p:spPr>
-            </p:pic>
-          </mc:Fallback>
-        </mc:AlternateContent>
-        <mc:AlternateContent xmlns:mc="http://schemas.openxmlformats.org/markup-compatibility/2006" xmlns:p14="http://schemas.microsoft.com/office/powerpoint/2010/main">
-          <mc:Choice Requires="p14">
-            <p:contentPart p14:bwMode="auto" r:id="rId5">
-              <p14:nvContentPartPr>
-                <p14:cNvPr id="9" name="잉크 8">
-                  <a:extLst>
-                    <a:ext uri="{FF2B5EF4-FFF2-40B4-BE49-F238E27FC236}">
-                      <a16:creationId xmlns:a16="http://schemas.microsoft.com/office/drawing/2014/main" id="{4C13AB89-1E19-4CFC-A72C-A732EFCE537E}"/>
-                    </a:ext>
-                  </a:extLst>
-                </p14:cNvPr>
-                <p14:cNvContentPartPr/>
-                <p14:nvPr/>
-              </p14:nvContentPartPr>
-              <p14:xfrm>
-                <a:off x="6836820" y="3492111"/>
-                <a:ext cx="174240" cy="264960"/>
-              </p14:xfrm>
-            </p:contentPart>
-          </mc:Choice>
-          <mc:Fallback xmlns="">
-            <p:pic>
-              <p:nvPicPr>
-                <p:cNvPr id="9" name="잉크 8">
-                  <a:extLst>
-                    <a:ext uri="{FF2B5EF4-FFF2-40B4-BE49-F238E27FC236}">
-                      <a16:creationId xmlns:a16="http://schemas.microsoft.com/office/drawing/2014/main" id="{4C13AB89-1E19-4CFC-A72C-A732EFCE537E}"/>
-                    </a:ext>
-                  </a:extLst>
-                </p:cNvPr>
-                <p:cNvPicPr/>
-                <p:nvPr/>
-              </p:nvPicPr>
-              <p:blipFill>
-                <a:blip r:embed="rId6"/>
-                <a:stretch>
-                  <a:fillRect/>
-                </a:stretch>
-              </p:blipFill>
-              <p:spPr>
-                <a:xfrm>
-                  <a:off x="6827820" y="3483111"/>
-                  <a:ext cx="191880" cy="282600"/>
-                </a:xfrm>
-                <a:prstGeom prst="rect">
-                  <a:avLst/>
-                </a:prstGeom>
-              </p:spPr>
-            </p:pic>
-          </mc:Fallback>
-        </mc:AlternateContent>
-      </p:grpSp>
     </p:spTree>
     <p:extLst>
       <p:ext uri="{BB962C8B-B14F-4D97-AF65-F5344CB8AC3E}">
-        <p14:creationId xmlns:p14="http://schemas.microsoft.com/office/powerpoint/2010/main" val="2480475538"/>
+        <p14:creationId xmlns:p14="http://schemas.microsoft.com/office/powerpoint/2010/main" val="1718483873"/>
       </p:ext>
     </p:extLst>
   </p:cSld>
@@ -17055,7 +16782,7 @@
           <p:cNvPr id="2" name="제목 1">
             <a:extLst>
               <a:ext uri="{FF2B5EF4-FFF2-40B4-BE49-F238E27FC236}">
-                <a16:creationId xmlns:a16="http://schemas.microsoft.com/office/drawing/2014/main" id="{28D78D5F-E582-4987-91DF-9C7C5BEBD4EB}"/>
+                <a16:creationId xmlns:a16="http://schemas.microsoft.com/office/drawing/2014/main" id="{CE5DD68F-8713-4C87-B602-DB80B8BA2FAE}"/>
               </a:ext>
             </a:extLst>
           </p:cNvPr>
@@ -17072,9 +16799,37 @@
           <a:lstStyle/>
           <a:p>
             <a:r>
-              <a:rPr lang="ko-KR" altLang="en-US" dirty="0"/>
-              <a:t>개발자가 알아 두면 좋은 네트워크 개념</a:t>
-            </a:r>
+              <a:rPr lang="ko-KR" altLang="en-US"/>
+              <a:t>내가 만든 코드는</a:t>
+            </a:r>
+            <a:br>
+              <a:rPr lang="en-US" altLang="ko-KR"/>
+            </a:br>
+            <a:r>
+              <a:rPr lang="ko-KR" altLang="en-US"/>
+              <a:t>개발</a:t>
+            </a:r>
+            <a:r>
+              <a:rPr lang="en-US" altLang="ko-KR"/>
+              <a:t>/</a:t>
+            </a:r>
+            <a:r>
+              <a:rPr lang="ko-KR" altLang="en-US"/>
+              <a:t>테스트</a:t>
+            </a:r>
+            <a:r>
+              <a:rPr lang="en-US" altLang="ko-KR"/>
+              <a:t>/</a:t>
+            </a:r>
+            <a:r>
+              <a:rPr lang="ko-KR" altLang="en-US"/>
+              <a:t>운영에서 작동합니다</a:t>
+            </a:r>
+            <a:r>
+              <a:rPr lang="en-US" altLang="ko-KR"/>
+              <a:t>.</a:t>
+            </a:r>
+            <a:endParaRPr lang="ko-KR" altLang="en-US"/>
           </a:p>
         </p:txBody>
       </p:sp>
@@ -17083,7 +16838,7 @@
           <p:cNvPr id="3" name="내용 개체 틀 2">
             <a:extLst>
               <a:ext uri="{FF2B5EF4-FFF2-40B4-BE49-F238E27FC236}">
-                <a16:creationId xmlns:a16="http://schemas.microsoft.com/office/drawing/2014/main" id="{DFA47AE3-6532-4E43-9E16-6D279FF62F6D}"/>
+                <a16:creationId xmlns:a16="http://schemas.microsoft.com/office/drawing/2014/main" id="{DB759801-C96C-423A-92FB-C765F66F0309}"/>
               </a:ext>
             </a:extLst>
           </p:cNvPr>
@@ -17100,223 +16855,105 @@
           <a:lstStyle/>
           <a:p>
             <a:r>
-              <a:rPr lang="en-US" altLang="ko-KR" dirty="0"/>
-              <a:t>TCP / UDP</a:t>
+              <a:rPr lang="ko-KR" altLang="en-US"/>
+              <a:t>기준경로 </a:t>
+            </a:r>
+            <a:r>
+              <a:rPr lang="en-US" altLang="ko-KR"/>
+              <a:t>: WAS </a:t>
+            </a:r>
+            <a:r>
+              <a:rPr lang="ko-KR" altLang="en-US"/>
+              <a:t>의 </a:t>
+            </a:r>
+            <a:r>
+              <a:rPr lang="en-US" altLang="ko-KR"/>
+              <a:t>ROOT(</a:t>
+            </a:r>
+            <a:r>
+              <a:rPr lang="ko-KR" altLang="en-US"/>
+              <a:t>절대 경로</a:t>
+            </a:r>
+            <a:r>
+              <a:rPr lang="en-US" altLang="ko-KR"/>
+              <a:t>)</a:t>
             </a:r>
           </a:p>
           <a:p>
-            <a:pPr lvl="1"/>
-            <a:r>
-              <a:rPr lang="en-US" altLang="ko-KR" dirty="0"/>
-              <a:t>TCP : </a:t>
-            </a:r>
-            <a:r>
-              <a:rPr lang="ko-KR" altLang="en-US" dirty="0"/>
-              <a:t>연결지향</a:t>
-            </a:r>
-            <a:r>
-              <a:rPr lang="en-US" altLang="ko-KR" dirty="0"/>
-              <a:t>, </a:t>
-            </a:r>
-            <a:r>
-              <a:rPr lang="ko-KR" altLang="en-US" dirty="0"/>
-              <a:t>프레임</a:t>
-            </a:r>
-            <a:endParaRPr lang="en-US" altLang="ko-KR" dirty="0"/>
-          </a:p>
-          <a:p>
-            <a:pPr lvl="1"/>
-            <a:r>
-              <a:rPr lang="en-US" altLang="ko-KR" dirty="0"/>
-              <a:t>UDP : </a:t>
-            </a:r>
-            <a:r>
-              <a:rPr lang="ko-KR" altLang="en-US" dirty="0"/>
-              <a:t>전송지향</a:t>
-            </a:r>
-            <a:r>
-              <a:rPr lang="en-US" altLang="ko-KR" dirty="0"/>
-              <a:t>, </a:t>
-            </a:r>
-            <a:r>
-              <a:rPr lang="ko-KR" altLang="en-US" dirty="0" err="1"/>
-              <a:t>데이터그램</a:t>
-            </a:r>
-            <a:endParaRPr lang="en-US" altLang="ko-KR" dirty="0"/>
-          </a:p>
-          <a:p>
-            <a:r>
-              <a:rPr lang="en-US" altLang="ko-KR" dirty="0"/>
-              <a:t>PORT</a:t>
-            </a:r>
-          </a:p>
-          <a:p>
-            <a:pPr lvl="1"/>
-            <a:r>
-              <a:rPr lang="ko-KR" altLang="en-US" dirty="0"/>
-              <a:t>프로그램</a:t>
-            </a:r>
-            <a:r>
-              <a:rPr lang="en-US" altLang="ko-KR" dirty="0"/>
-              <a:t>(</a:t>
-            </a:r>
-            <a:r>
-              <a:rPr lang="ko-KR" altLang="en-US" dirty="0"/>
-              <a:t>프로세스</a:t>
-            </a:r>
-            <a:r>
-              <a:rPr lang="en-US" altLang="ko-KR" dirty="0"/>
-              <a:t>)</a:t>
-            </a:r>
-            <a:r>
-              <a:rPr lang="ko-KR" altLang="en-US" dirty="0"/>
-              <a:t>를 구분</a:t>
-            </a:r>
-            <a:endParaRPr lang="en-US" altLang="ko-KR" dirty="0"/>
+            <a:r>
+              <a:rPr lang="en-US" altLang="ko-KR"/>
+              <a:t> appRootUrl = c:/public/b/inflearn01</a:t>
+            </a:r>
+            <a:endParaRPr lang="ko-KR" altLang="en-US"/>
           </a:p>
         </p:txBody>
       </p:sp>
-      <p:sp>
-        <p:nvSpPr>
-          <p:cNvPr id="24" name="직사각형 23">
+      <p:pic>
+        <p:nvPicPr>
+          <p:cNvPr id="6" name="그림 5">
             <a:extLst>
               <a:ext uri="{FF2B5EF4-FFF2-40B4-BE49-F238E27FC236}">
-                <a16:creationId xmlns:a16="http://schemas.microsoft.com/office/drawing/2014/main" id="{7307316F-A5AE-4A8C-9E78-8077978BDDD7}"/>
+                <a16:creationId xmlns:a16="http://schemas.microsoft.com/office/drawing/2014/main" id="{343047FB-EEF6-435F-A313-4C67C1BEEE6A}"/>
               </a:ext>
             </a:extLst>
           </p:cNvPr>
-          <p:cNvSpPr/>
+          <p:cNvPicPr>
+            <a:picLocks noChangeAspect="1"/>
+          </p:cNvPicPr>
           <p:nvPr/>
-        </p:nvSpPr>
+        </p:nvPicPr>
+        <p:blipFill>
+          <a:blip r:embed="rId2"/>
+          <a:stretch>
+            <a:fillRect/>
+          </a:stretch>
+        </p:blipFill>
         <p:spPr>
           <a:xfrm>
-            <a:off x="2121060" y="4429860"/>
-            <a:ext cx="1139352" cy="497374"/>
+            <a:off x="728958" y="3429000"/>
+            <a:ext cx="4648849" cy="2343477"/>
           </a:xfrm>
           <a:prstGeom prst="rect">
             <a:avLst/>
           </a:prstGeom>
         </p:spPr>
-        <p:style>
-          <a:lnRef idx="1">
-            <a:schemeClr val="accent3"/>
-          </a:lnRef>
-          <a:fillRef idx="2">
-            <a:schemeClr val="accent3"/>
-          </a:fillRef>
-          <a:effectRef idx="1">
-            <a:schemeClr val="accent3"/>
-          </a:effectRef>
-          <a:fontRef idx="minor">
-            <a:schemeClr val="dk1"/>
-          </a:fontRef>
-        </p:style>
-        <p:txBody>
-          <a:bodyPr rtlCol="0" anchor="ctr"/>
-          <a:lstStyle/>
-          <a:p>
-            <a:pPr algn="ctr"/>
-            <a:r>
-              <a:rPr lang="ko-KR" altLang="en-US" dirty="0"/>
-              <a:t>송신자</a:t>
-            </a:r>
-            <a:endParaRPr lang="en-US" altLang="ko-KR" dirty="0"/>
-          </a:p>
-        </p:txBody>
-      </p:sp>
-      <p:sp>
-        <p:nvSpPr>
-          <p:cNvPr id="25" name="직사각형 24">
+      </p:pic>
+      <p:pic>
+        <p:nvPicPr>
+          <p:cNvPr id="9" name="그림 8">
             <a:extLst>
               <a:ext uri="{FF2B5EF4-FFF2-40B4-BE49-F238E27FC236}">
-                <a16:creationId xmlns:a16="http://schemas.microsoft.com/office/drawing/2014/main" id="{B2036BCA-013E-4FBF-9E3D-9A23573DCB65}"/>
+                <a16:creationId xmlns:a16="http://schemas.microsoft.com/office/drawing/2014/main" id="{1B6538C3-20F8-42D0-968E-262292BABCB1}"/>
               </a:ext>
             </a:extLst>
           </p:cNvPr>
-          <p:cNvSpPr/>
+          <p:cNvPicPr>
+            <a:picLocks noChangeAspect="1"/>
+          </p:cNvPicPr>
           <p:nvPr/>
-        </p:nvSpPr>
+        </p:nvPicPr>
+        <p:blipFill>
+          <a:blip r:embed="rId3"/>
+          <a:stretch>
+            <a:fillRect/>
+          </a:stretch>
+        </p:blipFill>
         <p:spPr>
           <a:xfrm>
-            <a:off x="5562857" y="4429860"/>
-            <a:ext cx="1026234" cy="497374"/>
+            <a:off x="5584752" y="4195304"/>
+            <a:ext cx="5821646" cy="1720381"/>
           </a:xfrm>
           <a:prstGeom prst="rect">
             <a:avLst/>
           </a:prstGeom>
         </p:spPr>
-        <p:style>
-          <a:lnRef idx="1">
-            <a:schemeClr val="accent3"/>
-          </a:lnRef>
-          <a:fillRef idx="2">
-            <a:schemeClr val="accent3"/>
-          </a:fillRef>
-          <a:effectRef idx="1">
-            <a:schemeClr val="accent3"/>
-          </a:effectRef>
-          <a:fontRef idx="minor">
-            <a:schemeClr val="dk1"/>
-          </a:fontRef>
-        </p:style>
-        <p:txBody>
-          <a:bodyPr rtlCol="0" anchor="ctr"/>
-          <a:lstStyle/>
-          <a:p>
-            <a:pPr algn="ctr"/>
-            <a:r>
-              <a:rPr lang="ko-KR" altLang="en-US" dirty="0"/>
-              <a:t>수신자</a:t>
-            </a:r>
-          </a:p>
-        </p:txBody>
-      </p:sp>
-      <p:cxnSp>
-        <p:nvCxnSpPr>
-          <p:cNvPr id="26" name="직선 연결선 25">
+      </p:pic>
+      <p:sp>
+        <p:nvSpPr>
+          <p:cNvPr id="11" name="TextBox 10">
             <a:extLst>
               <a:ext uri="{FF2B5EF4-FFF2-40B4-BE49-F238E27FC236}">
-                <a16:creationId xmlns:a16="http://schemas.microsoft.com/office/drawing/2014/main" id="{9A332B51-3407-4991-A568-3F347D0F35FD}"/>
-              </a:ext>
-            </a:extLst>
-          </p:cNvPr>
-          <p:cNvCxnSpPr>
-            <a:cxnSpLocks/>
-            <a:stCxn id="24" idx="3"/>
-            <a:endCxn id="25" idx="1"/>
-          </p:cNvCxnSpPr>
-          <p:nvPr/>
-        </p:nvCxnSpPr>
-        <p:spPr>
-          <a:xfrm>
-            <a:off x="3260412" y="4678547"/>
-            <a:ext cx="2302445" cy="0"/>
-          </a:xfrm>
-          <a:prstGeom prst="line">
-            <a:avLst/>
-          </a:prstGeom>
-        </p:spPr>
-        <p:style>
-          <a:lnRef idx="3">
-            <a:schemeClr val="dk1"/>
-          </a:lnRef>
-          <a:fillRef idx="0">
-            <a:schemeClr val="dk1"/>
-          </a:fillRef>
-          <a:effectRef idx="2">
-            <a:schemeClr val="dk1"/>
-          </a:effectRef>
-          <a:fontRef idx="minor">
-            <a:schemeClr val="tx1"/>
-          </a:fontRef>
-        </p:style>
-      </p:cxnSp>
-      <p:sp>
-        <p:nvSpPr>
-          <p:cNvPr id="27" name="TextBox 26">
-            <a:extLst>
-              <a:ext uri="{FF2B5EF4-FFF2-40B4-BE49-F238E27FC236}">
-                <a16:creationId xmlns:a16="http://schemas.microsoft.com/office/drawing/2014/main" id="{8FFBCECA-0F00-446A-953F-430CC5998390}"/>
+                <a16:creationId xmlns:a16="http://schemas.microsoft.com/office/drawing/2014/main" id="{9401ECBC-D2A6-4060-A491-6518E00FB24B}"/>
               </a:ext>
             </a:extLst>
           </p:cNvPr>
@@ -17325,8 +16962,8 @@
         </p:nvSpPr>
         <p:spPr>
           <a:xfrm>
-            <a:off x="3973052" y="4240964"/>
-            <a:ext cx="877163" cy="369332"/>
+            <a:off x="728958" y="3059668"/>
+            <a:ext cx="2435028" cy="369332"/>
           </a:xfrm>
           <a:prstGeom prst="rect">
             <a:avLst/>
@@ -17334,24 +16971,34 @@
           <a:noFill/>
         </p:spPr>
         <p:txBody>
-          <a:bodyPr wrap="none" rtlCol="0">
+          <a:bodyPr wrap="square" rtlCol="0">
             <a:spAutoFit/>
           </a:bodyPr>
           <a:lstStyle/>
           <a:p>
             <a:r>
-              <a:rPr lang="ko-KR" altLang="en-US" dirty="0"/>
-              <a:t>인터넷</a:t>
-            </a:r>
+              <a:rPr lang="en-US" altLang="ko-KR" sz="1800">
+                <a:solidFill>
+                  <a:schemeClr val="accent1"/>
+                </a:solidFill>
+                <a:latin typeface="Consolas" panose="020B0609020204030204" pitchFamily="49" charset="0"/>
+              </a:rPr>
+              <a:t>- init.yaml</a:t>
+            </a:r>
+            <a:endParaRPr lang="ko-KR" altLang="en-US" dirty="0">
+              <a:solidFill>
+                <a:schemeClr val="accent1"/>
+              </a:solidFill>
+            </a:endParaRPr>
           </a:p>
         </p:txBody>
       </p:sp>
       <p:sp>
         <p:nvSpPr>
-          <p:cNvPr id="28" name="TextBox 27">
+          <p:cNvPr id="12" name="TextBox 11">
             <a:extLst>
               <a:ext uri="{FF2B5EF4-FFF2-40B4-BE49-F238E27FC236}">
-                <a16:creationId xmlns:a16="http://schemas.microsoft.com/office/drawing/2014/main" id="{83375635-060F-464B-AA1B-DC0C9F3CD995}"/>
+                <a16:creationId xmlns:a16="http://schemas.microsoft.com/office/drawing/2014/main" id="{13ED6079-AD00-4386-A0D7-C13D64247CC1}"/>
               </a:ext>
             </a:extLst>
           </p:cNvPr>
@@ -17360,8 +17007,8 @@
         </p:nvSpPr>
         <p:spPr>
           <a:xfrm>
-            <a:off x="4850215" y="5075886"/>
-            <a:ext cx="2219518" cy="923330"/>
+            <a:off x="5815464" y="3701534"/>
+            <a:ext cx="2435028" cy="369332"/>
           </a:xfrm>
           <a:prstGeom prst="rect">
             <a:avLst/>
@@ -17369,134 +17016,62 @@
           <a:noFill/>
         </p:spPr>
         <p:txBody>
-          <a:bodyPr wrap="none" rtlCol="0">
+          <a:bodyPr wrap="square" rtlCol="0">
             <a:spAutoFit/>
           </a:bodyPr>
           <a:lstStyle/>
           <a:p>
             <a:r>
-              <a:rPr lang="en-US" altLang="ko-KR" dirty="0"/>
-              <a:t>80 : WEB / TCP</a:t>
-            </a:r>
-          </a:p>
-          <a:p>
-            <a:r>
-              <a:rPr lang="en-US" altLang="ko-KR" dirty="0"/>
-              <a:t>1833 : MQTT / UDP</a:t>
-            </a:r>
-          </a:p>
-          <a:p>
-            <a:r>
-              <a:rPr lang="en-US" altLang="ko-KR" dirty="0"/>
-              <a:t>23 : TELNET / TCP</a:t>
-            </a:r>
-            <a:endParaRPr lang="ko-KR" altLang="en-US" dirty="0"/>
-          </a:p>
-        </p:txBody>
-      </p:sp>
-      <p:sp>
-        <p:nvSpPr>
-          <p:cNvPr id="11" name="TextBox 10">
-            <a:extLst>
-              <a:ext uri="{FF2B5EF4-FFF2-40B4-BE49-F238E27FC236}">
-                <a16:creationId xmlns:a16="http://schemas.microsoft.com/office/drawing/2014/main" id="{CB9269A6-1BB2-4554-9B03-657EB0466D45}"/>
-              </a:ext>
-            </a:extLst>
-          </p:cNvPr>
-          <p:cNvSpPr txBox="1"/>
-          <p:nvPr/>
-        </p:nvSpPr>
-        <p:spPr>
-          <a:xfrm>
-            <a:off x="2592682" y="5075886"/>
-            <a:ext cx="1762021" cy="923330"/>
-          </a:xfrm>
-          <a:prstGeom prst="rect">
-            <a:avLst/>
-          </a:prstGeom>
-          <a:noFill/>
-        </p:spPr>
-        <p:txBody>
-          <a:bodyPr wrap="none" rtlCol="0">
-            <a:spAutoFit/>
-          </a:bodyPr>
-          <a:lstStyle/>
-          <a:p>
-            <a:r>
-              <a:rPr lang="en-US" altLang="ko-KR" dirty="0"/>
-              <a:t>http://a.com</a:t>
-            </a:r>
-          </a:p>
-          <a:p>
-            <a:r>
-              <a:rPr lang="en-US" altLang="ko-KR" dirty="0" err="1"/>
-              <a:t>mqtt</a:t>
-            </a:r>
-            <a:r>
-              <a:rPr lang="en-US" altLang="ko-KR" dirty="0"/>
-              <a:t> /a/name </a:t>
-            </a:r>
-          </a:p>
-          <a:p>
-            <a:r>
-              <a:rPr lang="en-US" altLang="ko-KR" dirty="0"/>
-              <a:t>telnet a.com 23</a:t>
-            </a:r>
-            <a:endParaRPr lang="ko-KR" altLang="en-US" dirty="0"/>
+              <a:rPr lang="en-US" altLang="ko-KR" sz="1800">
+                <a:solidFill>
+                  <a:schemeClr val="accent1"/>
+                </a:solidFill>
+                <a:latin typeface="Consolas" panose="020B0609020204030204" pitchFamily="49" charset="0"/>
+              </a:rPr>
+              <a:t>- RunCode5.java</a:t>
+            </a:r>
+            <a:endParaRPr lang="ko-KR" altLang="en-US" dirty="0">
+              <a:solidFill>
+                <a:schemeClr val="accent1"/>
+              </a:solidFill>
+            </a:endParaRPr>
           </a:p>
         </p:txBody>
       </p:sp>
       <p:pic>
         <p:nvPicPr>
-          <p:cNvPr id="14" name="Picture 2">
+          <p:cNvPr id="14" name="그림 13">
             <a:extLst>
               <a:ext uri="{FF2B5EF4-FFF2-40B4-BE49-F238E27FC236}">
-                <a16:creationId xmlns:a16="http://schemas.microsoft.com/office/drawing/2014/main" id="{FFA54AFF-5E05-4AC0-B5C8-B68914AD5BF9}"/>
+                <a16:creationId xmlns:a16="http://schemas.microsoft.com/office/drawing/2014/main" id="{914F5F43-54F5-4921-9D3E-DF7874E7D91C}"/>
               </a:ext>
             </a:extLst>
           </p:cNvPr>
           <p:cNvPicPr>
-            <a:picLocks noChangeAspect="1" noChangeArrowheads="1"/>
+            <a:picLocks noChangeAspect="1"/>
           </p:cNvPicPr>
           <p:nvPr/>
         </p:nvPicPr>
         <p:blipFill>
-          <a:blip r:embed="rId2">
-            <a:extLst>
-              <a:ext uri="{28A0092B-C50C-407E-A947-70E740481C1C}">
-                <a14:useLocalDpi xmlns:a14="http://schemas.microsoft.com/office/drawing/2010/main" val="0"/>
-              </a:ext>
-            </a:extLst>
-          </a:blip>
-          <a:srcRect/>
+          <a:blip r:embed="rId4"/>
           <a:stretch>
             <a:fillRect/>
           </a:stretch>
         </p:blipFill>
-        <p:spPr bwMode="auto">
+        <p:spPr>
           <a:xfrm>
-            <a:off x="8538785" y="1484737"/>
-            <a:ext cx="3280943" cy="1944263"/>
+            <a:off x="8396452" y="774943"/>
+            <a:ext cx="3066590" cy="3252879"/>
           </a:xfrm>
           <a:prstGeom prst="rect">
             <a:avLst/>
           </a:prstGeom>
-          <a:noFill/>
-          <a:extLst>
-            <a:ext uri="{909E8E84-426E-40DD-AFC4-6F175D3DCCD1}">
-              <a14:hiddenFill xmlns:a14="http://schemas.microsoft.com/office/drawing/2010/main">
-                <a:solidFill>
-                  <a:srgbClr val="FFFFFF"/>
-                </a:solidFill>
-              </a14:hiddenFill>
-            </a:ext>
-          </a:extLst>
         </p:spPr>
       </p:pic>
     </p:spTree>
     <p:extLst>
       <p:ext uri="{BB962C8B-B14F-4D97-AF65-F5344CB8AC3E}">
-        <p14:creationId xmlns:p14="http://schemas.microsoft.com/office/powerpoint/2010/main" val="4163272331"/>
+        <p14:creationId xmlns:p14="http://schemas.microsoft.com/office/powerpoint/2010/main" val="4197010643"/>
       </p:ext>
     </p:extLst>
   </p:cSld>
@@ -17540,6 +17115,1093 @@
           <p:cNvPr id="2" name="제목 1">
             <a:extLst>
               <a:ext uri="{FF2B5EF4-FFF2-40B4-BE49-F238E27FC236}">
+                <a16:creationId xmlns:a16="http://schemas.microsoft.com/office/drawing/2014/main" id="{CE5DD68F-8713-4C87-B602-DB80B8BA2FAE}"/>
+              </a:ext>
+            </a:extLst>
+          </p:cNvPr>
+          <p:cNvSpPr>
+            <a:spLocks noGrp="1"/>
+          </p:cNvSpPr>
+          <p:nvPr>
+            <p:ph type="title"/>
+          </p:nvPr>
+        </p:nvSpPr>
+        <p:spPr/>
+        <p:txBody>
+          <a:bodyPr/>
+          <a:lstStyle/>
+          <a:p>
+            <a:r>
+              <a:rPr lang="ko-KR" altLang="en-US"/>
+              <a:t>내가 만든 코드는</a:t>
+            </a:r>
+            <a:br>
+              <a:rPr lang="en-US" altLang="ko-KR"/>
+            </a:br>
+            <a:r>
+              <a:rPr lang="ko-KR" altLang="en-US"/>
+              <a:t>개발</a:t>
+            </a:r>
+            <a:r>
+              <a:rPr lang="en-US" altLang="ko-KR"/>
+              <a:t>/</a:t>
+            </a:r>
+            <a:r>
+              <a:rPr lang="ko-KR" altLang="en-US"/>
+              <a:t>테스트</a:t>
+            </a:r>
+            <a:r>
+              <a:rPr lang="en-US" altLang="ko-KR"/>
+              <a:t>/</a:t>
+            </a:r>
+            <a:r>
+              <a:rPr lang="ko-KR" altLang="en-US"/>
+              <a:t>운영에서 작동합니다</a:t>
+            </a:r>
+            <a:r>
+              <a:rPr lang="en-US" altLang="ko-KR"/>
+              <a:t>.</a:t>
+            </a:r>
+            <a:endParaRPr lang="ko-KR" altLang="en-US"/>
+          </a:p>
+        </p:txBody>
+      </p:sp>
+      <p:sp>
+        <p:nvSpPr>
+          <p:cNvPr id="3" name="내용 개체 틀 2">
+            <a:extLst>
+              <a:ext uri="{FF2B5EF4-FFF2-40B4-BE49-F238E27FC236}">
+                <a16:creationId xmlns:a16="http://schemas.microsoft.com/office/drawing/2014/main" id="{DB759801-C96C-423A-92FB-C765F66F0309}"/>
+              </a:ext>
+            </a:extLst>
+          </p:cNvPr>
+          <p:cNvSpPr>
+            <a:spLocks noGrp="1"/>
+          </p:cNvSpPr>
+          <p:nvPr>
+            <p:ph idx="1"/>
+          </p:nvPr>
+        </p:nvSpPr>
+        <p:spPr/>
+        <p:txBody>
+          <a:bodyPr/>
+          <a:lstStyle/>
+          <a:p>
+            <a:r>
+              <a:rPr lang="ko-KR" altLang="en-US"/>
+              <a:t>호스트 이름 </a:t>
+            </a:r>
+            <a:r>
+              <a:rPr lang="en-US" altLang="ko-KR"/>
+              <a:t>: WAS </a:t>
+            </a:r>
+            <a:r>
+              <a:rPr lang="ko-KR" altLang="en-US"/>
+              <a:t>가 실행되는 컴퓨터 이름</a:t>
+            </a:r>
+          </a:p>
+        </p:txBody>
+      </p:sp>
+      <p:pic>
+        <p:nvPicPr>
+          <p:cNvPr id="5" name="그림 4">
+            <a:extLst>
+              <a:ext uri="{FF2B5EF4-FFF2-40B4-BE49-F238E27FC236}">
+                <a16:creationId xmlns:a16="http://schemas.microsoft.com/office/drawing/2014/main" id="{5DB198BB-05DD-4D5B-BB8B-1AB32C9FAB2D}"/>
+              </a:ext>
+            </a:extLst>
+          </p:cNvPr>
+          <p:cNvPicPr>
+            <a:picLocks noChangeAspect="1"/>
+          </p:cNvPicPr>
+          <p:nvPr/>
+        </p:nvPicPr>
+        <p:blipFill rotWithShape="1">
+          <a:blip r:embed="rId2"/>
+          <a:srcRect t="9062"/>
+          <a:stretch/>
+        </p:blipFill>
+        <p:spPr>
+          <a:xfrm>
+            <a:off x="1295400" y="2997864"/>
+            <a:ext cx="6973273" cy="2278378"/>
+          </a:xfrm>
+          <a:prstGeom prst="rect">
+            <a:avLst/>
+          </a:prstGeom>
+        </p:spPr>
+      </p:pic>
+      <p:sp>
+        <p:nvSpPr>
+          <p:cNvPr id="8" name="TextBox 7">
+            <a:extLst>
+              <a:ext uri="{FF2B5EF4-FFF2-40B4-BE49-F238E27FC236}">
+                <a16:creationId xmlns:a16="http://schemas.microsoft.com/office/drawing/2014/main" id="{6CF25D5E-74BE-4C9D-8278-3D168AFE6D1A}"/>
+              </a:ext>
+            </a:extLst>
+          </p:cNvPr>
+          <p:cNvSpPr txBox="1"/>
+          <p:nvPr/>
+        </p:nvSpPr>
+        <p:spPr>
+          <a:xfrm>
+            <a:off x="1369131" y="2561746"/>
+            <a:ext cx="2435028" cy="369332"/>
+          </a:xfrm>
+          <a:prstGeom prst="rect">
+            <a:avLst/>
+          </a:prstGeom>
+          <a:noFill/>
+        </p:spPr>
+        <p:txBody>
+          <a:bodyPr wrap="square" rtlCol="0">
+            <a:spAutoFit/>
+          </a:bodyPr>
+          <a:lstStyle/>
+          <a:p>
+            <a:r>
+              <a:rPr lang="en-US" altLang="ko-KR" sz="1800">
+                <a:solidFill>
+                  <a:schemeClr val="accent1"/>
+                </a:solidFill>
+                <a:latin typeface="Consolas" panose="020B0609020204030204" pitchFamily="49" charset="0"/>
+              </a:rPr>
+              <a:t>- InitYaml.java</a:t>
+            </a:r>
+            <a:endParaRPr lang="ko-KR" altLang="en-US" dirty="0">
+              <a:solidFill>
+                <a:schemeClr val="accent1"/>
+              </a:solidFill>
+            </a:endParaRPr>
+          </a:p>
+        </p:txBody>
+      </p:sp>
+    </p:spTree>
+    <p:extLst>
+      <p:ext uri="{BB962C8B-B14F-4D97-AF65-F5344CB8AC3E}">
+        <p14:creationId xmlns:p14="http://schemas.microsoft.com/office/powerpoint/2010/main" val="3026995060"/>
+      </p:ext>
+    </p:extLst>
+  </p:cSld>
+  <p:clrMapOvr>
+    <a:masterClrMapping/>
+  </p:clrMapOvr>
+  <mc:AlternateContent xmlns:mc="http://schemas.openxmlformats.org/markup-compatibility/2006" xmlns:p14="http://schemas.microsoft.com/office/powerpoint/2010/main">
+    <mc:Choice Requires="p14">
+      <p:transition spd="med" p14:dur="700">
+        <p:fade/>
+      </p:transition>
+    </mc:Choice>
+    <mc:Fallback xmlns="">
+      <p:transition spd="med">
+        <p:fade/>
+      </p:transition>
+    </mc:Fallback>
+  </mc:AlternateContent>
+</p:sld>
+</file>
+
+<file path=ppt/slides/slide6.xml><?xml version="1.0" encoding="utf-8"?>
+<p:sld xmlns:a="http://schemas.openxmlformats.org/drawingml/2006/main" xmlns:r="http://schemas.openxmlformats.org/officeDocument/2006/relationships" xmlns:p="http://schemas.openxmlformats.org/presentationml/2006/main">
+  <p:cSld>
+    <p:spTree>
+      <p:nvGrpSpPr>
+        <p:cNvPr id="1" name=""/>
+        <p:cNvGrpSpPr/>
+        <p:nvPr/>
+      </p:nvGrpSpPr>
+      <p:grpSpPr>
+        <a:xfrm>
+          <a:off x="0" y="0"/>
+          <a:ext cx="0" cy="0"/>
+          <a:chOff x="0" y="0"/>
+          <a:chExt cx="0" cy="0"/>
+        </a:xfrm>
+      </p:grpSpPr>
+      <p:sp>
+        <p:nvSpPr>
+          <p:cNvPr id="2" name="제목 1">
+            <a:extLst>
+              <a:ext uri="{FF2B5EF4-FFF2-40B4-BE49-F238E27FC236}">
+                <a16:creationId xmlns:a16="http://schemas.microsoft.com/office/drawing/2014/main" id="{CE5DD68F-8713-4C87-B602-DB80B8BA2FAE}"/>
+              </a:ext>
+            </a:extLst>
+          </p:cNvPr>
+          <p:cNvSpPr>
+            <a:spLocks noGrp="1"/>
+          </p:cNvSpPr>
+          <p:nvPr>
+            <p:ph type="title"/>
+          </p:nvPr>
+        </p:nvSpPr>
+        <p:spPr/>
+        <p:txBody>
+          <a:bodyPr/>
+          <a:lstStyle/>
+          <a:p>
+            <a:r>
+              <a:rPr lang="ko-KR" altLang="en-US"/>
+              <a:t>내가 만든 코드는</a:t>
+            </a:r>
+            <a:br>
+              <a:rPr lang="en-US" altLang="ko-KR"/>
+            </a:br>
+            <a:r>
+              <a:rPr lang="ko-KR" altLang="en-US"/>
+              <a:t>개발</a:t>
+            </a:r>
+            <a:r>
+              <a:rPr lang="en-US" altLang="ko-KR"/>
+              <a:t>/</a:t>
+            </a:r>
+            <a:r>
+              <a:rPr lang="ko-KR" altLang="en-US"/>
+              <a:t>테스트</a:t>
+            </a:r>
+            <a:r>
+              <a:rPr lang="en-US" altLang="ko-KR"/>
+              <a:t>/</a:t>
+            </a:r>
+            <a:r>
+              <a:rPr lang="ko-KR" altLang="en-US"/>
+              <a:t>운영에서 작동합니다</a:t>
+            </a:r>
+            <a:r>
+              <a:rPr lang="en-US" altLang="ko-KR"/>
+              <a:t>.</a:t>
+            </a:r>
+            <a:endParaRPr lang="ko-KR" altLang="en-US"/>
+          </a:p>
+        </p:txBody>
+      </p:sp>
+      <p:sp>
+        <p:nvSpPr>
+          <p:cNvPr id="3" name="내용 개체 틀 2">
+            <a:extLst>
+              <a:ext uri="{FF2B5EF4-FFF2-40B4-BE49-F238E27FC236}">
+                <a16:creationId xmlns:a16="http://schemas.microsoft.com/office/drawing/2014/main" id="{DB759801-C96C-423A-92FB-C765F66F0309}"/>
+              </a:ext>
+            </a:extLst>
+          </p:cNvPr>
+          <p:cNvSpPr>
+            <a:spLocks noGrp="1"/>
+          </p:cNvSpPr>
+          <p:nvPr>
+            <p:ph idx="1"/>
+          </p:nvPr>
+        </p:nvSpPr>
+        <p:spPr/>
+        <p:txBody>
+          <a:bodyPr/>
+          <a:lstStyle/>
+          <a:p>
+            <a:r>
+              <a:rPr lang="ko-KR" altLang="en-US"/>
+              <a:t>호스트 이름 </a:t>
+            </a:r>
+            <a:r>
+              <a:rPr lang="en-US" altLang="ko-KR"/>
+              <a:t>: WAS </a:t>
+            </a:r>
+            <a:r>
+              <a:rPr lang="ko-KR" altLang="en-US"/>
+              <a:t>가 실행되는 컴퓨터 이름</a:t>
+            </a:r>
+          </a:p>
+        </p:txBody>
+      </p:sp>
+      <p:pic>
+        <p:nvPicPr>
+          <p:cNvPr id="6" name="그림 5">
+            <a:extLst>
+              <a:ext uri="{FF2B5EF4-FFF2-40B4-BE49-F238E27FC236}">
+                <a16:creationId xmlns:a16="http://schemas.microsoft.com/office/drawing/2014/main" id="{822B31AE-6A8B-43EC-A28F-453D8CEB8FA6}"/>
+              </a:ext>
+            </a:extLst>
+          </p:cNvPr>
+          <p:cNvPicPr>
+            <a:picLocks noChangeAspect="1"/>
+          </p:cNvPicPr>
+          <p:nvPr/>
+        </p:nvPicPr>
+        <p:blipFill>
+          <a:blip r:embed="rId2"/>
+          <a:stretch>
+            <a:fillRect/>
+          </a:stretch>
+        </p:blipFill>
+        <p:spPr>
+          <a:xfrm>
+            <a:off x="1052640" y="2863531"/>
+            <a:ext cx="7440063" cy="1733792"/>
+          </a:xfrm>
+          <a:prstGeom prst="rect">
+            <a:avLst/>
+          </a:prstGeom>
+        </p:spPr>
+      </p:pic>
+      <p:pic>
+        <p:nvPicPr>
+          <p:cNvPr id="9" name="그림 8">
+            <a:extLst>
+              <a:ext uri="{FF2B5EF4-FFF2-40B4-BE49-F238E27FC236}">
+                <a16:creationId xmlns:a16="http://schemas.microsoft.com/office/drawing/2014/main" id="{E5AD374B-21A0-47A8-B592-122B647272B2}"/>
+              </a:ext>
+            </a:extLst>
+          </p:cNvPr>
+          <p:cNvPicPr>
+            <a:picLocks noChangeAspect="1"/>
+          </p:cNvPicPr>
+          <p:nvPr/>
+        </p:nvPicPr>
+        <p:blipFill>
+          <a:blip r:embed="rId3"/>
+          <a:stretch>
+            <a:fillRect/>
+          </a:stretch>
+        </p:blipFill>
+        <p:spPr>
+          <a:xfrm>
+            <a:off x="2646799" y="5220768"/>
+            <a:ext cx="8249801" cy="790685"/>
+          </a:xfrm>
+          <a:prstGeom prst="rect">
+            <a:avLst/>
+          </a:prstGeom>
+        </p:spPr>
+      </p:pic>
+      <p:sp>
+        <p:nvSpPr>
+          <p:cNvPr id="10" name="TextBox 9">
+            <a:extLst>
+              <a:ext uri="{FF2B5EF4-FFF2-40B4-BE49-F238E27FC236}">
+                <a16:creationId xmlns:a16="http://schemas.microsoft.com/office/drawing/2014/main" id="{492575AC-D4E4-44A4-99FB-7ACFC775D201}"/>
+              </a:ext>
+            </a:extLst>
+          </p:cNvPr>
+          <p:cNvSpPr txBox="1"/>
+          <p:nvPr/>
+        </p:nvSpPr>
+        <p:spPr>
+          <a:xfrm>
+            <a:off x="1052640" y="2485085"/>
+            <a:ext cx="2435028" cy="369332"/>
+          </a:xfrm>
+          <a:prstGeom prst="rect">
+            <a:avLst/>
+          </a:prstGeom>
+          <a:noFill/>
+        </p:spPr>
+        <p:txBody>
+          <a:bodyPr wrap="square" rtlCol="0">
+            <a:spAutoFit/>
+          </a:bodyPr>
+          <a:lstStyle/>
+          <a:p>
+            <a:r>
+              <a:rPr lang="en-US" altLang="ko-KR" sz="1800">
+                <a:solidFill>
+                  <a:schemeClr val="accent1"/>
+                </a:solidFill>
+                <a:latin typeface="Consolas" panose="020B0609020204030204" pitchFamily="49" charset="0"/>
+              </a:rPr>
+              <a:t>- init.yaml</a:t>
+            </a:r>
+            <a:endParaRPr lang="ko-KR" altLang="en-US" dirty="0">
+              <a:solidFill>
+                <a:schemeClr val="accent1"/>
+              </a:solidFill>
+            </a:endParaRPr>
+          </a:p>
+        </p:txBody>
+      </p:sp>
+      <p:sp>
+        <p:nvSpPr>
+          <p:cNvPr id="11" name="TextBox 10">
+            <a:extLst>
+              <a:ext uri="{FF2B5EF4-FFF2-40B4-BE49-F238E27FC236}">
+                <a16:creationId xmlns:a16="http://schemas.microsoft.com/office/drawing/2014/main" id="{05196692-5854-4A41-A5F1-50072FB2ECE8}"/>
+              </a:ext>
+            </a:extLst>
+          </p:cNvPr>
+          <p:cNvSpPr txBox="1"/>
+          <p:nvPr/>
+        </p:nvSpPr>
+        <p:spPr>
+          <a:xfrm>
+            <a:off x="2580402" y="4842322"/>
+            <a:ext cx="4208815" cy="369332"/>
+          </a:xfrm>
+          <a:prstGeom prst="rect">
+            <a:avLst/>
+          </a:prstGeom>
+          <a:noFill/>
+        </p:spPr>
+        <p:txBody>
+          <a:bodyPr wrap="square" rtlCol="0">
+            <a:spAutoFit/>
+          </a:bodyPr>
+          <a:lstStyle/>
+          <a:p>
+            <a:r>
+              <a:rPr lang="en-US" altLang="ko-KR" sz="1800">
+                <a:solidFill>
+                  <a:schemeClr val="accent1"/>
+                </a:solidFill>
+                <a:latin typeface="Consolas" panose="020B0609020204030204" pitchFamily="49" charset="0"/>
+              </a:rPr>
+              <a:t>- MasterController.java</a:t>
+            </a:r>
+            <a:endParaRPr lang="ko-KR" altLang="en-US" dirty="0">
+              <a:solidFill>
+                <a:schemeClr val="accent1"/>
+              </a:solidFill>
+            </a:endParaRPr>
+          </a:p>
+        </p:txBody>
+      </p:sp>
+    </p:spTree>
+    <p:extLst>
+      <p:ext uri="{BB962C8B-B14F-4D97-AF65-F5344CB8AC3E}">
+        <p14:creationId xmlns:p14="http://schemas.microsoft.com/office/powerpoint/2010/main" val="4121390626"/>
+      </p:ext>
+    </p:extLst>
+  </p:cSld>
+  <p:clrMapOvr>
+    <a:masterClrMapping/>
+  </p:clrMapOvr>
+  <mc:AlternateContent xmlns:mc="http://schemas.openxmlformats.org/markup-compatibility/2006" xmlns:p14="http://schemas.microsoft.com/office/powerpoint/2010/main">
+    <mc:Choice Requires="p14">
+      <p:transition spd="med" p14:dur="700">
+        <p:fade/>
+      </p:transition>
+    </mc:Choice>
+    <mc:Fallback xmlns="">
+      <p:transition spd="med">
+        <p:fade/>
+      </p:transition>
+    </mc:Fallback>
+  </mc:AlternateContent>
+</p:sld>
+</file>
+
+<file path=ppt/slides/slide7.xml><?xml version="1.0" encoding="utf-8"?>
+<p:sld xmlns:a="http://schemas.openxmlformats.org/drawingml/2006/main" xmlns:r="http://schemas.openxmlformats.org/officeDocument/2006/relationships" xmlns:p="http://schemas.openxmlformats.org/presentationml/2006/main">
+  <p:cSld>
+    <p:spTree>
+      <p:nvGrpSpPr>
+        <p:cNvPr id="1" name=""/>
+        <p:cNvGrpSpPr/>
+        <p:nvPr/>
+      </p:nvGrpSpPr>
+      <p:grpSpPr>
+        <a:xfrm>
+          <a:off x="0" y="0"/>
+          <a:ext cx="0" cy="0"/>
+          <a:chOff x="0" y="0"/>
+          <a:chExt cx="0" cy="0"/>
+        </a:xfrm>
+      </p:grpSpPr>
+      <p:sp>
+        <p:nvSpPr>
+          <p:cNvPr id="2" name="제목 1">
+            <a:extLst>
+              <a:ext uri="{FF2B5EF4-FFF2-40B4-BE49-F238E27FC236}">
+                <a16:creationId xmlns:a16="http://schemas.microsoft.com/office/drawing/2014/main" id="{E771E725-837A-4375-BCD0-8688D289A882}"/>
+              </a:ext>
+            </a:extLst>
+          </p:cNvPr>
+          <p:cNvSpPr>
+            <a:spLocks noGrp="1"/>
+          </p:cNvSpPr>
+          <p:nvPr>
+            <p:ph type="title"/>
+          </p:nvPr>
+        </p:nvSpPr>
+        <p:spPr/>
+        <p:txBody>
+          <a:bodyPr/>
+          <a:lstStyle/>
+          <a:p>
+            <a:r>
+              <a:rPr lang="ko-KR" altLang="en-US" dirty="0"/>
+              <a:t>내가 만든 코드는</a:t>
+            </a:r>
+            <a:br>
+              <a:rPr lang="en-US" altLang="ko-KR" dirty="0"/>
+            </a:br>
+            <a:r>
+              <a:rPr lang="ko-KR" altLang="en-US" dirty="0"/>
+              <a:t>개발</a:t>
+            </a:r>
+            <a:r>
+              <a:rPr lang="en-US" altLang="ko-KR" dirty="0"/>
+              <a:t>/</a:t>
+            </a:r>
+            <a:r>
+              <a:rPr lang="ko-KR" altLang="en-US" dirty="0"/>
+              <a:t>테스트</a:t>
+            </a:r>
+            <a:r>
+              <a:rPr lang="en-US" altLang="ko-KR" dirty="0"/>
+              <a:t>/</a:t>
+            </a:r>
+            <a:r>
+              <a:rPr lang="ko-KR" altLang="en-US" dirty="0"/>
+              <a:t>운영에서 작동합니다</a:t>
+            </a:r>
+            <a:r>
+              <a:rPr lang="en-US" altLang="ko-KR" dirty="0"/>
+              <a:t>.</a:t>
+            </a:r>
+            <a:endParaRPr lang="ko-KR" altLang="en-US" dirty="0"/>
+          </a:p>
+        </p:txBody>
+      </p:sp>
+      <p:sp>
+        <p:nvSpPr>
+          <p:cNvPr id="3" name="내용 개체 틀 2">
+            <a:extLst>
+              <a:ext uri="{FF2B5EF4-FFF2-40B4-BE49-F238E27FC236}">
+                <a16:creationId xmlns:a16="http://schemas.microsoft.com/office/drawing/2014/main" id="{3924FAA9-0903-4D0F-A299-974AF8AF3D96}"/>
+              </a:ext>
+            </a:extLst>
+          </p:cNvPr>
+          <p:cNvSpPr>
+            <a:spLocks noGrp="1"/>
+          </p:cNvSpPr>
+          <p:nvPr>
+            <p:ph idx="1"/>
+          </p:nvPr>
+        </p:nvSpPr>
+        <p:spPr/>
+        <p:txBody>
+          <a:bodyPr/>
+          <a:lstStyle/>
+          <a:p>
+            <a:r>
+              <a:rPr lang="en-US" altLang="ko-KR"/>
+              <a:t>WAS(</a:t>
+            </a:r>
+            <a:r>
+              <a:rPr lang="ko-KR" altLang="en-US"/>
+              <a:t>컨테이너</a:t>
+            </a:r>
+            <a:r>
+              <a:rPr lang="en-US" altLang="ko-KR"/>
+              <a:t>) : WAS </a:t>
+            </a:r>
+            <a:r>
+              <a:rPr lang="ko-KR" altLang="en-US"/>
+              <a:t>를 구분할 수 있는 이름</a:t>
+            </a:r>
+          </a:p>
+          <a:p>
+            <a:pPr lvl="1"/>
+            <a:r>
+              <a:rPr lang="en-US" altLang="ko-KR"/>
+              <a:t>JVM</a:t>
+            </a:r>
+            <a:r>
+              <a:rPr lang="ko-KR" altLang="en-US"/>
+              <a:t> 실행시 파라메터 전달</a:t>
+            </a:r>
+            <a:endParaRPr lang="en-US" altLang="ko-KR"/>
+          </a:p>
+          <a:p>
+            <a:pPr lvl="1"/>
+            <a:endParaRPr lang="en-US" altLang="ko-KR"/>
+          </a:p>
+          <a:p>
+            <a:pPr lvl="1"/>
+            <a:endParaRPr lang="en-US" altLang="ko-KR"/>
+          </a:p>
+          <a:p>
+            <a:pPr lvl="1"/>
+            <a:r>
+              <a:rPr lang="en-US" altLang="ko-KR"/>
+              <a:t>RunCode5 </a:t>
+            </a:r>
+            <a:r>
+              <a:rPr lang="ko-KR" altLang="en-US"/>
+              <a:t>실행시 환경변수 전달 </a:t>
+            </a:r>
+            <a:r>
+              <a:rPr lang="en-US" altLang="ko-KR"/>
+              <a:t>(</a:t>
+            </a:r>
+            <a:r>
+              <a:rPr lang="ko-KR" altLang="en-US"/>
+              <a:t>톰캣은 모듈</a:t>
+            </a:r>
+            <a:r>
+              <a:rPr lang="en-US" altLang="ko-KR"/>
+              <a:t>)</a:t>
+            </a:r>
+          </a:p>
+          <a:p>
+            <a:pPr lvl="1"/>
+            <a:endParaRPr lang="en-US" altLang="ko-KR"/>
+          </a:p>
+          <a:p>
+            <a:endParaRPr lang="ko-KR" altLang="en-US" dirty="0"/>
+          </a:p>
+        </p:txBody>
+      </p:sp>
+      <p:pic>
+        <p:nvPicPr>
+          <p:cNvPr id="5" name="그림 4">
+            <a:extLst>
+              <a:ext uri="{FF2B5EF4-FFF2-40B4-BE49-F238E27FC236}">
+                <a16:creationId xmlns:a16="http://schemas.microsoft.com/office/drawing/2014/main" id="{F6CFB4E7-E88A-42CA-812C-D3D8AD1C753A}"/>
+              </a:ext>
+            </a:extLst>
+          </p:cNvPr>
+          <p:cNvPicPr>
+            <a:picLocks noChangeAspect="1"/>
+          </p:cNvPicPr>
+          <p:nvPr/>
+        </p:nvPicPr>
+        <p:blipFill>
+          <a:blip r:embed="rId2"/>
+          <a:stretch>
+            <a:fillRect/>
+          </a:stretch>
+        </p:blipFill>
+        <p:spPr>
+          <a:xfrm>
+            <a:off x="1369108" y="3932643"/>
+            <a:ext cx="6982799" cy="828791"/>
+          </a:xfrm>
+          <a:prstGeom prst="rect">
+            <a:avLst/>
+          </a:prstGeom>
+        </p:spPr>
+      </p:pic>
+      <p:pic>
+        <p:nvPicPr>
+          <p:cNvPr id="6" name="그림 5">
+            <a:extLst>
+              <a:ext uri="{FF2B5EF4-FFF2-40B4-BE49-F238E27FC236}">
+                <a16:creationId xmlns:a16="http://schemas.microsoft.com/office/drawing/2014/main" id="{5EF5952D-092E-44EF-90E5-5C1E66841E05}"/>
+              </a:ext>
+            </a:extLst>
+          </p:cNvPr>
+          <p:cNvPicPr>
+            <a:picLocks noChangeAspect="1"/>
+          </p:cNvPicPr>
+          <p:nvPr/>
+        </p:nvPicPr>
+        <p:blipFill>
+          <a:blip r:embed="rId3"/>
+          <a:stretch>
+            <a:fillRect/>
+          </a:stretch>
+        </p:blipFill>
+        <p:spPr>
+          <a:xfrm>
+            <a:off x="3646549" y="5048607"/>
+            <a:ext cx="7306695" cy="838317"/>
+          </a:xfrm>
+          <a:prstGeom prst="rect">
+            <a:avLst/>
+          </a:prstGeom>
+        </p:spPr>
+      </p:pic>
+      <p:sp>
+        <p:nvSpPr>
+          <p:cNvPr id="7" name="TextBox 6">
+            <a:extLst>
+              <a:ext uri="{FF2B5EF4-FFF2-40B4-BE49-F238E27FC236}">
+                <a16:creationId xmlns:a16="http://schemas.microsoft.com/office/drawing/2014/main" id="{C4733ACB-E5BB-42FA-B52E-08DCFE7298C5}"/>
+              </a:ext>
+            </a:extLst>
+          </p:cNvPr>
+          <p:cNvSpPr txBox="1"/>
+          <p:nvPr/>
+        </p:nvSpPr>
+        <p:spPr>
+          <a:xfrm>
+            <a:off x="1708997" y="2808934"/>
+            <a:ext cx="8211838" cy="923330"/>
+          </a:xfrm>
+          <a:prstGeom prst="rect">
+            <a:avLst/>
+          </a:prstGeom>
+          <a:noFill/>
+        </p:spPr>
+        <p:txBody>
+          <a:bodyPr wrap="square" rtlCol="0">
+            <a:spAutoFit/>
+          </a:bodyPr>
+          <a:lstStyle/>
+          <a:p>
+            <a:r>
+              <a:rPr lang="en-US" altLang="ko-KR"/>
+              <a:t>java com.code5.fw.RunCode5 –Dcom.code5.app.name=</a:t>
+            </a:r>
+            <a:r>
+              <a:rPr lang="ko-KR" altLang="en-US"/>
+              <a:t>도커</a:t>
+            </a:r>
+            <a:r>
+              <a:rPr lang="en-US" altLang="ko-KR"/>
+              <a:t>1</a:t>
+            </a:r>
+          </a:p>
+          <a:p>
+            <a:r>
+              <a:rPr lang="en-US" altLang="ko-KR"/>
+              <a:t>java com.code5.fw.RunCode5 –Dcom.code5.app.name=</a:t>
+            </a:r>
+            <a:r>
+              <a:rPr lang="ko-KR" altLang="en-US"/>
+              <a:t>도커</a:t>
+            </a:r>
+            <a:r>
+              <a:rPr lang="en-US" altLang="ko-KR"/>
+              <a:t>2</a:t>
+            </a:r>
+            <a:endParaRPr lang="ko-KR" altLang="en-US"/>
+          </a:p>
+          <a:p>
+            <a:r>
+              <a:rPr lang="ko-KR" altLang="en-US"/>
+              <a:t> </a:t>
+            </a:r>
+            <a:endParaRPr lang="ko-KR" altLang="en-US" dirty="0"/>
+          </a:p>
+        </p:txBody>
+      </p:sp>
+      <p:sp>
+        <p:nvSpPr>
+          <p:cNvPr id="8" name="TextBox 7">
+            <a:extLst>
+              <a:ext uri="{FF2B5EF4-FFF2-40B4-BE49-F238E27FC236}">
+                <a16:creationId xmlns:a16="http://schemas.microsoft.com/office/drawing/2014/main" id="{F2186825-4087-4D0E-B0ED-49ED1CB6D0ED}"/>
+              </a:ext>
+            </a:extLst>
+          </p:cNvPr>
+          <p:cNvSpPr txBox="1"/>
+          <p:nvPr/>
+        </p:nvSpPr>
+        <p:spPr>
+          <a:xfrm>
+            <a:off x="3642993" y="4722319"/>
+            <a:ext cx="2435028" cy="369332"/>
+          </a:xfrm>
+          <a:prstGeom prst="rect">
+            <a:avLst/>
+          </a:prstGeom>
+          <a:noFill/>
+        </p:spPr>
+        <p:txBody>
+          <a:bodyPr wrap="square" rtlCol="0">
+            <a:spAutoFit/>
+          </a:bodyPr>
+          <a:lstStyle/>
+          <a:p>
+            <a:r>
+              <a:rPr lang="en-US" altLang="ko-KR" sz="1800">
+                <a:solidFill>
+                  <a:schemeClr val="accent1"/>
+                </a:solidFill>
+                <a:latin typeface="Consolas" panose="020B0609020204030204" pitchFamily="49" charset="0"/>
+              </a:rPr>
+              <a:t>- InitYaml.java</a:t>
+            </a:r>
+            <a:endParaRPr lang="ko-KR" altLang="en-US" dirty="0">
+              <a:solidFill>
+                <a:schemeClr val="accent1"/>
+              </a:solidFill>
+            </a:endParaRPr>
+          </a:p>
+        </p:txBody>
+      </p:sp>
+    </p:spTree>
+    <p:extLst>
+      <p:ext uri="{BB962C8B-B14F-4D97-AF65-F5344CB8AC3E}">
+        <p14:creationId xmlns:p14="http://schemas.microsoft.com/office/powerpoint/2010/main" val="1461964269"/>
+      </p:ext>
+    </p:extLst>
+  </p:cSld>
+  <p:clrMapOvr>
+    <a:masterClrMapping/>
+  </p:clrMapOvr>
+  <mc:AlternateContent xmlns:mc="http://schemas.openxmlformats.org/markup-compatibility/2006" xmlns:p14="http://schemas.microsoft.com/office/powerpoint/2010/main">
+    <mc:Choice Requires="p14">
+      <p:transition spd="med" p14:dur="700">
+        <p:fade/>
+      </p:transition>
+    </mc:Choice>
+    <mc:Fallback xmlns="">
+      <p:transition spd="med">
+        <p:fade/>
+      </p:transition>
+    </mc:Fallback>
+  </mc:AlternateContent>
+</p:sld>
+</file>
+
+<file path=ppt/slides/slide8.xml><?xml version="1.0" encoding="utf-8"?>
+<p:sld xmlns:a="http://schemas.openxmlformats.org/drawingml/2006/main" xmlns:r="http://schemas.openxmlformats.org/officeDocument/2006/relationships" xmlns:p="http://schemas.openxmlformats.org/presentationml/2006/main">
+  <p:cSld>
+    <p:spTree>
+      <p:nvGrpSpPr>
+        <p:cNvPr id="1" name=""/>
+        <p:cNvGrpSpPr/>
+        <p:nvPr/>
+      </p:nvGrpSpPr>
+      <p:grpSpPr>
+        <a:xfrm>
+          <a:off x="0" y="0"/>
+          <a:ext cx="0" cy="0"/>
+          <a:chOff x="0" y="0"/>
+          <a:chExt cx="0" cy="0"/>
+        </a:xfrm>
+      </p:grpSpPr>
+      <p:sp>
+        <p:nvSpPr>
+          <p:cNvPr id="2" name="제목 1">
+            <a:extLst>
+              <a:ext uri="{FF2B5EF4-FFF2-40B4-BE49-F238E27FC236}">
+                <a16:creationId xmlns:a16="http://schemas.microsoft.com/office/drawing/2014/main" id="{1A765802-9A5E-43C8-905D-D26AC72333C9}"/>
+              </a:ext>
+            </a:extLst>
+          </p:cNvPr>
+          <p:cNvSpPr>
+            <a:spLocks noGrp="1"/>
+          </p:cNvSpPr>
+          <p:nvPr>
+            <p:ph type="title"/>
+          </p:nvPr>
+        </p:nvSpPr>
+        <p:spPr/>
+        <p:txBody>
+          <a:bodyPr/>
+          <a:lstStyle/>
+          <a:p>
+            <a:r>
+              <a:rPr lang="ko-KR" altLang="en-US"/>
+              <a:t>내가 만든 코드는</a:t>
+            </a:r>
+            <a:br>
+              <a:rPr lang="en-US" altLang="ko-KR"/>
+            </a:br>
+            <a:r>
+              <a:rPr lang="ko-KR" altLang="en-US"/>
+              <a:t>개발</a:t>
+            </a:r>
+            <a:r>
+              <a:rPr lang="en-US" altLang="ko-KR"/>
+              <a:t>/</a:t>
+            </a:r>
+            <a:r>
+              <a:rPr lang="ko-KR" altLang="en-US"/>
+              <a:t>테스트</a:t>
+            </a:r>
+            <a:r>
+              <a:rPr lang="en-US" altLang="ko-KR"/>
+              <a:t>/</a:t>
+            </a:r>
+            <a:r>
+              <a:rPr lang="ko-KR" altLang="en-US"/>
+              <a:t>운영에서 작동합니다</a:t>
+            </a:r>
+            <a:r>
+              <a:rPr lang="en-US" altLang="ko-KR"/>
+              <a:t>.</a:t>
+            </a:r>
+            <a:endParaRPr lang="ko-KR" altLang="en-US"/>
+          </a:p>
+        </p:txBody>
+      </p:sp>
+      <p:sp>
+        <p:nvSpPr>
+          <p:cNvPr id="3" name="내용 개체 틀 2">
+            <a:extLst>
+              <a:ext uri="{FF2B5EF4-FFF2-40B4-BE49-F238E27FC236}">
+                <a16:creationId xmlns:a16="http://schemas.microsoft.com/office/drawing/2014/main" id="{5DB796C6-894B-4CA4-B1DE-DBBD54E249DF}"/>
+              </a:ext>
+            </a:extLst>
+          </p:cNvPr>
+          <p:cNvSpPr>
+            <a:spLocks noGrp="1"/>
+          </p:cNvSpPr>
+          <p:nvPr>
+            <p:ph idx="1"/>
+          </p:nvPr>
+        </p:nvSpPr>
+        <p:spPr/>
+        <p:txBody>
+          <a:bodyPr/>
+          <a:lstStyle/>
+          <a:p>
+            <a:r>
+              <a:rPr lang="en-US" altLang="ko-KR"/>
+              <a:t>WAS(</a:t>
+            </a:r>
+            <a:r>
+              <a:rPr lang="ko-KR" altLang="en-US"/>
+              <a:t>컨테이너</a:t>
+            </a:r>
+            <a:r>
+              <a:rPr lang="en-US" altLang="ko-KR"/>
+              <a:t>) : WAS </a:t>
+            </a:r>
+            <a:r>
+              <a:rPr lang="ko-KR" altLang="en-US"/>
+              <a:t>를 구분할 수 있는 이름</a:t>
+            </a:r>
+          </a:p>
+          <a:p>
+            <a:pPr marL="0" indent="0">
+              <a:buNone/>
+            </a:pPr>
+            <a:endParaRPr lang="ko-KR" altLang="en-US"/>
+          </a:p>
+        </p:txBody>
+      </p:sp>
+      <p:sp>
+        <p:nvSpPr>
+          <p:cNvPr id="14" name="TextBox 13">
+            <a:extLst>
+              <a:ext uri="{FF2B5EF4-FFF2-40B4-BE49-F238E27FC236}">
+                <a16:creationId xmlns:a16="http://schemas.microsoft.com/office/drawing/2014/main" id="{EC8DDAF9-8F5C-409C-BCC3-290A829F83C6}"/>
+              </a:ext>
+            </a:extLst>
+          </p:cNvPr>
+          <p:cNvSpPr txBox="1"/>
+          <p:nvPr/>
+        </p:nvSpPr>
+        <p:spPr>
+          <a:xfrm>
+            <a:off x="1169220" y="2872100"/>
+            <a:ext cx="2892981" cy="369332"/>
+          </a:xfrm>
+          <a:prstGeom prst="rect">
+            <a:avLst/>
+          </a:prstGeom>
+          <a:noFill/>
+        </p:spPr>
+        <p:txBody>
+          <a:bodyPr wrap="square" rtlCol="0">
+            <a:spAutoFit/>
+          </a:bodyPr>
+          <a:lstStyle/>
+          <a:p>
+            <a:r>
+              <a:rPr lang="en-US" altLang="ko-KR" sz="1800">
+                <a:solidFill>
+                  <a:schemeClr val="accent1"/>
+                </a:solidFill>
+                <a:latin typeface="Consolas" panose="020B0609020204030204" pitchFamily="49" charset="0"/>
+              </a:rPr>
+              <a:t>- </a:t>
+            </a:r>
+            <a:r>
+              <a:rPr lang="en-US" altLang="ko-KR">
+                <a:solidFill>
+                  <a:schemeClr val="accent1"/>
+                </a:solidFill>
+                <a:latin typeface="Consolas" panose="020B0609020204030204" pitchFamily="49" charset="0"/>
+              </a:rPr>
+              <a:t>TraceRunnter</a:t>
+            </a:r>
+            <a:r>
+              <a:rPr lang="en-US" altLang="ko-KR" sz="1800">
+                <a:solidFill>
+                  <a:schemeClr val="accent1"/>
+                </a:solidFill>
+                <a:latin typeface="Consolas" panose="020B0609020204030204" pitchFamily="49" charset="0"/>
+              </a:rPr>
+              <a:t>.java</a:t>
+            </a:r>
+            <a:endParaRPr lang="ko-KR" altLang="en-US" dirty="0">
+              <a:solidFill>
+                <a:schemeClr val="accent1"/>
+              </a:solidFill>
+            </a:endParaRPr>
+          </a:p>
+        </p:txBody>
+      </p:sp>
+      <p:pic>
+        <p:nvPicPr>
+          <p:cNvPr id="16" name="그림 15">
+            <a:extLst>
+              <a:ext uri="{FF2B5EF4-FFF2-40B4-BE49-F238E27FC236}">
+                <a16:creationId xmlns:a16="http://schemas.microsoft.com/office/drawing/2014/main" id="{98BCFEC7-8260-4882-9D64-D030E6601A49}"/>
+              </a:ext>
+            </a:extLst>
+          </p:cNvPr>
+          <p:cNvPicPr>
+            <a:picLocks noChangeAspect="1"/>
+          </p:cNvPicPr>
+          <p:nvPr/>
+        </p:nvPicPr>
+        <p:blipFill>
+          <a:blip r:embed="rId2"/>
+          <a:stretch>
+            <a:fillRect/>
+          </a:stretch>
+        </p:blipFill>
+        <p:spPr>
+          <a:xfrm>
+            <a:off x="1295400" y="3241432"/>
+            <a:ext cx="7925906" cy="1914792"/>
+          </a:xfrm>
+          <a:prstGeom prst="rect">
+            <a:avLst/>
+          </a:prstGeom>
+        </p:spPr>
+      </p:pic>
+    </p:spTree>
+    <p:extLst>
+      <p:ext uri="{BB962C8B-B14F-4D97-AF65-F5344CB8AC3E}">
+        <p14:creationId xmlns:p14="http://schemas.microsoft.com/office/powerpoint/2010/main" val="4283897"/>
+      </p:ext>
+    </p:extLst>
+  </p:cSld>
+  <p:clrMapOvr>
+    <a:masterClrMapping/>
+  </p:clrMapOvr>
+  <mc:AlternateContent xmlns:mc="http://schemas.openxmlformats.org/markup-compatibility/2006" xmlns:p14="http://schemas.microsoft.com/office/powerpoint/2010/main">
+    <mc:Choice Requires="p14">
+      <p:transition spd="med" p14:dur="700">
+        <p:fade/>
+      </p:transition>
+    </mc:Choice>
+    <mc:Fallback xmlns="">
+      <p:transition spd="med">
+        <p:fade/>
+      </p:transition>
+    </mc:Fallback>
+  </mc:AlternateContent>
+</p:sld>
+</file>
+
+<file path=ppt/slides/slide9.xml><?xml version="1.0" encoding="utf-8"?>
+<p:sld xmlns:a="http://schemas.openxmlformats.org/drawingml/2006/main" xmlns:r="http://schemas.openxmlformats.org/officeDocument/2006/relationships" xmlns:p="http://schemas.openxmlformats.org/presentationml/2006/main">
+  <p:cSld>
+    <p:spTree>
+      <p:nvGrpSpPr>
+        <p:cNvPr id="1" name=""/>
+        <p:cNvGrpSpPr/>
+        <p:nvPr/>
+      </p:nvGrpSpPr>
+      <p:grpSpPr>
+        <a:xfrm>
+          <a:off x="0" y="0"/>
+          <a:ext cx="0" cy="0"/>
+          <a:chOff x="0" y="0"/>
+          <a:chExt cx="0" cy="0"/>
+        </a:xfrm>
+      </p:grpSpPr>
+      <p:sp>
+        <p:nvSpPr>
+          <p:cNvPr id="2" name="제목 1">
+            <a:extLst>
+              <a:ext uri="{FF2B5EF4-FFF2-40B4-BE49-F238E27FC236}">
                 <a16:creationId xmlns:a16="http://schemas.microsoft.com/office/drawing/2014/main" id="{28D78D5F-E582-4987-91DF-9C7C5BEBD4EB}"/>
               </a:ext>
             </a:extLst>
@@ -17558,8 +18220,36 @@
           <a:p>
             <a:r>
               <a:rPr lang="ko-KR" altLang="en-US" dirty="0"/>
-              <a:t>개발자가 알아 두면 좋은 네트워크 개념</a:t>
-            </a:r>
+              <a:t>내가 만든 코드는</a:t>
+            </a:r>
+            <a:br>
+              <a:rPr lang="en-US" altLang="ko-KR" dirty="0"/>
+            </a:br>
+            <a:r>
+              <a:rPr lang="ko-KR" altLang="en-US" dirty="0"/>
+              <a:t>개발</a:t>
+            </a:r>
+            <a:r>
+              <a:rPr lang="en-US" altLang="ko-KR" dirty="0"/>
+              <a:t>/</a:t>
+            </a:r>
+            <a:r>
+              <a:rPr lang="ko-KR" altLang="en-US" dirty="0"/>
+              <a:t>테스트</a:t>
+            </a:r>
+            <a:r>
+              <a:rPr lang="en-US" altLang="ko-KR" dirty="0"/>
+              <a:t>/</a:t>
+            </a:r>
+            <a:r>
+              <a:rPr lang="ko-KR" altLang="en-US" dirty="0"/>
+              <a:t>운영에서 작동합니다</a:t>
+            </a:r>
+            <a:r>
+              <a:rPr lang="en-US" altLang="ko-KR" dirty="0"/>
+              <a:t>.</a:t>
+            </a:r>
+            <a:endParaRPr lang="ko-KR" altLang="en-US" dirty="0"/>
           </a:p>
         </p:txBody>
       </p:sp>
@@ -17585,154 +18275,102 @@
           <a:lstStyle/>
           <a:p>
             <a:r>
-              <a:rPr lang="ko-KR" altLang="en-US" dirty="0"/>
-              <a:t>일반적 서버 구성</a:t>
+              <a:rPr lang="ko-KR" altLang="en-US"/>
+              <a:t>리로드 기능 </a:t>
+            </a:r>
+            <a:r>
+              <a:rPr lang="en-US" altLang="ko-KR"/>
+              <a:t>: </a:t>
+            </a:r>
+            <a:r>
+              <a:rPr lang="ko-KR" altLang="en-US"/>
+              <a:t>재사용</a:t>
+            </a:r>
+            <a:r>
+              <a:rPr lang="en-US" altLang="ko-KR"/>
+              <a:t>(</a:t>
+            </a:r>
+            <a:r>
+              <a:rPr lang="ko-KR" altLang="en-US"/>
+              <a:t>캐쉬</a:t>
+            </a:r>
+            <a:r>
+              <a:rPr lang="en-US" altLang="ko-KR"/>
+              <a:t>)</a:t>
+            </a:r>
+            <a:r>
+              <a:rPr lang="ko-KR" altLang="en-US"/>
+              <a:t>된 데이터를 삭제</a:t>
             </a:r>
           </a:p>
         </p:txBody>
       </p:sp>
-      <p:sp>
-        <p:nvSpPr>
-          <p:cNvPr id="24" name="직사각형 23">
+      <p:pic>
+        <p:nvPicPr>
+          <p:cNvPr id="5" name="그림 4">
             <a:extLst>
               <a:ext uri="{FF2B5EF4-FFF2-40B4-BE49-F238E27FC236}">
-                <a16:creationId xmlns:a16="http://schemas.microsoft.com/office/drawing/2014/main" id="{7307316F-A5AE-4A8C-9E78-8077978BDDD7}"/>
+                <a16:creationId xmlns:a16="http://schemas.microsoft.com/office/drawing/2014/main" id="{EC8B74BB-09AE-4AA2-9B8D-4C16D9D02BF7}"/>
               </a:ext>
             </a:extLst>
           </p:cNvPr>
-          <p:cNvSpPr/>
+          <p:cNvPicPr>
+            <a:picLocks noChangeAspect="1"/>
+          </p:cNvPicPr>
           <p:nvPr/>
-        </p:nvSpPr>
+        </p:nvPicPr>
+        <p:blipFill>
+          <a:blip r:embed="rId2"/>
+          <a:stretch>
+            <a:fillRect/>
+          </a:stretch>
+        </p:blipFill>
         <p:spPr>
           <a:xfrm>
-            <a:off x="1384568" y="2931626"/>
-            <a:ext cx="1139352" cy="497374"/>
+            <a:off x="1218533" y="3170149"/>
+            <a:ext cx="3915871" cy="1582886"/>
           </a:xfrm>
           <a:prstGeom prst="rect">
             <a:avLst/>
           </a:prstGeom>
         </p:spPr>
-        <p:style>
-          <a:lnRef idx="1">
-            <a:schemeClr val="accent3"/>
-          </a:lnRef>
-          <a:fillRef idx="2">
-            <a:schemeClr val="accent3"/>
-          </a:fillRef>
-          <a:effectRef idx="1">
-            <a:schemeClr val="accent3"/>
-          </a:effectRef>
-          <a:fontRef idx="minor">
-            <a:schemeClr val="dk1"/>
-          </a:fontRef>
-        </p:style>
-        <p:txBody>
-          <a:bodyPr rtlCol="0" anchor="ctr"/>
-          <a:lstStyle/>
-          <a:p>
-            <a:pPr algn="ctr"/>
-            <a:r>
-              <a:rPr lang="ko-KR" altLang="en-US" dirty="0"/>
-              <a:t>브라우저</a:t>
-            </a:r>
-            <a:endParaRPr lang="en-US" altLang="ko-KR" dirty="0"/>
-          </a:p>
-        </p:txBody>
-      </p:sp>
-      <p:sp>
-        <p:nvSpPr>
-          <p:cNvPr id="25" name="직사각형 24">
+      </p:pic>
+      <p:pic>
+        <p:nvPicPr>
+          <p:cNvPr id="7" name="그림 6">
             <a:extLst>
               <a:ext uri="{FF2B5EF4-FFF2-40B4-BE49-F238E27FC236}">
-                <a16:creationId xmlns:a16="http://schemas.microsoft.com/office/drawing/2014/main" id="{B2036BCA-013E-4FBF-9E3D-9A23573DCB65}"/>
+                <a16:creationId xmlns:a16="http://schemas.microsoft.com/office/drawing/2014/main" id="{7C4D7D72-B0D0-4AEF-94A3-F4EF665FA2E5}"/>
               </a:ext>
             </a:extLst>
           </p:cNvPr>
-          <p:cNvSpPr/>
+          <p:cNvPicPr>
+            <a:picLocks noChangeAspect="1"/>
+          </p:cNvPicPr>
           <p:nvPr/>
-        </p:nvSpPr>
+        </p:nvPicPr>
+        <p:blipFill>
+          <a:blip r:embed="rId3"/>
+          <a:stretch>
+            <a:fillRect/>
+          </a:stretch>
+        </p:blipFill>
         <p:spPr>
           <a:xfrm>
-            <a:off x="3966766" y="2931626"/>
-            <a:ext cx="1026234" cy="497374"/>
+            <a:off x="5729935" y="2967848"/>
+            <a:ext cx="5762196" cy="2925975"/>
           </a:xfrm>
           <a:prstGeom prst="rect">
             <a:avLst/>
           </a:prstGeom>
         </p:spPr>
-        <p:style>
-          <a:lnRef idx="1">
-            <a:schemeClr val="accent3"/>
-          </a:lnRef>
-          <a:fillRef idx="2">
-            <a:schemeClr val="accent3"/>
-          </a:fillRef>
-          <a:effectRef idx="1">
-            <a:schemeClr val="accent3"/>
-          </a:effectRef>
-          <a:fontRef idx="minor">
-            <a:schemeClr val="dk1"/>
-          </a:fontRef>
-        </p:style>
-        <p:txBody>
-          <a:bodyPr rtlCol="0" anchor="ctr"/>
-          <a:lstStyle/>
-          <a:p>
-            <a:pPr algn="ctr"/>
-            <a:r>
-              <a:rPr lang="en-US" altLang="ko-KR" dirty="0"/>
-              <a:t>WEB</a:t>
-            </a:r>
-            <a:endParaRPr lang="ko-KR" altLang="en-US" dirty="0"/>
-          </a:p>
-        </p:txBody>
-      </p:sp>
-      <p:cxnSp>
-        <p:nvCxnSpPr>
-          <p:cNvPr id="26" name="직선 연결선 25">
+      </p:pic>
+      <p:sp>
+        <p:nvSpPr>
+          <p:cNvPr id="10" name="TextBox 9">
             <a:extLst>
               <a:ext uri="{FF2B5EF4-FFF2-40B4-BE49-F238E27FC236}">
-                <a16:creationId xmlns:a16="http://schemas.microsoft.com/office/drawing/2014/main" id="{9A332B51-3407-4991-A568-3F347D0F35FD}"/>
-              </a:ext>
-            </a:extLst>
-          </p:cNvPr>
-          <p:cNvCxnSpPr>
-            <a:cxnSpLocks/>
-            <a:stCxn id="24" idx="3"/>
-            <a:endCxn id="25" idx="1"/>
-          </p:cNvCxnSpPr>
-          <p:nvPr/>
-        </p:nvCxnSpPr>
-        <p:spPr>
-          <a:xfrm>
-            <a:off x="2523920" y="3180313"/>
-            <a:ext cx="1442846" cy="0"/>
-          </a:xfrm>
-          <a:prstGeom prst="line">
-            <a:avLst/>
-          </a:prstGeom>
-        </p:spPr>
-        <p:style>
-          <a:lnRef idx="3">
-            <a:schemeClr val="dk1"/>
-          </a:lnRef>
-          <a:fillRef idx="0">
-            <a:schemeClr val="dk1"/>
-          </a:fillRef>
-          <a:effectRef idx="2">
-            <a:schemeClr val="dk1"/>
-          </a:effectRef>
-          <a:fontRef idx="minor">
-            <a:schemeClr val="tx1"/>
-          </a:fontRef>
-        </p:style>
-      </p:cxnSp>
-      <p:sp>
-        <p:nvSpPr>
-          <p:cNvPr id="27" name="TextBox 26">
-            <a:extLst>
-              <a:ext uri="{FF2B5EF4-FFF2-40B4-BE49-F238E27FC236}">
-                <a16:creationId xmlns:a16="http://schemas.microsoft.com/office/drawing/2014/main" id="{8FFBCECA-0F00-446A-953F-430CC5998390}"/>
+                <a16:creationId xmlns:a16="http://schemas.microsoft.com/office/drawing/2014/main" id="{E87EFB7E-FE0B-4BCD-AAFA-D8C3E3D895D7}"/>
               </a:ext>
             </a:extLst>
           </p:cNvPr>
@@ -17741,8 +18379,8 @@
         </p:nvSpPr>
         <p:spPr>
           <a:xfrm>
-            <a:off x="2837462" y="2810981"/>
-            <a:ext cx="877163" cy="369332"/>
+            <a:off x="5729934" y="2495893"/>
+            <a:ext cx="3414065" cy="369332"/>
           </a:xfrm>
           <a:prstGeom prst="rect">
             <a:avLst/>
@@ -17750,24 +18388,34 @@
           <a:noFill/>
         </p:spPr>
         <p:txBody>
-          <a:bodyPr wrap="none" rtlCol="0">
+          <a:bodyPr wrap="square" rtlCol="0">
             <a:spAutoFit/>
           </a:bodyPr>
           <a:lstStyle/>
           <a:p>
             <a:r>
-              <a:rPr lang="ko-KR" altLang="en-US" dirty="0"/>
-              <a:t>인터넷</a:t>
-            </a:r>
+              <a:rPr lang="en-US" altLang="ko-KR" sz="1800">
+                <a:solidFill>
+                  <a:schemeClr val="accent1"/>
+                </a:solidFill>
+                <a:latin typeface="Consolas" panose="020B0609020204030204" pitchFamily="49" charset="0"/>
+              </a:rPr>
+              <a:t>- MasterController.java</a:t>
+            </a:r>
+            <a:endParaRPr lang="ko-KR" altLang="en-US" dirty="0">
+              <a:solidFill>
+                <a:schemeClr val="accent1"/>
+              </a:solidFill>
+            </a:endParaRPr>
           </a:p>
         </p:txBody>
       </p:sp>
       <p:sp>
         <p:nvSpPr>
-          <p:cNvPr id="28" name="TextBox 27">
+          <p:cNvPr id="11" name="TextBox 10">
             <a:extLst>
               <a:ext uri="{FF2B5EF4-FFF2-40B4-BE49-F238E27FC236}">
-                <a16:creationId xmlns:a16="http://schemas.microsoft.com/office/drawing/2014/main" id="{83375635-060F-464B-AA1B-DC0C9F3CD995}"/>
+                <a16:creationId xmlns:a16="http://schemas.microsoft.com/office/drawing/2014/main" id="{82C62274-000B-47CE-B7FE-23819C682B24}"/>
               </a:ext>
             </a:extLst>
           </p:cNvPr>
@@ -17776,8 +18424,8 @@
         </p:nvSpPr>
         <p:spPr>
           <a:xfrm>
-            <a:off x="3966766" y="3579297"/>
-            <a:ext cx="1941557" cy="369332"/>
+            <a:off x="1218533" y="2680559"/>
+            <a:ext cx="2435028" cy="369332"/>
           </a:xfrm>
           <a:prstGeom prst="rect">
             <a:avLst/>
@@ -17785,507 +18433,32 @@
           <a:noFill/>
         </p:spPr>
         <p:txBody>
-          <a:bodyPr wrap="none" rtlCol="0">
+          <a:bodyPr wrap="square" rtlCol="0">
             <a:spAutoFit/>
           </a:bodyPr>
           <a:lstStyle/>
           <a:p>
             <a:r>
-              <a:rPr lang="en-US" altLang="ko-KR" dirty="0"/>
-              <a:t>443 : WEB(https)</a:t>
-            </a:r>
-            <a:endParaRPr lang="ko-KR" altLang="en-US" dirty="0"/>
-          </a:p>
-        </p:txBody>
-      </p:sp>
-      <p:sp>
-        <p:nvSpPr>
-          <p:cNvPr id="9" name="직사각형 8">
-            <a:extLst>
-              <a:ext uri="{FF2B5EF4-FFF2-40B4-BE49-F238E27FC236}">
-                <a16:creationId xmlns:a16="http://schemas.microsoft.com/office/drawing/2014/main" id="{21125A84-E343-49FF-B2AD-889CCB0AF864}"/>
-              </a:ext>
-            </a:extLst>
-          </p:cNvPr>
-          <p:cNvSpPr/>
-          <p:nvPr/>
-        </p:nvSpPr>
-        <p:spPr>
-          <a:xfrm>
-            <a:off x="6435846" y="2931626"/>
-            <a:ext cx="1026234" cy="497374"/>
-          </a:xfrm>
-          <a:prstGeom prst="rect">
-            <a:avLst/>
-          </a:prstGeom>
-        </p:spPr>
-        <p:style>
-          <a:lnRef idx="1">
-            <a:schemeClr val="accent3"/>
-          </a:lnRef>
-          <a:fillRef idx="2">
-            <a:schemeClr val="accent3"/>
-          </a:fillRef>
-          <a:effectRef idx="1">
-            <a:schemeClr val="accent3"/>
-          </a:effectRef>
-          <a:fontRef idx="minor">
-            <a:schemeClr val="dk1"/>
-          </a:fontRef>
-        </p:style>
-        <p:txBody>
-          <a:bodyPr rtlCol="0" anchor="ctr"/>
-          <a:lstStyle/>
-          <a:p>
-            <a:pPr algn="ctr"/>
-            <a:r>
-              <a:rPr lang="en-US" altLang="ko-KR" dirty="0"/>
-              <a:t>WAS</a:t>
-            </a:r>
-            <a:endParaRPr lang="ko-KR" altLang="en-US" dirty="0"/>
-          </a:p>
-        </p:txBody>
-      </p:sp>
-      <p:cxnSp>
-        <p:nvCxnSpPr>
-          <p:cNvPr id="12" name="직선 연결선 11">
-            <a:extLst>
-              <a:ext uri="{FF2B5EF4-FFF2-40B4-BE49-F238E27FC236}">
-                <a16:creationId xmlns:a16="http://schemas.microsoft.com/office/drawing/2014/main" id="{05F482C8-5245-4735-9B8A-3549052121DB}"/>
-              </a:ext>
-            </a:extLst>
-          </p:cNvPr>
-          <p:cNvCxnSpPr>
-            <a:cxnSpLocks/>
-          </p:cNvCxnSpPr>
-          <p:nvPr/>
-        </p:nvCxnSpPr>
-        <p:spPr>
-          <a:xfrm>
-            <a:off x="4993000" y="3180313"/>
-            <a:ext cx="1442846" cy="0"/>
-          </a:xfrm>
-          <a:prstGeom prst="line">
-            <a:avLst/>
-          </a:prstGeom>
-        </p:spPr>
-        <p:style>
-          <a:lnRef idx="3">
-            <a:schemeClr val="dk1"/>
-          </a:lnRef>
-          <a:fillRef idx="0">
-            <a:schemeClr val="dk1"/>
-          </a:fillRef>
-          <a:effectRef idx="2">
-            <a:schemeClr val="dk1"/>
-          </a:effectRef>
-          <a:fontRef idx="minor">
-            <a:schemeClr val="tx1"/>
-          </a:fontRef>
-        </p:style>
-      </p:cxnSp>
-      <p:sp>
-        <p:nvSpPr>
-          <p:cNvPr id="13" name="TextBox 12">
-            <a:extLst>
-              <a:ext uri="{FF2B5EF4-FFF2-40B4-BE49-F238E27FC236}">
-                <a16:creationId xmlns:a16="http://schemas.microsoft.com/office/drawing/2014/main" id="{17305224-18C1-40B4-BDDA-FA0DC5EDFDE4}"/>
-              </a:ext>
-            </a:extLst>
-          </p:cNvPr>
-          <p:cNvSpPr txBox="1"/>
-          <p:nvPr/>
-        </p:nvSpPr>
-        <p:spPr>
-          <a:xfrm>
-            <a:off x="6711062" y="3579297"/>
-            <a:ext cx="2433102" cy="369332"/>
-          </a:xfrm>
-          <a:prstGeom prst="rect">
-            <a:avLst/>
-          </a:prstGeom>
-          <a:noFill/>
-        </p:spPr>
-        <p:txBody>
-          <a:bodyPr wrap="none" rtlCol="0">
-            <a:spAutoFit/>
-          </a:bodyPr>
-          <a:lstStyle/>
-          <a:p>
-            <a:r>
-              <a:rPr lang="en-US" altLang="ko-KR" dirty="0"/>
-              <a:t>18080 : WAS(TCP/IP)</a:t>
-            </a:r>
-            <a:endParaRPr lang="ko-KR" altLang="en-US" dirty="0"/>
-          </a:p>
-        </p:txBody>
-      </p:sp>
-      <p:sp>
-        <p:nvSpPr>
-          <p:cNvPr id="14" name="직사각형 13">
-            <a:extLst>
-              <a:ext uri="{FF2B5EF4-FFF2-40B4-BE49-F238E27FC236}">
-                <a16:creationId xmlns:a16="http://schemas.microsoft.com/office/drawing/2014/main" id="{332C5718-DD11-4DA7-A957-AE5C2C9D6CED}"/>
-              </a:ext>
-            </a:extLst>
-          </p:cNvPr>
-          <p:cNvSpPr/>
-          <p:nvPr/>
-        </p:nvSpPr>
-        <p:spPr>
-          <a:xfrm>
-            <a:off x="3458279" y="4138451"/>
-            <a:ext cx="1941557" cy="462133"/>
-          </a:xfrm>
-          <a:prstGeom prst="rect">
-            <a:avLst/>
-          </a:prstGeom>
-        </p:spPr>
-        <p:style>
-          <a:lnRef idx="0">
-            <a:schemeClr val="accent1"/>
-          </a:lnRef>
-          <a:fillRef idx="3">
-            <a:schemeClr val="accent1"/>
-          </a:fillRef>
-          <a:effectRef idx="3">
-            <a:schemeClr val="accent1"/>
-          </a:effectRef>
-          <a:fontRef idx="minor">
-            <a:schemeClr val="lt1"/>
-          </a:fontRef>
-        </p:style>
-        <p:txBody>
-          <a:bodyPr rtlCol="0" anchor="ctr"/>
-          <a:lstStyle/>
-          <a:p>
-            <a:pPr algn="ctr"/>
-            <a:r>
-              <a:rPr lang="en-US" altLang="ko-KR" dirty="0"/>
-              <a:t>DMZ</a:t>
-            </a:r>
-            <a:endParaRPr lang="ko-KR" altLang="en-US" dirty="0"/>
-          </a:p>
-        </p:txBody>
-      </p:sp>
-      <p:sp>
-        <p:nvSpPr>
-          <p:cNvPr id="15" name="직사각형 14">
-            <a:extLst>
-              <a:ext uri="{FF2B5EF4-FFF2-40B4-BE49-F238E27FC236}">
-                <a16:creationId xmlns:a16="http://schemas.microsoft.com/office/drawing/2014/main" id="{8CD0E332-7534-4087-87BB-C764DAFB1265}"/>
-              </a:ext>
-            </a:extLst>
-          </p:cNvPr>
-          <p:cNvSpPr/>
-          <p:nvPr/>
-        </p:nvSpPr>
-        <p:spPr>
-          <a:xfrm>
-            <a:off x="5978184" y="4119219"/>
-            <a:ext cx="1941557" cy="462133"/>
-          </a:xfrm>
-          <a:prstGeom prst="rect">
-            <a:avLst/>
-          </a:prstGeom>
-        </p:spPr>
-        <p:style>
-          <a:lnRef idx="0">
-            <a:schemeClr val="accent1"/>
-          </a:lnRef>
-          <a:fillRef idx="3">
-            <a:schemeClr val="accent1"/>
-          </a:fillRef>
-          <a:effectRef idx="3">
-            <a:schemeClr val="accent1"/>
-          </a:effectRef>
-          <a:fontRef idx="minor">
-            <a:schemeClr val="lt1"/>
-          </a:fontRef>
-        </p:style>
-        <p:txBody>
-          <a:bodyPr rtlCol="0" anchor="ctr"/>
-          <a:lstStyle/>
-          <a:p>
-            <a:pPr algn="ctr"/>
-            <a:r>
-              <a:rPr lang="ko-KR" altLang="en-US" dirty="0" err="1"/>
-              <a:t>내부망</a:t>
-            </a:r>
-            <a:endParaRPr lang="ko-KR" altLang="en-US" dirty="0"/>
-          </a:p>
-        </p:txBody>
-      </p:sp>
-      <p:sp>
-        <p:nvSpPr>
-          <p:cNvPr id="16" name="직사각형 15">
-            <a:extLst>
-              <a:ext uri="{FF2B5EF4-FFF2-40B4-BE49-F238E27FC236}">
-                <a16:creationId xmlns:a16="http://schemas.microsoft.com/office/drawing/2014/main" id="{17DA843E-4A3C-4691-88EB-76052E00FEA7}"/>
-              </a:ext>
-            </a:extLst>
-          </p:cNvPr>
-          <p:cNvSpPr/>
-          <p:nvPr/>
-        </p:nvSpPr>
-        <p:spPr>
-          <a:xfrm>
-            <a:off x="7138629" y="1959040"/>
-            <a:ext cx="1026234" cy="497374"/>
-          </a:xfrm>
-          <a:prstGeom prst="rect">
-            <a:avLst/>
-          </a:prstGeom>
-        </p:spPr>
-        <p:style>
-          <a:lnRef idx="1">
-            <a:schemeClr val="accent3"/>
-          </a:lnRef>
-          <a:fillRef idx="2">
-            <a:schemeClr val="accent3"/>
-          </a:fillRef>
-          <a:effectRef idx="1">
-            <a:schemeClr val="accent3"/>
-          </a:effectRef>
-          <a:fontRef idx="minor">
-            <a:schemeClr val="dk1"/>
-          </a:fontRef>
-        </p:style>
-        <p:txBody>
-          <a:bodyPr rtlCol="0" anchor="ctr"/>
-          <a:lstStyle/>
-          <a:p>
-            <a:pPr algn="ctr"/>
-            <a:r>
-              <a:rPr lang="en-US" altLang="ko-KR" dirty="0"/>
-              <a:t>DBMS</a:t>
-            </a:r>
-            <a:endParaRPr lang="ko-KR" altLang="en-US" dirty="0"/>
-          </a:p>
-        </p:txBody>
-      </p:sp>
-      <p:sp>
-        <p:nvSpPr>
-          <p:cNvPr id="17" name="직사각형 16">
-            <a:extLst>
-              <a:ext uri="{FF2B5EF4-FFF2-40B4-BE49-F238E27FC236}">
-                <a16:creationId xmlns:a16="http://schemas.microsoft.com/office/drawing/2014/main" id="{AC0B66A1-4600-4A82-A369-47B697A4A890}"/>
-              </a:ext>
-            </a:extLst>
-          </p:cNvPr>
-          <p:cNvSpPr/>
-          <p:nvPr/>
-        </p:nvSpPr>
-        <p:spPr>
-          <a:xfrm>
-            <a:off x="5979260" y="1959040"/>
-            <a:ext cx="1026234" cy="497374"/>
-          </a:xfrm>
-          <a:prstGeom prst="rect">
-            <a:avLst/>
-          </a:prstGeom>
-        </p:spPr>
-        <p:style>
-          <a:lnRef idx="1">
-            <a:schemeClr val="accent3"/>
-          </a:lnRef>
-          <a:fillRef idx="2">
-            <a:schemeClr val="accent3"/>
-          </a:fillRef>
-          <a:effectRef idx="1">
-            <a:schemeClr val="accent3"/>
-          </a:effectRef>
-          <a:fontRef idx="minor">
-            <a:schemeClr val="dk1"/>
-          </a:fontRef>
-        </p:style>
-        <p:txBody>
-          <a:bodyPr rtlCol="0" anchor="ctr"/>
-          <a:lstStyle/>
-          <a:p>
-            <a:pPr algn="ctr"/>
-            <a:r>
-              <a:rPr lang="en-US" altLang="ko-KR" sz="1600" dirty="0"/>
-              <a:t>API G/W</a:t>
-            </a:r>
-            <a:endParaRPr lang="ko-KR" altLang="en-US" sz="1600" dirty="0"/>
-          </a:p>
-        </p:txBody>
-      </p:sp>
-      <p:cxnSp>
-        <p:nvCxnSpPr>
-          <p:cNvPr id="21" name="직선 연결선 20">
-            <a:extLst>
-              <a:ext uri="{FF2B5EF4-FFF2-40B4-BE49-F238E27FC236}">
-                <a16:creationId xmlns:a16="http://schemas.microsoft.com/office/drawing/2014/main" id="{2E394BD2-3A4D-4642-B805-A5268A92F4A9}"/>
-              </a:ext>
-            </a:extLst>
-          </p:cNvPr>
-          <p:cNvCxnSpPr>
-            <a:cxnSpLocks/>
-            <a:stCxn id="9" idx="0"/>
-            <a:endCxn id="16" idx="2"/>
-          </p:cNvCxnSpPr>
-          <p:nvPr/>
-        </p:nvCxnSpPr>
-        <p:spPr>
-          <a:xfrm flipV="1">
-            <a:off x="6948963" y="2456414"/>
-            <a:ext cx="702783" cy="475212"/>
-          </a:xfrm>
-          <a:prstGeom prst="line">
-            <a:avLst/>
-          </a:prstGeom>
-        </p:spPr>
-        <p:style>
-          <a:lnRef idx="3">
-            <a:schemeClr val="dk1"/>
-          </a:lnRef>
-          <a:fillRef idx="0">
-            <a:schemeClr val="dk1"/>
-          </a:fillRef>
-          <a:effectRef idx="2">
-            <a:schemeClr val="dk1"/>
-          </a:effectRef>
-          <a:fontRef idx="minor">
-            <a:schemeClr val="tx1"/>
-          </a:fontRef>
-        </p:style>
-      </p:cxnSp>
-      <p:pic>
-        <p:nvPicPr>
-          <p:cNvPr id="18" name="Picture 2">
-            <a:extLst>
-              <a:ext uri="{FF2B5EF4-FFF2-40B4-BE49-F238E27FC236}">
-                <a16:creationId xmlns:a16="http://schemas.microsoft.com/office/drawing/2014/main" id="{3E97FD11-BF98-47CE-A385-609458B8D454}"/>
-              </a:ext>
-            </a:extLst>
-          </p:cNvPr>
-          <p:cNvPicPr>
-            <a:picLocks noChangeAspect="1" noChangeArrowheads="1"/>
-          </p:cNvPicPr>
-          <p:nvPr/>
-        </p:nvPicPr>
-        <p:blipFill>
-          <a:blip r:embed="rId2">
-            <a:extLst>
-              <a:ext uri="{28A0092B-C50C-407E-A947-70E740481C1C}">
-                <a14:useLocalDpi xmlns:a14="http://schemas.microsoft.com/office/drawing/2010/main" val="0"/>
-              </a:ext>
-            </a:extLst>
-          </a:blip>
-          <a:srcRect/>
-          <a:stretch>
-            <a:fillRect/>
-          </a:stretch>
-        </p:blipFill>
-        <p:spPr bwMode="auto">
-          <a:xfrm>
-            <a:off x="8538785" y="1484737"/>
-            <a:ext cx="3280943" cy="1944263"/>
-          </a:xfrm>
-          <a:prstGeom prst="rect">
-            <a:avLst/>
-          </a:prstGeom>
-          <a:noFill/>
-          <a:extLst>
-            <a:ext uri="{909E8E84-426E-40DD-AFC4-6F175D3DCCD1}">
-              <a14:hiddenFill xmlns:a14="http://schemas.microsoft.com/office/drawing/2010/main">
+              <a:rPr lang="en-US" altLang="ko-KR" sz="1800">
                 <a:solidFill>
-                  <a:srgbClr val="FFFFFF"/>
+                  <a:schemeClr val="accent1"/>
                 </a:solidFill>
-              </a14:hiddenFill>
-            </a:ext>
-          </a:extLst>
-        </p:spPr>
-      </p:pic>
-      <p:cxnSp>
-        <p:nvCxnSpPr>
-          <p:cNvPr id="23" name="직선 연결선 22">
-            <a:extLst>
-              <a:ext uri="{FF2B5EF4-FFF2-40B4-BE49-F238E27FC236}">
-                <a16:creationId xmlns:a16="http://schemas.microsoft.com/office/drawing/2014/main" id="{1376E256-90E3-47CF-A1DC-AB66855065AB}"/>
-              </a:ext>
-            </a:extLst>
-          </p:cNvPr>
-          <p:cNvCxnSpPr>
-            <a:cxnSpLocks/>
-            <a:stCxn id="9" idx="0"/>
-            <a:endCxn id="17" idx="2"/>
-          </p:cNvCxnSpPr>
-          <p:nvPr/>
-        </p:nvCxnSpPr>
-        <p:spPr>
-          <a:xfrm flipH="1" flipV="1">
-            <a:off x="6492377" y="2456414"/>
-            <a:ext cx="456586" cy="475212"/>
-          </a:xfrm>
-          <a:prstGeom prst="line">
-            <a:avLst/>
-          </a:prstGeom>
-        </p:spPr>
-        <p:style>
-          <a:lnRef idx="3">
-            <a:schemeClr val="dk1"/>
-          </a:lnRef>
-          <a:fillRef idx="0">
-            <a:schemeClr val="dk1"/>
-          </a:fillRef>
-          <a:effectRef idx="2">
-            <a:schemeClr val="dk1"/>
-          </a:effectRef>
-          <a:fontRef idx="minor">
-            <a:schemeClr val="tx1"/>
-          </a:fontRef>
-        </p:style>
-      </p:cxnSp>
-      <p:sp>
-        <p:nvSpPr>
-          <p:cNvPr id="32" name="TextBox 31">
-            <a:extLst>
-              <a:ext uri="{FF2B5EF4-FFF2-40B4-BE49-F238E27FC236}">
-                <a16:creationId xmlns:a16="http://schemas.microsoft.com/office/drawing/2014/main" id="{FA96586B-5A8B-4066-93A3-AB21DE077BC2}"/>
-              </a:ext>
-            </a:extLst>
-          </p:cNvPr>
-          <p:cNvSpPr txBox="1"/>
-          <p:nvPr/>
-        </p:nvSpPr>
-        <p:spPr>
-          <a:xfrm>
-            <a:off x="1174832" y="5021195"/>
-            <a:ext cx="2698175" cy="646331"/>
-          </a:xfrm>
-          <a:prstGeom prst="rect">
-            <a:avLst/>
-          </a:prstGeom>
-          <a:noFill/>
-        </p:spPr>
-        <p:txBody>
-          <a:bodyPr wrap="none" rtlCol="0">
-            <a:spAutoFit/>
-          </a:bodyPr>
-          <a:lstStyle/>
-          <a:p>
-            <a:r>
-              <a:rPr lang="en-US" altLang="ko-KR" dirty="0"/>
-              <a:t>https://a.com/js/a.css</a:t>
-            </a:r>
-            <a:endParaRPr lang="ko-KR" altLang="en-US" dirty="0"/>
-          </a:p>
-          <a:p>
-            <a:r>
-              <a:rPr lang="en-US" altLang="ko-KR" dirty="0"/>
-              <a:t>https://a.com/waf/callList</a:t>
-            </a:r>
-            <a:endParaRPr lang="ko-KR" altLang="en-US" dirty="0"/>
+                <a:latin typeface="Consolas" panose="020B0609020204030204" pitchFamily="49" charset="0"/>
+              </a:rPr>
+              <a:t>- Admin.java</a:t>
+            </a:r>
+            <a:endParaRPr lang="ko-KR" altLang="en-US" dirty="0">
+              <a:solidFill>
+                <a:schemeClr val="accent1"/>
+              </a:solidFill>
+            </a:endParaRPr>
           </a:p>
         </p:txBody>
       </p:sp>
     </p:spTree>
     <p:extLst>
       <p:ext uri="{BB962C8B-B14F-4D97-AF65-F5344CB8AC3E}">
-        <p14:creationId xmlns:p14="http://schemas.microsoft.com/office/powerpoint/2010/main" val="112143458"/>
+        <p14:creationId xmlns:p14="http://schemas.microsoft.com/office/powerpoint/2010/main" val="2983092278"/>
       </p:ext>
     </p:extLst>
   </p:cSld>

--- a/inflearn01/doc/내가만든코드는개발테스트운영에서작동합니다.pptx
+++ b/inflearn01/doc/내가만든코드는개발테스트운영에서작동합니다.pptx
@@ -232,7 +232,7 @@
                 <a:latin typeface="맑은 고딕" panose="020B0503020000020004" pitchFamily="50" charset="-127"/>
                 <a:ea typeface="맑은 고딕" panose="020B0503020000020004" pitchFamily="50" charset="-127"/>
               </a:rPr>
-              <a:t>2021년 6월 8일</a:t>
+              <a:t>2021년 6월 9일</a:t>
             </a:fld>
             <a:endParaRPr lang="ko-KR" altLang="en-US">
               <a:latin typeface="맑은 고딕" panose="020B0503020000020004" pitchFamily="50" charset="-127"/>
@@ -418,7 +418,7 @@
             <a:fld id="{BE16EC8A-0758-4FA9-BF4D-3119057076D1}" type="datetime4">
               <a:rPr lang="ko-KR" altLang="en-US" smtClean="0"/>
               <a:pPr/>
-              <a:t>2021년 6월 8일</a:t>
+              <a:t>2021년 6월 9일</a:t>
             </a:fld>
             <a:endParaRPr lang="ko-KR" altLang="en-US"/>
           </a:p>
@@ -2900,7 +2900,7 @@
           <a:p>
             <a:fld id="{2A5B65E4-62A8-4988-B07B-5D6D443B14ED}" type="datetime4">
               <a:rPr lang="ko-KR" altLang="en-US" smtClean="0"/>
-              <a:t>2021년 6월 8일</a:t>
+              <a:t>2021년 6월 9일</a:t>
             </a:fld>
             <a:endParaRPr lang="ko-KR" altLang="en-US"/>
           </a:p>
@@ -3156,7 +3156,7 @@
           <a:p>
             <a:fld id="{58EB6286-0DE7-4336-9826-977AD102FCF2}" type="datetime4">
               <a:rPr lang="ko-KR" altLang="en-US" noProof="0" smtClean="0"/>
-              <a:t>2021년 6월 8일</a:t>
+              <a:t>2021년 6월 9일</a:t>
             </a:fld>
             <a:endParaRPr lang="ko-KR" altLang="en-US" noProof="0"/>
           </a:p>
@@ -3352,7 +3352,7 @@
             <a:pPr rtl="0"/>
             <a:fld id="{6A5419DA-7218-42E5-A443-F000500111E1}" type="datetime4">
               <a:rPr lang="ko-KR" altLang="en-US" noProof="0" smtClean="0"/>
-              <a:t>2021년 6월 8일</a:t>
+              <a:t>2021년 6월 9일</a:t>
             </a:fld>
             <a:endParaRPr lang="ko-KR" altLang="en-US" noProof="0"/>
           </a:p>
@@ -5753,7 +5753,7 @@
           <a:p>
             <a:fld id="{E498C52F-1DF1-4226-BAB6-C1E2EE4C9D62}" type="datetime4">
               <a:rPr lang="ko-KR" altLang="en-US" noProof="0" smtClean="0"/>
-              <a:t>2021년 6월 8일</a:t>
+              <a:t>2021년 6월 9일</a:t>
             </a:fld>
             <a:endParaRPr lang="ko-KR" altLang="en-US" noProof="0"/>
           </a:p>
@@ -6272,7 +6272,7 @@
           <a:p>
             <a:fld id="{7B1E1FFC-F755-4558-8D3C-A157D1A01A8A}" type="datetime4">
               <a:rPr lang="ko-KR" altLang="en-US" noProof="0" smtClean="0"/>
-              <a:t>2021년 6월 8일</a:t>
+              <a:t>2021년 6월 9일</a:t>
             </a:fld>
             <a:endParaRPr lang="ko-KR" altLang="en-US" noProof="0"/>
           </a:p>
@@ -6416,7 +6416,7 @@
             <a:pPr rtl="0"/>
             <a:fld id="{DA2A33C0-A4A8-4C90-B6DA-35B8CF58C816}" type="datetime4">
               <a:rPr lang="ko-KR" altLang="en-US" noProof="0" smtClean="0"/>
-              <a:t>2021년 6월 8일</a:t>
+              <a:t>2021년 6월 9일</a:t>
             </a:fld>
             <a:endParaRPr lang="ko-KR" altLang="en-US" noProof="0"/>
           </a:p>
@@ -8364,7 +8364,7 @@
           <a:p>
             <a:fld id="{53CB1B8F-A14A-4BE4-A9B9-3B263F04145C}" type="datetime4">
               <a:rPr lang="ko-KR" altLang="en-US" noProof="0" smtClean="0"/>
-              <a:t>2021년 6월 8일</a:t>
+              <a:t>2021년 6월 9일</a:t>
             </a:fld>
             <a:endParaRPr lang="ko-KR" altLang="en-US" noProof="0"/>
           </a:p>
@@ -10661,7 +10661,7 @@
           <a:p>
             <a:fld id="{5B9196A3-957C-4113-A568-B6ED9AEA3D01}" type="datetime4">
               <a:rPr lang="ko-KR" altLang="en-US" noProof="0" smtClean="0"/>
-              <a:t>2021년 6월 8일</a:t>
+              <a:t>2021년 6월 9일</a:t>
             </a:fld>
             <a:endParaRPr lang="ko-KR" altLang="en-US" noProof="0"/>
           </a:p>
@@ -14978,7 +14978,7 @@
           <a:p>
             <a:fld id="{28BEB146-D335-4DA5-9826-58595BCDBE2E}" type="datetime4">
               <a:rPr lang="ko-KR" altLang="en-US" noProof="0" smtClean="0"/>
-              <a:t>2021년 6월 8일</a:t>
+              <a:t>2021년 6월 9일</a:t>
             </a:fld>
             <a:endParaRPr lang="ko-KR" altLang="en-US" noProof="0"/>
           </a:p>
@@ -16524,18 +16524,21 @@
           <a:p>
             <a:r>
               <a:rPr lang="en-US" altLang="ko-KR"/>
-              <a:t>appRootUrl/web/WEB-INF/classes/init.yaml</a:t>
+              <a:t>[APP_ROOT_URL]/web</a:t>
             </a:r>
           </a:p>
           <a:p>
             <a:r>
               <a:rPr lang="en-US" altLang="ko-KR"/>
-              <a:t>classpath </a:t>
+              <a:t>init.yaml -&gt; classpath </a:t>
             </a:r>
             <a:r>
               <a:rPr lang="ko-KR" altLang="en-US"/>
               <a:t>사용 자원 찾기 </a:t>
             </a:r>
+            <a:br>
+              <a:rPr lang="en-US" altLang="ko-KR"/>
+            </a:br>
             <a:r>
               <a:rPr lang="en-US" altLang="ko-KR"/>
               <a:t>-&gt; </a:t>
@@ -16581,7 +16584,7 @@
         </p:nvSpPr>
         <p:spPr>
           <a:xfrm>
-            <a:off x="1424872" y="3573529"/>
+            <a:off x="1424872" y="3735369"/>
             <a:ext cx="2435028" cy="369332"/>
           </a:xfrm>
           <a:prstGeom prst="rect">
@@ -16643,7 +16646,7 @@
         </p:blipFill>
         <p:spPr>
           <a:xfrm>
-            <a:off x="873310" y="4102576"/>
+            <a:off x="873310" y="4264416"/>
             <a:ext cx="4467433" cy="1798807"/>
           </a:xfrm>
           <a:prstGeom prst="rect">
@@ -16673,7 +16676,7 @@
         </p:blipFill>
         <p:spPr>
           <a:xfrm>
-            <a:off x="6225473" y="3942861"/>
+            <a:off x="6225473" y="4104701"/>
             <a:ext cx="4541656" cy="2090716"/>
           </a:xfrm>
           <a:prstGeom prst="rect">
@@ -16695,7 +16698,7 @@
         </p:nvSpPr>
         <p:spPr>
           <a:xfrm>
-            <a:off x="7047488" y="3520294"/>
+            <a:off x="7047488" y="3682134"/>
             <a:ext cx="2435028" cy="369332"/>
           </a:xfrm>
           <a:prstGeom prst="rect">

--- a/inflearn01/doc/내가만든코드는개발테스트운영에서작동합니다.pptx
+++ b/inflearn01/doc/내가만든코드는개발테스트운영에서작동합니다.pptx
@@ -15515,7 +15515,7 @@
         </p:spPr>
         <p:txBody>
           <a:bodyPr>
-            <a:normAutofit/>
+            <a:normAutofit fontScale="92500" lnSpcReduction="10000"/>
           </a:bodyPr>
           <a:lstStyle/>
           <a:p>
@@ -15610,11 +15610,15 @@
             </a:r>
             <a:r>
               <a:rPr lang="ko-KR" altLang="en-US"/>
-              <a:t>컨테이너 식별자 </a:t>
-            </a:r>
-            <a:r>
-              <a:rPr lang="ko-KR" altLang="en-US" dirty="0"/>
-              <a:t>필요</a:t>
+              <a:t>컨테이너 식별자 필요</a:t>
+            </a:r>
+            <a:endParaRPr lang="en-US" altLang="ko-KR"/>
+          </a:p>
+          <a:p>
+            <a:pPr lvl="1"/>
+            <a:r>
+              <a:rPr lang="ko-KR" altLang="en-US"/>
+              <a:t>배치프로그램</a:t>
             </a:r>
             <a:endParaRPr lang="en-US" altLang="ko-KR" dirty="0"/>
           </a:p>
@@ -17747,6 +17751,28 @@
             <a:endParaRPr lang="en-US" altLang="ko-KR"/>
           </a:p>
           <a:p>
+            <a:pPr lvl="1"/>
+            <a:endParaRPr lang="en-US" altLang="ko-KR"/>
+          </a:p>
+          <a:p>
+            <a:pPr lvl="1"/>
+            <a:r>
+              <a:rPr lang="ko-KR" altLang="en-US"/>
+              <a:t>하드코딩</a:t>
+            </a:r>
+            <a:endParaRPr lang="en-US" altLang="ko-KR"/>
+          </a:p>
+          <a:p>
+            <a:pPr marL="274320" lvl="1" indent="0">
+              <a:buNone/>
+            </a:pPr>
+            <a:endParaRPr lang="en-US" altLang="ko-KR"/>
+          </a:p>
+          <a:p>
+            <a:pPr lvl="1"/>
+            <a:endParaRPr lang="en-US" altLang="ko-KR"/>
+          </a:p>
+          <a:p>
             <a:endParaRPr lang="ko-KR" altLang="en-US" dirty="0"/>
           </a:p>
         </p:txBody>
@@ -17773,8 +17799,8 @@
         </p:blipFill>
         <p:spPr>
           <a:xfrm>
-            <a:off x="1369108" y="3932643"/>
-            <a:ext cx="6982799" cy="828791"/>
+            <a:off x="1547134" y="3914923"/>
+            <a:ext cx="5187988" cy="746089"/>
           </a:xfrm>
           <a:prstGeom prst="rect">
             <a:avLst/>
@@ -17803,8 +17829,8 @@
         </p:blipFill>
         <p:spPr>
           <a:xfrm>
-            <a:off x="3646549" y="5048607"/>
-            <a:ext cx="7306695" cy="838317"/>
+            <a:off x="6420838" y="3931541"/>
+            <a:ext cx="5771162" cy="746089"/>
           </a:xfrm>
           <a:prstGeom prst="rect">
             <a:avLst/>
@@ -17878,10 +17904,10 @@
       </p:sp>
       <p:sp>
         <p:nvSpPr>
-          <p:cNvPr id="8" name="TextBox 7">
+          <p:cNvPr id="9" name="TextBox 8">
             <a:extLst>
               <a:ext uri="{FF2B5EF4-FFF2-40B4-BE49-F238E27FC236}">
-                <a16:creationId xmlns:a16="http://schemas.microsoft.com/office/drawing/2014/main" id="{F2186825-4087-4D0E-B0ED-49ED1CB6D0ED}"/>
+                <a16:creationId xmlns:a16="http://schemas.microsoft.com/office/drawing/2014/main" id="{E02EC9BA-FA96-4BC9-974A-FC6AB31402F6}"/>
               </a:ext>
             </a:extLst>
           </p:cNvPr>
@@ -17890,8 +17916,8 @@
         </p:nvSpPr>
         <p:spPr>
           <a:xfrm>
-            <a:off x="3642993" y="4722319"/>
-            <a:ext cx="2435028" cy="369332"/>
+            <a:off x="1708997" y="5118997"/>
+            <a:ext cx="8211838" cy="646331"/>
           </a:xfrm>
           <a:prstGeom prst="rect">
             <a:avLst/>
@@ -17905,19 +17931,17 @@
           <a:lstStyle/>
           <a:p>
             <a:r>
-              <a:rPr lang="en-US" altLang="ko-KR" sz="1800">
-                <a:solidFill>
-                  <a:schemeClr val="accent1"/>
-                </a:solidFill>
-                <a:latin typeface="Consolas" panose="020B0609020204030204" pitchFamily="49" charset="0"/>
-              </a:rPr>
-              <a:t>- InitYaml.java</a:t>
-            </a:r>
-            <a:endParaRPr lang="ko-KR" altLang="en-US" dirty="0">
-              <a:solidFill>
-                <a:schemeClr val="accent1"/>
-              </a:solidFill>
-            </a:endParaRPr>
+              <a:rPr lang="en-US" altLang="ko-KR"/>
+              <a:t>InitYaml.get().setAppName(InitCode5DBByDev.class.getName());</a:t>
+            </a:r>
+            <a:endParaRPr lang="ko-KR" altLang="en-US"/>
+          </a:p>
+          <a:p>
+            <a:r>
+              <a:rPr lang="ko-KR" altLang="en-US"/>
+              <a:t> </a:t>
+            </a:r>
+            <a:endParaRPr lang="ko-KR" altLang="en-US" dirty="0"/>
           </a:p>
         </p:txBody>
       </p:sp>
